--- a/rna-seq workshop.pptx
+++ b/rna-seq workshop.pptx
@@ -10,10 +10,16 @@
     <p:sldId id="258" r:id="rId4"/>
     <p:sldId id="259" r:id="rId5"/>
     <p:sldId id="257" r:id="rId6"/>
-    <p:sldId id="260" r:id="rId7"/>
-    <p:sldId id="261" r:id="rId8"/>
-    <p:sldId id="262" r:id="rId9"/>
-    <p:sldId id="264" r:id="rId10"/>
+    <p:sldId id="265" r:id="rId7"/>
+    <p:sldId id="266" r:id="rId8"/>
+    <p:sldId id="267" r:id="rId9"/>
+    <p:sldId id="268" r:id="rId10"/>
+    <p:sldId id="269" r:id="rId11"/>
+    <p:sldId id="260" r:id="rId12"/>
+    <p:sldId id="261" r:id="rId13"/>
+    <p:sldId id="262" r:id="rId14"/>
+    <p:sldId id="264" r:id="rId15"/>
+    <p:sldId id="270" r:id="rId16"/>
   </p:sldIdLst>
   <p:sldSz cx="9144000" cy="6858000" type="screen4x3"/>
   <p:notesSz cx="6858000" cy="9144000"/>
@@ -114,7 +120,7 @@
   </p:defaultTextStyle>
   <p:extLst>
     <p:ext uri="{EFAFB233-063F-42B5-8137-9DF3F51BA10A}">
-      <p15:sldGuideLst xmlns:p15="http://schemas.microsoft.com/office/powerpoint/2012/main">
+      <p15:sldGuideLst xmlns:p15="http://schemas.microsoft.com/office/powerpoint/2012/main" xmlns="">
         <p15:guide id="1" orient="horz" pos="2160">
           <p15:clr>
             <a:srgbClr val="A4A3A4"/>
@@ -262,7 +268,7 @@
           <a:p>
             <a:fld id="{DE72398D-FDD1-114A-8509-66EEBD17B15C}" type="datetimeFigureOut">
               <a:rPr lang="en-US" smtClean="0"/>
-              <a:t>4/7/17</a:t>
+              <a:t>4/19/17</a:t>
             </a:fld>
             <a:endParaRPr lang="en-US"/>
           </a:p>
@@ -432,7 +438,7 @@
           <a:p>
             <a:fld id="{DE72398D-FDD1-114A-8509-66EEBD17B15C}" type="datetimeFigureOut">
               <a:rPr lang="en-US" smtClean="0"/>
-              <a:t>4/7/17</a:t>
+              <a:t>4/19/17</a:t>
             </a:fld>
             <a:endParaRPr lang="en-US"/>
           </a:p>
@@ -612,7 +618,7 @@
           <a:p>
             <a:fld id="{DE72398D-FDD1-114A-8509-66EEBD17B15C}" type="datetimeFigureOut">
               <a:rPr lang="en-US" smtClean="0"/>
-              <a:t>4/7/17</a:t>
+              <a:t>4/19/17</a:t>
             </a:fld>
             <a:endParaRPr lang="en-US"/>
           </a:p>
@@ -782,7 +788,7 @@
           <a:p>
             <a:fld id="{DE72398D-FDD1-114A-8509-66EEBD17B15C}" type="datetimeFigureOut">
               <a:rPr lang="en-US" smtClean="0"/>
-              <a:t>4/7/17</a:t>
+              <a:t>4/19/17</a:t>
             </a:fld>
             <a:endParaRPr lang="en-US"/>
           </a:p>
@@ -1028,7 +1034,7 @@
           <a:p>
             <a:fld id="{DE72398D-FDD1-114A-8509-66EEBD17B15C}" type="datetimeFigureOut">
               <a:rPr lang="en-US" smtClean="0"/>
-              <a:t>4/7/17</a:t>
+              <a:t>4/19/17</a:t>
             </a:fld>
             <a:endParaRPr lang="en-US"/>
           </a:p>
@@ -1260,7 +1266,7 @@
           <a:p>
             <a:fld id="{DE72398D-FDD1-114A-8509-66EEBD17B15C}" type="datetimeFigureOut">
               <a:rPr lang="en-US" smtClean="0"/>
-              <a:t>4/7/17</a:t>
+              <a:t>4/19/17</a:t>
             </a:fld>
             <a:endParaRPr lang="en-US"/>
           </a:p>
@@ -1627,7 +1633,7 @@
           <a:p>
             <a:fld id="{DE72398D-FDD1-114A-8509-66EEBD17B15C}" type="datetimeFigureOut">
               <a:rPr lang="en-US" smtClean="0"/>
-              <a:t>4/7/17</a:t>
+              <a:t>4/19/17</a:t>
             </a:fld>
             <a:endParaRPr lang="en-US"/>
           </a:p>
@@ -1745,7 +1751,7 @@
           <a:p>
             <a:fld id="{DE72398D-FDD1-114A-8509-66EEBD17B15C}" type="datetimeFigureOut">
               <a:rPr lang="en-US" smtClean="0"/>
-              <a:t>4/7/17</a:t>
+              <a:t>4/19/17</a:t>
             </a:fld>
             <a:endParaRPr lang="en-US"/>
           </a:p>
@@ -1840,7 +1846,7 @@
           <a:p>
             <a:fld id="{DE72398D-FDD1-114A-8509-66EEBD17B15C}" type="datetimeFigureOut">
               <a:rPr lang="en-US" smtClean="0"/>
-              <a:t>4/7/17</a:t>
+              <a:t>4/19/17</a:t>
             </a:fld>
             <a:endParaRPr lang="en-US"/>
           </a:p>
@@ -2117,7 +2123,7 @@
           <a:p>
             <a:fld id="{DE72398D-FDD1-114A-8509-66EEBD17B15C}" type="datetimeFigureOut">
               <a:rPr lang="en-US" smtClean="0"/>
-              <a:t>4/7/17</a:t>
+              <a:t>4/19/17</a:t>
             </a:fld>
             <a:endParaRPr lang="en-US"/>
           </a:p>
@@ -2370,7 +2376,7 @@
           <a:p>
             <a:fld id="{DE72398D-FDD1-114A-8509-66EEBD17B15C}" type="datetimeFigureOut">
               <a:rPr lang="en-US" smtClean="0"/>
-              <a:t>4/7/17</a:t>
+              <a:t>4/19/17</a:t>
             </a:fld>
             <a:endParaRPr lang="en-US"/>
           </a:p>
@@ -2583,7 +2589,7 @@
           <a:p>
             <a:fld id="{DE72398D-FDD1-114A-8509-66EEBD17B15C}" type="datetimeFigureOut">
               <a:rPr lang="en-US" smtClean="0"/>
-              <a:t>4/7/17</a:t>
+              <a:t>4/19/17</a:t>
             </a:fld>
             <a:endParaRPr lang="en-US"/>
           </a:p>
@@ -3013,7 +3019,11 @@
             </a:r>
             <a:r>
               <a:rPr lang="en-US" dirty="0" smtClean="0"/>
-              <a:t> analysis</a:t>
+              <a:t> </a:t>
+            </a:r>
+            <a:r>
+              <a:rPr lang="en-US" dirty="0" smtClean="0"/>
+              <a:t>analysis II</a:t>
             </a:r>
             <a:endParaRPr lang="en-US" dirty="0"/>
           </a:p>
@@ -3029,22 +3039,150 @@
             <p:ph type="subTitle" idx="1"/>
           </p:nvPr>
         </p:nvSpPr>
-        <p:spPr/>
-        <p:txBody>
-          <a:bodyPr/>
+        <p:spPr>
+          <a:xfrm>
+            <a:off x="1143000" y="3602038"/>
+            <a:ext cx="6858000" cy="1131377"/>
+          </a:xfrm>
+        </p:spPr>
+        <p:txBody>
+          <a:bodyPr>
+            <a:normAutofit/>
+          </a:bodyPr>
           <a:lstStyle/>
           <a:p>
             <a:r>
-              <a:rPr lang="en-US" dirty="0" smtClean="0"/>
+              <a:rPr lang="en-US" sz="2800" dirty="0" smtClean="0">
+                <a:latin typeface="+mj-lt"/>
+              </a:rPr>
               <a:t>Quantification</a:t>
             </a:r>
           </a:p>
           <a:p>
             <a:r>
-              <a:rPr lang="en-US" dirty="0" smtClean="0"/>
-              <a:t>Differential expression</a:t>
-            </a:r>
-            <a:endParaRPr lang="en-US" dirty="0"/>
+              <a:rPr lang="en-US" sz="2800" dirty="0" smtClean="0">
+                <a:latin typeface="+mj-lt"/>
+              </a:rPr>
+              <a:t>Differential </a:t>
+            </a:r>
+            <a:r>
+              <a:rPr lang="en-US" sz="2800" dirty="0" smtClean="0">
+                <a:latin typeface="+mj-lt"/>
+              </a:rPr>
+              <a:t>expression</a:t>
+            </a:r>
+          </a:p>
+          <a:p>
+            <a:endParaRPr lang="en-US" sz="2000" dirty="0"/>
+          </a:p>
+        </p:txBody>
+      </p:sp>
+      <p:sp>
+        <p:nvSpPr>
+          <p:cNvPr id="4" name="TextBox 3"/>
+          <p:cNvSpPr txBox="1"/>
+          <p:nvPr/>
+        </p:nvSpPr>
+        <p:spPr>
+          <a:xfrm>
+            <a:off x="1143000" y="5657671"/>
+            <a:ext cx="6172884" cy="1107996"/>
+          </a:xfrm>
+          <a:prstGeom prst="rect">
+            <a:avLst/>
+          </a:prstGeom>
+          <a:noFill/>
+        </p:spPr>
+        <p:txBody>
+          <a:bodyPr wrap="none" rtlCol="0">
+            <a:spAutoFit/>
+          </a:bodyPr>
+          <a:lstStyle/>
+          <a:p>
+            <a:r>
+              <a:rPr lang="en-US" sz="1600" dirty="0">
+                <a:latin typeface="Calibri Light"/>
+                <a:cs typeface="Calibri Light"/>
+              </a:rPr>
+              <a:t>Yue Jiang</a:t>
+            </a:r>
+          </a:p>
+          <a:p>
+            <a:r>
+              <a:rPr lang="en-US" sz="1600" dirty="0">
+                <a:latin typeface="Calibri Light"/>
+                <a:cs typeface="Calibri Light"/>
+              </a:rPr>
+              <a:t>Data Scientist, Juno Therapeutics</a:t>
+            </a:r>
+          </a:p>
+          <a:p>
+            <a:r>
+              <a:rPr lang="en-US" sz="1600" dirty="0">
+                <a:latin typeface="Calibri Light"/>
+                <a:cs typeface="Calibri Light"/>
+              </a:rPr>
+              <a:t>Former grad student in Prof. Hiroaki </a:t>
+            </a:r>
+            <a:r>
+              <a:rPr lang="en-US" sz="1600" dirty="0" err="1">
+                <a:latin typeface="Calibri Light"/>
+                <a:cs typeface="Calibri Light"/>
+              </a:rPr>
+              <a:t>Matsunami’s</a:t>
+            </a:r>
+            <a:r>
+              <a:rPr lang="en-US" sz="1600" dirty="0">
+                <a:latin typeface="Calibri Light"/>
+                <a:cs typeface="Calibri Light"/>
+              </a:rPr>
+              <a:t> </a:t>
+            </a:r>
+            <a:r>
+              <a:rPr lang="en-US" sz="1600" dirty="0" err="1">
+                <a:latin typeface="Calibri Light"/>
+                <a:cs typeface="Calibri Light"/>
+              </a:rPr>
+              <a:t>lab@Duke</a:t>
+            </a:r>
+            <a:r>
+              <a:rPr lang="en-US" sz="1600" dirty="0">
+                <a:latin typeface="Calibri Light"/>
+                <a:cs typeface="Calibri Light"/>
+              </a:rPr>
+              <a:t> </a:t>
+            </a:r>
+            <a:r>
+              <a:rPr lang="en-US" sz="1600" dirty="0" smtClean="0">
+                <a:latin typeface="Calibri Light"/>
+                <a:cs typeface="Calibri Light"/>
+              </a:rPr>
+              <a:t>(2010</a:t>
+            </a:r>
+            <a:r>
+              <a:rPr lang="en-US" sz="1600" dirty="0">
+                <a:latin typeface="Calibri Light"/>
+                <a:cs typeface="Calibri Light"/>
+              </a:rPr>
+              <a:t>-</a:t>
+            </a:r>
+            <a:r>
+              <a:rPr lang="en-US" sz="1600" dirty="0" smtClean="0">
+                <a:latin typeface="Calibri Light"/>
+                <a:cs typeface="Calibri Light"/>
+              </a:rPr>
+              <a:t>2015) </a:t>
+            </a:r>
+            <a:endParaRPr lang="en-US" sz="1600" dirty="0">
+              <a:latin typeface="Calibri Light"/>
+              <a:cs typeface="Calibri Light"/>
+            </a:endParaRPr>
+          </a:p>
+          <a:p>
+            <a:endParaRPr lang="en-US" sz="1600" dirty="0">
+              <a:latin typeface="Calibri Light"/>
+              <a:cs typeface="Calibri Light"/>
+            </a:endParaRPr>
           </a:p>
         </p:txBody>
       </p:sp>
@@ -3052,6 +3190,1681 @@
     <p:extLst>
       <p:ext uri="{BB962C8B-B14F-4D97-AF65-F5344CB8AC3E}">
         <p14:creationId xmlns:p14="http://schemas.microsoft.com/office/powerpoint/2010/main" val="2724151933"/>
+      </p:ext>
+    </p:extLst>
+  </p:cSld>
+  <p:clrMapOvr>
+    <a:masterClrMapping/>
+  </p:clrMapOvr>
+</p:sld>
+</file>
+
+<file path=ppt/slides/slide10.xml><?xml version="1.0" encoding="utf-8"?>
+<p:sld xmlns:a="http://schemas.openxmlformats.org/drawingml/2006/main" xmlns:r="http://schemas.openxmlformats.org/officeDocument/2006/relationships" xmlns:p="http://schemas.openxmlformats.org/presentationml/2006/main">
+  <p:cSld>
+    <p:spTree>
+      <p:nvGrpSpPr>
+        <p:cNvPr id="1" name=""/>
+        <p:cNvGrpSpPr/>
+        <p:nvPr/>
+      </p:nvGrpSpPr>
+      <p:grpSpPr>
+        <a:xfrm>
+          <a:off x="0" y="0"/>
+          <a:ext cx="0" cy="0"/>
+          <a:chOff x="0" y="0"/>
+          <a:chExt cx="0" cy="0"/>
+        </a:xfrm>
+      </p:grpSpPr>
+      <p:sp>
+        <p:nvSpPr>
+          <p:cNvPr id="8" name="Content Placeholder 7"/>
+          <p:cNvSpPr>
+            <a:spLocks noGrp="1"/>
+          </p:cNvSpPr>
+          <p:nvPr>
+            <p:ph idx="1"/>
+          </p:nvPr>
+        </p:nvSpPr>
+        <p:spPr/>
+        <p:txBody>
+          <a:bodyPr/>
+          <a:lstStyle/>
+          <a:p>
+            <a:r>
+              <a:rPr lang="en-US" dirty="0" smtClean="0">
+                <a:latin typeface="Calibri Light"/>
+                <a:cs typeface="Calibri Light"/>
+              </a:rPr>
+              <a:t>Well, until we converge.</a:t>
+            </a:r>
+          </a:p>
+          <a:p>
+            <a:r>
+              <a:rPr lang="en-US" dirty="0" smtClean="0">
+                <a:latin typeface="Calibri Light"/>
+                <a:cs typeface="Calibri Light"/>
+              </a:rPr>
+              <a:t>This way, we are </a:t>
+            </a:r>
+            <a:r>
+              <a:rPr lang="en-US" u="sng" dirty="0" smtClean="0">
+                <a:latin typeface="Calibri Light"/>
+                <a:cs typeface="Calibri Light"/>
+              </a:rPr>
+              <a:t>trying</a:t>
+            </a:r>
+            <a:r>
+              <a:rPr lang="en-US" dirty="0" smtClean="0">
+                <a:latin typeface="Calibri Light"/>
+                <a:cs typeface="Calibri Light"/>
+              </a:rPr>
+              <a:t> to </a:t>
+            </a:r>
+            <a:r>
+              <a:rPr lang="en-US" u="sng" dirty="0" smtClean="0">
+                <a:latin typeface="Calibri Light"/>
+                <a:cs typeface="Calibri Light"/>
+              </a:rPr>
+              <a:t>jointly</a:t>
+            </a:r>
+            <a:r>
+              <a:rPr lang="en-US" dirty="0" smtClean="0">
+                <a:latin typeface="Calibri Light"/>
+                <a:cs typeface="Calibri Light"/>
+              </a:rPr>
+              <a:t> solve for the </a:t>
+            </a:r>
+            <a:r>
+              <a:rPr lang="en-US" u="sng" dirty="0" smtClean="0">
+                <a:latin typeface="Calibri Light"/>
+                <a:cs typeface="Calibri Light"/>
+              </a:rPr>
+              <a:t>most likely</a:t>
+            </a:r>
+            <a:r>
+              <a:rPr lang="en-US" dirty="0" smtClean="0">
+                <a:latin typeface="Calibri Light"/>
+                <a:cs typeface="Calibri Light"/>
+              </a:rPr>
+              <a:t> transcript abundance and read assignment</a:t>
+            </a:r>
+            <a:endParaRPr lang="en-US" dirty="0">
+              <a:latin typeface="Calibri Light"/>
+              <a:cs typeface="Calibri Light"/>
+            </a:endParaRPr>
+          </a:p>
+        </p:txBody>
+      </p:sp>
+      <p:sp>
+        <p:nvSpPr>
+          <p:cNvPr id="18" name="Title 1"/>
+          <p:cNvSpPr txBox="1">
+            <a:spLocks/>
+          </p:cNvSpPr>
+          <p:nvPr/>
+        </p:nvSpPr>
+        <p:spPr>
+          <a:xfrm>
+            <a:off x="628650" y="365126"/>
+            <a:ext cx="7886700" cy="1325563"/>
+          </a:xfrm>
+          <a:prstGeom prst="rect">
+            <a:avLst/>
+          </a:prstGeom>
+        </p:spPr>
+        <p:txBody>
+          <a:bodyPr vert="horz" lIns="91440" tIns="45720" rIns="91440" bIns="45720" rtlCol="0" anchor="ctr">
+            <a:normAutofit/>
+          </a:bodyPr>
+          <a:lstStyle>
+            <a:lvl1pPr algn="l" defTabSz="685800" rtl="0" eaLnBrk="1" latinLnBrk="0" hangingPunct="1">
+              <a:lnSpc>
+                <a:spcPct val="90000"/>
+              </a:lnSpc>
+              <a:spcBef>
+                <a:spcPct val="0"/>
+              </a:spcBef>
+              <a:buNone/>
+              <a:defRPr sz="3300" kern="1200">
+                <a:solidFill>
+                  <a:schemeClr val="tx1"/>
+                </a:solidFill>
+                <a:latin typeface="+mj-lt"/>
+                <a:ea typeface="+mj-ea"/>
+                <a:cs typeface="+mj-cs"/>
+              </a:defRPr>
+            </a:lvl1pPr>
+          </a:lstStyle>
+          <a:p>
+            <a:r>
+              <a:rPr lang="en-US" dirty="0"/>
+              <a:t>When to stop?</a:t>
+            </a:r>
+          </a:p>
+        </p:txBody>
+      </p:sp>
+      <p:pic>
+        <p:nvPicPr>
+          <p:cNvPr id="13" name="Picture 12"/>
+          <p:cNvPicPr>
+            <a:picLocks noChangeAspect="1"/>
+          </p:cNvPicPr>
+          <p:nvPr/>
+        </p:nvPicPr>
+        <p:blipFill>
+          <a:blip r:embed="rId2"/>
+          <a:stretch>
+            <a:fillRect/>
+          </a:stretch>
+        </p:blipFill>
+        <p:spPr>
+          <a:xfrm>
+            <a:off x="2349500" y="3255963"/>
+            <a:ext cx="4445000" cy="2921000"/>
+          </a:xfrm>
+          <a:prstGeom prst="rect">
+            <a:avLst/>
+          </a:prstGeom>
+        </p:spPr>
+      </p:pic>
+    </p:spTree>
+    <p:extLst>
+      <p:ext uri="{BB962C8B-B14F-4D97-AF65-F5344CB8AC3E}">
+        <p14:creationId xmlns:p14="http://schemas.microsoft.com/office/powerpoint/2010/main" val="2396093818"/>
+      </p:ext>
+    </p:extLst>
+  </p:cSld>
+  <p:clrMapOvr>
+    <a:masterClrMapping/>
+  </p:clrMapOvr>
+</p:sld>
+</file>
+
+<file path=ppt/slides/slide11.xml><?xml version="1.0" encoding="utf-8"?>
+<p:sld xmlns:a="http://schemas.openxmlformats.org/drawingml/2006/main" xmlns:r="http://schemas.openxmlformats.org/officeDocument/2006/relationships" xmlns:p="http://schemas.openxmlformats.org/presentationml/2006/main">
+  <p:cSld>
+    <p:spTree>
+      <p:nvGrpSpPr>
+        <p:cNvPr id="1" name=""/>
+        <p:cNvGrpSpPr/>
+        <p:nvPr/>
+      </p:nvGrpSpPr>
+      <p:grpSpPr>
+        <a:xfrm>
+          <a:off x="0" y="0"/>
+          <a:ext cx="0" cy="0"/>
+          <a:chOff x="0" y="0"/>
+          <a:chExt cx="0" cy="0"/>
+        </a:xfrm>
+      </p:grpSpPr>
+      <p:sp>
+        <p:nvSpPr>
+          <p:cNvPr id="2" name="Title 1"/>
+          <p:cNvSpPr>
+            <a:spLocks noGrp="1"/>
+          </p:cNvSpPr>
+          <p:nvPr>
+            <p:ph type="title"/>
+          </p:nvPr>
+        </p:nvSpPr>
+        <p:spPr/>
+        <p:txBody>
+          <a:bodyPr/>
+          <a:lstStyle/>
+          <a:p>
+            <a:pPr algn="l"/>
+            <a:r>
+              <a:rPr lang="en-US" dirty="0" smtClean="0"/>
+              <a:t>Differential expression analysis</a:t>
+            </a:r>
+            <a:endParaRPr lang="en-US" dirty="0"/>
+          </a:p>
+        </p:txBody>
+      </p:sp>
+      <p:sp>
+        <p:nvSpPr>
+          <p:cNvPr id="3" name="Content Placeholder 2"/>
+          <p:cNvSpPr>
+            <a:spLocks noGrp="1"/>
+          </p:cNvSpPr>
+          <p:nvPr>
+            <p:ph idx="1"/>
+          </p:nvPr>
+        </p:nvSpPr>
+        <p:spPr/>
+        <p:txBody>
+          <a:bodyPr/>
+          <a:lstStyle/>
+          <a:p>
+            <a:r>
+              <a:rPr lang="en-US" dirty="0" smtClean="0">
+                <a:latin typeface="Calibri Light"/>
+                <a:cs typeface="Calibri Light"/>
+              </a:rPr>
+              <a:t>GLM for count data</a:t>
+            </a:r>
+          </a:p>
+          <a:p>
+            <a:pPr lvl="1"/>
+            <a:r>
+              <a:rPr lang="en-US" dirty="0" smtClean="0">
+                <a:latin typeface="Calibri Light"/>
+                <a:cs typeface="Calibri Light"/>
+              </a:rPr>
+              <a:t>DESeq2</a:t>
+            </a:r>
+          </a:p>
+          <a:p>
+            <a:pPr lvl="1"/>
+            <a:r>
+              <a:rPr lang="en-US" dirty="0" err="1" smtClean="0">
+                <a:latin typeface="Calibri Light"/>
+                <a:cs typeface="Calibri Light"/>
+              </a:rPr>
+              <a:t>EdgeR</a:t>
+            </a:r>
+            <a:endParaRPr lang="en-US" dirty="0" smtClean="0">
+              <a:latin typeface="Calibri Light"/>
+              <a:cs typeface="Calibri Light"/>
+            </a:endParaRPr>
+          </a:p>
+          <a:p>
+            <a:pPr lvl="1"/>
+            <a:r>
+              <a:rPr lang="en-US" dirty="0" err="1" smtClean="0">
+                <a:latin typeface="Calibri Light"/>
+                <a:cs typeface="Calibri Light"/>
+              </a:rPr>
+              <a:t>EBSeq</a:t>
+            </a:r>
+            <a:endParaRPr lang="en-US" dirty="0" smtClean="0">
+              <a:latin typeface="Calibri Light"/>
+              <a:cs typeface="Calibri Light"/>
+            </a:endParaRPr>
+          </a:p>
+          <a:p>
+            <a:pPr lvl="1"/>
+            <a:r>
+              <a:rPr lang="en-US" dirty="0" err="1" smtClean="0">
+                <a:latin typeface="Calibri Light"/>
+                <a:cs typeface="Calibri Light"/>
+              </a:rPr>
+              <a:t>EBSeqHMM</a:t>
+            </a:r>
+            <a:r>
+              <a:rPr lang="en-US" dirty="0" smtClean="0">
+                <a:latin typeface="Calibri Light"/>
+                <a:cs typeface="Calibri Light"/>
+              </a:rPr>
+              <a:t> (time course)</a:t>
+            </a:r>
+          </a:p>
+          <a:p>
+            <a:r>
+              <a:rPr lang="en-US" dirty="0" smtClean="0">
+                <a:latin typeface="Calibri Light"/>
+                <a:cs typeface="Calibri Light"/>
+              </a:rPr>
+              <a:t>Linear model for log transformed TPM / FPKM</a:t>
+            </a:r>
+          </a:p>
+          <a:p>
+            <a:pPr lvl="1"/>
+            <a:r>
+              <a:rPr lang="en-US" dirty="0" err="1" smtClean="0">
+                <a:latin typeface="Calibri Light"/>
+                <a:cs typeface="Calibri Light"/>
+              </a:rPr>
+              <a:t>limma</a:t>
+            </a:r>
+            <a:r>
+              <a:rPr lang="en-US" dirty="0" smtClean="0">
+                <a:latin typeface="Calibri Light"/>
+                <a:cs typeface="Calibri Light"/>
+              </a:rPr>
+              <a:t> (microarray like)</a:t>
+            </a:r>
+          </a:p>
+          <a:p>
+            <a:pPr lvl="1"/>
+            <a:r>
+              <a:rPr lang="en-US" dirty="0" smtClean="0">
+                <a:latin typeface="Calibri Light"/>
+                <a:cs typeface="Calibri Light"/>
+              </a:rPr>
+              <a:t>sleuth (use with </a:t>
+            </a:r>
+            <a:r>
+              <a:rPr lang="en-US" dirty="0" err="1" smtClean="0">
+                <a:latin typeface="Calibri Light"/>
+                <a:cs typeface="Calibri Light"/>
+              </a:rPr>
+              <a:t>kallisto</a:t>
+            </a:r>
+            <a:r>
+              <a:rPr lang="en-US" dirty="0" smtClean="0">
+                <a:latin typeface="Calibri Light"/>
+                <a:cs typeface="Calibri Light"/>
+              </a:rPr>
+              <a:t>)</a:t>
+            </a:r>
+            <a:endParaRPr lang="en-US" dirty="0">
+              <a:latin typeface="Calibri Light"/>
+              <a:cs typeface="Calibri Light"/>
+            </a:endParaRPr>
+          </a:p>
+        </p:txBody>
+      </p:sp>
+    </p:spTree>
+    <p:extLst>
+      <p:ext uri="{BB962C8B-B14F-4D97-AF65-F5344CB8AC3E}">
+        <p14:creationId xmlns:p14="http://schemas.microsoft.com/office/powerpoint/2010/main" val="2987151706"/>
+      </p:ext>
+    </p:extLst>
+  </p:cSld>
+  <p:clrMapOvr>
+    <a:masterClrMapping/>
+  </p:clrMapOvr>
+</p:sld>
+</file>
+
+<file path=ppt/slides/slide12.xml><?xml version="1.0" encoding="utf-8"?>
+<p:sld xmlns:a="http://schemas.openxmlformats.org/drawingml/2006/main" xmlns:r="http://schemas.openxmlformats.org/officeDocument/2006/relationships" xmlns:p="http://schemas.openxmlformats.org/presentationml/2006/main">
+  <p:cSld>
+    <p:spTree>
+      <p:nvGrpSpPr>
+        <p:cNvPr id="1" name=""/>
+        <p:cNvGrpSpPr/>
+        <p:nvPr/>
+      </p:nvGrpSpPr>
+      <p:grpSpPr>
+        <a:xfrm>
+          <a:off x="0" y="0"/>
+          <a:ext cx="0" cy="0"/>
+          <a:chOff x="0" y="0"/>
+          <a:chExt cx="0" cy="0"/>
+        </a:xfrm>
+      </p:grpSpPr>
+      <p:sp>
+        <p:nvSpPr>
+          <p:cNvPr id="2" name="Title 1"/>
+          <p:cNvSpPr>
+            <a:spLocks noGrp="1"/>
+          </p:cNvSpPr>
+          <p:nvPr>
+            <p:ph type="title"/>
+          </p:nvPr>
+        </p:nvSpPr>
+        <p:spPr/>
+        <p:txBody>
+          <a:bodyPr/>
+          <a:lstStyle/>
+          <a:p>
+            <a:pPr algn="l"/>
+            <a:r>
+              <a:rPr lang="en-US" dirty="0" smtClean="0"/>
+              <a:t>Common </a:t>
+            </a:r>
+            <a:r>
+              <a:rPr lang="en-US" dirty="0" smtClean="0"/>
+              <a:t>additional</a:t>
+            </a:r>
+            <a:r>
+              <a:rPr lang="en-US" dirty="0" smtClean="0"/>
+              <a:t> </a:t>
+            </a:r>
+            <a:r>
+              <a:rPr lang="en-US" dirty="0" smtClean="0"/>
+              <a:t>analysis</a:t>
+            </a:r>
+            <a:endParaRPr lang="en-US" dirty="0"/>
+          </a:p>
+        </p:txBody>
+      </p:sp>
+      <p:sp>
+        <p:nvSpPr>
+          <p:cNvPr id="3" name="Content Placeholder 2"/>
+          <p:cNvSpPr>
+            <a:spLocks noGrp="1"/>
+          </p:cNvSpPr>
+          <p:nvPr>
+            <p:ph idx="1"/>
+          </p:nvPr>
+        </p:nvSpPr>
+        <p:spPr/>
+        <p:txBody>
+          <a:bodyPr/>
+          <a:lstStyle/>
+          <a:p>
+            <a:r>
+              <a:rPr lang="en-US" dirty="0" smtClean="0">
+                <a:latin typeface="Calibri Light"/>
+                <a:cs typeface="Calibri Light"/>
+              </a:rPr>
+              <a:t>clustering</a:t>
+            </a:r>
+          </a:p>
+          <a:p>
+            <a:pPr lvl="1"/>
+            <a:r>
+              <a:rPr lang="en-US" dirty="0" smtClean="0">
+                <a:latin typeface="Calibri Light"/>
+                <a:cs typeface="Calibri Light"/>
+              </a:rPr>
+              <a:t>hierarchical clustering</a:t>
+            </a:r>
+          </a:p>
+          <a:p>
+            <a:r>
+              <a:rPr lang="en-US" dirty="0" smtClean="0">
+                <a:latin typeface="Calibri Light"/>
+                <a:cs typeface="Calibri Light"/>
+              </a:rPr>
+              <a:t>Dimensionality reduction</a:t>
+            </a:r>
+          </a:p>
+          <a:p>
+            <a:pPr lvl="1"/>
+            <a:r>
+              <a:rPr lang="en-US" dirty="0" smtClean="0">
+                <a:latin typeface="Calibri Light"/>
+                <a:cs typeface="Calibri Light"/>
+              </a:rPr>
+              <a:t>PCA</a:t>
+            </a:r>
+          </a:p>
+          <a:p>
+            <a:pPr lvl="1"/>
+            <a:r>
+              <a:rPr lang="en-US" dirty="0" smtClean="0">
+                <a:latin typeface="Calibri Light"/>
+                <a:cs typeface="Calibri Light"/>
+              </a:rPr>
+              <a:t>NMF</a:t>
+            </a:r>
+          </a:p>
+          <a:p>
+            <a:pPr lvl="1"/>
+            <a:r>
+              <a:rPr lang="en-US" dirty="0" smtClean="0">
+                <a:latin typeface="Calibri Light"/>
+                <a:cs typeface="Calibri Light"/>
+              </a:rPr>
+              <a:t>t-SNE (esp. single cell)</a:t>
+            </a:r>
+          </a:p>
+          <a:p>
+            <a:r>
+              <a:rPr lang="en-US" dirty="0" smtClean="0">
+                <a:latin typeface="Calibri Light"/>
+                <a:cs typeface="Calibri Light"/>
+              </a:rPr>
+              <a:t>Gene </a:t>
+            </a:r>
+            <a:r>
+              <a:rPr lang="en-US" dirty="0" smtClean="0">
+                <a:latin typeface="Calibri Light"/>
+                <a:cs typeface="Calibri Light"/>
+              </a:rPr>
+              <a:t>ontology, pathway analysis</a:t>
+            </a:r>
+            <a:endParaRPr lang="en-US" dirty="0">
+              <a:latin typeface="Calibri Light"/>
+              <a:cs typeface="Calibri Light"/>
+            </a:endParaRPr>
+          </a:p>
+        </p:txBody>
+      </p:sp>
+    </p:spTree>
+    <p:extLst>
+      <p:ext uri="{BB962C8B-B14F-4D97-AF65-F5344CB8AC3E}">
+        <p14:creationId xmlns:p14="http://schemas.microsoft.com/office/powerpoint/2010/main" val="484613585"/>
+      </p:ext>
+    </p:extLst>
+  </p:cSld>
+  <p:clrMapOvr>
+    <a:masterClrMapping/>
+  </p:clrMapOvr>
+</p:sld>
+</file>
+
+<file path=ppt/slides/slide13.xml><?xml version="1.0" encoding="utf-8"?>
+<p:sld xmlns:a="http://schemas.openxmlformats.org/drawingml/2006/main" xmlns:r="http://schemas.openxmlformats.org/officeDocument/2006/relationships" xmlns:p="http://schemas.openxmlformats.org/presentationml/2006/main">
+  <p:cSld>
+    <p:spTree>
+      <p:nvGrpSpPr>
+        <p:cNvPr id="1" name=""/>
+        <p:cNvGrpSpPr/>
+        <p:nvPr/>
+      </p:nvGrpSpPr>
+      <p:grpSpPr>
+        <a:xfrm>
+          <a:off x="0" y="0"/>
+          <a:ext cx="0" cy="0"/>
+          <a:chOff x="0" y="0"/>
+          <a:chExt cx="0" cy="0"/>
+        </a:xfrm>
+      </p:grpSpPr>
+      <p:sp>
+        <p:nvSpPr>
+          <p:cNvPr id="2" name="Title 1"/>
+          <p:cNvSpPr>
+            <a:spLocks noGrp="1"/>
+          </p:cNvSpPr>
+          <p:nvPr>
+            <p:ph type="title"/>
+          </p:nvPr>
+        </p:nvSpPr>
+        <p:spPr/>
+        <p:txBody>
+          <a:bodyPr>
+            <a:normAutofit/>
+          </a:bodyPr>
+          <a:lstStyle/>
+          <a:p>
+            <a:pPr algn="l"/>
+            <a:r>
+              <a:rPr lang="en-US" dirty="0" smtClean="0"/>
+              <a:t>Workflow organization: putting them together</a:t>
+            </a:r>
+            <a:endParaRPr lang="en-US" dirty="0"/>
+          </a:p>
+        </p:txBody>
+      </p:sp>
+      <p:sp>
+        <p:nvSpPr>
+          <p:cNvPr id="3" name="Content Placeholder 2"/>
+          <p:cNvSpPr>
+            <a:spLocks noGrp="1"/>
+          </p:cNvSpPr>
+          <p:nvPr>
+            <p:ph idx="1"/>
+          </p:nvPr>
+        </p:nvSpPr>
+        <p:spPr>
+          <a:xfrm>
+            <a:off x="628650" y="1999953"/>
+            <a:ext cx="7886700" cy="4351338"/>
+          </a:xfrm>
+        </p:spPr>
+        <p:txBody>
+          <a:bodyPr/>
+          <a:lstStyle/>
+          <a:p>
+            <a:r>
+              <a:rPr lang="en-US" dirty="0" smtClean="0">
+                <a:latin typeface="Calibri Light"/>
+                <a:cs typeface="Calibri Light"/>
+              </a:rPr>
+              <a:t>shell script</a:t>
+            </a:r>
+          </a:p>
+          <a:p>
+            <a:r>
+              <a:rPr lang="en-US" dirty="0" err="1" smtClean="0">
+                <a:latin typeface="Calibri Light"/>
+                <a:cs typeface="Calibri Light"/>
+              </a:rPr>
+              <a:t>snakemake</a:t>
+            </a:r>
+            <a:r>
+              <a:rPr lang="en-US" dirty="0" smtClean="0">
+                <a:latin typeface="Calibri Light"/>
+                <a:cs typeface="Calibri Light"/>
+              </a:rPr>
+              <a:t> (python like syntax)</a:t>
+            </a:r>
+          </a:p>
+          <a:p>
+            <a:r>
+              <a:rPr lang="en-US" dirty="0" smtClean="0">
+                <a:latin typeface="Calibri Light"/>
+                <a:cs typeface="Calibri Light"/>
+              </a:rPr>
+              <a:t>commercial software, e.g. </a:t>
+            </a:r>
+            <a:r>
+              <a:rPr lang="en-US" dirty="0" err="1" smtClean="0">
+                <a:latin typeface="Calibri Light"/>
+                <a:cs typeface="Calibri Light"/>
+              </a:rPr>
+              <a:t>ArrayStudio</a:t>
+            </a:r>
+            <a:endParaRPr lang="en-US" dirty="0">
+              <a:latin typeface="Calibri Light"/>
+              <a:cs typeface="Calibri Light"/>
+            </a:endParaRPr>
+          </a:p>
+        </p:txBody>
+      </p:sp>
+      <p:graphicFrame>
+        <p:nvGraphicFramePr>
+          <p:cNvPr id="11" name="Table 10"/>
+          <p:cNvGraphicFramePr>
+            <a:graphicFrameLocks noGrp="1"/>
+          </p:cNvGraphicFramePr>
+          <p:nvPr>
+            <p:extLst>
+              <p:ext uri="{D42A27DB-BD31-4B8C-83A1-F6EECF244321}">
+                <p14:modId xmlns:p14="http://schemas.microsoft.com/office/powerpoint/2010/main" val="1726279355"/>
+              </p:ext>
+            </p:extLst>
+          </p:nvPr>
+        </p:nvGraphicFramePr>
+        <p:xfrm>
+          <a:off x="628650" y="4230890"/>
+          <a:ext cx="5604185" cy="1584960"/>
+        </p:xfrm>
+        <a:graphic>
+          <a:graphicData uri="http://schemas.openxmlformats.org/drawingml/2006/table">
+            <a:tbl>
+              <a:tblPr firstRow="1" bandRow="1">
+                <a:tableStyleId>{F5AB1C69-6EDB-4FF4-983F-18BD219EF322}</a:tableStyleId>
+              </a:tblPr>
+              <a:tblGrid>
+                <a:gridCol w="1674860"/>
+                <a:gridCol w="1182883"/>
+                <a:gridCol w="1245141"/>
+                <a:gridCol w="759535"/>
+                <a:gridCol w="741766"/>
+              </a:tblGrid>
+              <a:tr h="370840">
+                <a:tc>
+                  <a:txBody>
+                    <a:bodyPr/>
+                    <a:lstStyle/>
+                    <a:p>
+                      <a:pPr algn="ctr"/>
+                      <a:endParaRPr lang="en-US" sz="2000" dirty="0"/>
+                    </a:p>
+                  </a:txBody>
+                  <a:tcPr anchor="ctr"/>
+                </a:tc>
+                <a:tc>
+                  <a:txBody>
+                    <a:bodyPr/>
+                    <a:lstStyle/>
+                    <a:p>
+                      <a:pPr algn="ctr"/>
+                      <a:r>
+                        <a:rPr lang="en-US" sz="2000" dirty="0" smtClean="0"/>
+                        <a:t>flexible</a:t>
+                      </a:r>
+                      <a:endParaRPr lang="en-US" sz="2000" dirty="0"/>
+                    </a:p>
+                  </a:txBody>
+                  <a:tcPr anchor="ctr"/>
+                </a:tc>
+                <a:tc>
+                  <a:txBody>
+                    <a:bodyPr/>
+                    <a:lstStyle/>
+                    <a:p>
+                      <a:pPr algn="ctr"/>
+                      <a:r>
+                        <a:rPr lang="en-US" sz="2000" dirty="0" smtClean="0"/>
+                        <a:t>scalable</a:t>
+                      </a:r>
+                      <a:endParaRPr lang="en-US" sz="2000" dirty="0"/>
+                    </a:p>
+                  </a:txBody>
+                  <a:tcPr anchor="ctr"/>
+                </a:tc>
+                <a:tc>
+                  <a:txBody>
+                    <a:bodyPr/>
+                    <a:lstStyle/>
+                    <a:p>
+                      <a:pPr algn="ctr"/>
+                      <a:r>
+                        <a:rPr lang="en-US" sz="2000" dirty="0" smtClean="0"/>
+                        <a:t>cost</a:t>
+                      </a:r>
+                      <a:endParaRPr lang="en-US" sz="2000" dirty="0"/>
+                    </a:p>
+                  </a:txBody>
+                  <a:tcPr anchor="ctr"/>
+                </a:tc>
+                <a:tc>
+                  <a:txBody>
+                    <a:bodyPr/>
+                    <a:lstStyle/>
+                    <a:p>
+                      <a:pPr algn="ctr"/>
+                      <a:r>
+                        <a:rPr lang="en-US" sz="2000" dirty="0" smtClean="0"/>
+                        <a:t>GUI</a:t>
+                      </a:r>
+                      <a:endParaRPr lang="en-US" sz="2000" dirty="0"/>
+                    </a:p>
+                  </a:txBody>
+                  <a:tcPr anchor="ctr"/>
+                </a:tc>
+              </a:tr>
+              <a:tr h="370840">
+                <a:tc>
+                  <a:txBody>
+                    <a:bodyPr/>
+                    <a:lstStyle/>
+                    <a:p>
+                      <a:pPr algn="ctr"/>
+                      <a:r>
+                        <a:rPr lang="en-US" sz="2000" dirty="0" smtClean="0"/>
+                        <a:t>shell scripts</a:t>
+                      </a:r>
+                      <a:endParaRPr lang="en-US" sz="2000" dirty="0"/>
+                    </a:p>
+                  </a:txBody>
+                  <a:tcPr anchor="ctr"/>
+                </a:tc>
+                <a:tc>
+                  <a:txBody>
+                    <a:bodyPr/>
+                    <a:lstStyle/>
+                    <a:p>
+                      <a:pPr algn="ctr"/>
+                      <a:r>
+                        <a:rPr lang="en-US" sz="2000" dirty="0" smtClean="0"/>
+                        <a:t>yes</a:t>
+                      </a:r>
+                      <a:endParaRPr lang="en-US" sz="2000" dirty="0"/>
+                    </a:p>
+                  </a:txBody>
+                  <a:tcPr anchor="ctr"/>
+                </a:tc>
+                <a:tc>
+                  <a:txBody>
+                    <a:bodyPr/>
+                    <a:lstStyle/>
+                    <a:p>
+                      <a:pPr algn="ctr"/>
+                      <a:r>
+                        <a:rPr lang="en-US" sz="2000" dirty="0" smtClean="0"/>
+                        <a:t>not much</a:t>
+                      </a:r>
+                      <a:endParaRPr lang="en-US" sz="2000" dirty="0"/>
+                    </a:p>
+                  </a:txBody>
+                  <a:tcPr anchor="ctr"/>
+                </a:tc>
+                <a:tc>
+                  <a:txBody>
+                    <a:bodyPr/>
+                    <a:lstStyle/>
+                    <a:p>
+                      <a:pPr algn="ctr"/>
+                      <a:r>
+                        <a:rPr lang="en-US" sz="2000" dirty="0" smtClean="0"/>
+                        <a:t>free</a:t>
+                      </a:r>
+                      <a:endParaRPr lang="en-US" sz="2000" dirty="0"/>
+                    </a:p>
+                  </a:txBody>
+                  <a:tcPr anchor="ctr"/>
+                </a:tc>
+                <a:tc>
+                  <a:txBody>
+                    <a:bodyPr/>
+                    <a:lstStyle/>
+                    <a:p>
+                      <a:pPr algn="ctr"/>
+                      <a:r>
+                        <a:rPr lang="en-US" sz="2000" dirty="0" smtClean="0"/>
+                        <a:t>no</a:t>
+                      </a:r>
+                      <a:endParaRPr lang="en-US" sz="2000" dirty="0"/>
+                    </a:p>
+                  </a:txBody>
+                  <a:tcPr anchor="ctr"/>
+                </a:tc>
+              </a:tr>
+              <a:tr h="370840">
+                <a:tc>
+                  <a:txBody>
+                    <a:bodyPr/>
+                    <a:lstStyle/>
+                    <a:p>
+                      <a:pPr algn="ctr"/>
+                      <a:r>
+                        <a:rPr lang="en-US" sz="2000" dirty="0" err="1" smtClean="0"/>
+                        <a:t>Snakemake</a:t>
+                      </a:r>
+                      <a:endParaRPr lang="en-US" sz="2000" dirty="0"/>
+                    </a:p>
+                  </a:txBody>
+                  <a:tcPr anchor="ctr"/>
+                </a:tc>
+                <a:tc>
+                  <a:txBody>
+                    <a:bodyPr/>
+                    <a:lstStyle/>
+                    <a:p>
+                      <a:pPr algn="ctr"/>
+                      <a:r>
+                        <a:rPr lang="en-US" sz="2000" dirty="0" smtClean="0"/>
+                        <a:t>yes</a:t>
+                      </a:r>
+                      <a:endParaRPr lang="en-US" sz="2000" dirty="0"/>
+                    </a:p>
+                  </a:txBody>
+                  <a:tcPr anchor="ctr"/>
+                </a:tc>
+                <a:tc>
+                  <a:txBody>
+                    <a:bodyPr/>
+                    <a:lstStyle/>
+                    <a:p>
+                      <a:pPr algn="ctr"/>
+                      <a:r>
+                        <a:rPr lang="en-US" sz="2000" dirty="0" smtClean="0"/>
+                        <a:t>yes</a:t>
+                      </a:r>
+                      <a:endParaRPr lang="en-US" sz="2000" dirty="0"/>
+                    </a:p>
+                  </a:txBody>
+                  <a:tcPr anchor="ctr"/>
+                </a:tc>
+                <a:tc>
+                  <a:txBody>
+                    <a:bodyPr/>
+                    <a:lstStyle/>
+                    <a:p>
+                      <a:pPr algn="ctr"/>
+                      <a:r>
+                        <a:rPr lang="en-US" sz="2000" dirty="0" smtClean="0"/>
+                        <a:t>free</a:t>
+                      </a:r>
+                      <a:endParaRPr lang="en-US" sz="2000" dirty="0"/>
+                    </a:p>
+                  </a:txBody>
+                  <a:tcPr anchor="ctr"/>
+                </a:tc>
+                <a:tc>
+                  <a:txBody>
+                    <a:bodyPr/>
+                    <a:lstStyle/>
+                    <a:p>
+                      <a:pPr algn="ctr"/>
+                      <a:r>
+                        <a:rPr lang="en-US" sz="2000" dirty="0" smtClean="0"/>
+                        <a:t>no</a:t>
+                      </a:r>
+                      <a:endParaRPr lang="en-US" sz="2000" dirty="0"/>
+                    </a:p>
+                  </a:txBody>
+                  <a:tcPr anchor="ctr"/>
+                </a:tc>
+              </a:tr>
+              <a:tr h="370840">
+                <a:tc>
+                  <a:txBody>
+                    <a:bodyPr/>
+                    <a:lstStyle/>
+                    <a:p>
+                      <a:pPr algn="ctr"/>
+                      <a:r>
+                        <a:rPr lang="en-US" sz="2000" dirty="0" err="1" smtClean="0"/>
+                        <a:t>ArrayStudio</a:t>
+                      </a:r>
+                      <a:endParaRPr lang="en-US" sz="2000" dirty="0"/>
+                    </a:p>
+                  </a:txBody>
+                  <a:tcPr anchor="ctr"/>
+                </a:tc>
+                <a:tc>
+                  <a:txBody>
+                    <a:bodyPr/>
+                    <a:lstStyle/>
+                    <a:p>
+                      <a:pPr algn="ctr"/>
+                      <a:r>
+                        <a:rPr lang="en-US" sz="2000" dirty="0" smtClean="0"/>
+                        <a:t>kind of</a:t>
+                      </a:r>
+                      <a:endParaRPr lang="en-US" sz="2000" dirty="0"/>
+                    </a:p>
+                  </a:txBody>
+                  <a:tcPr anchor="ctr"/>
+                </a:tc>
+                <a:tc>
+                  <a:txBody>
+                    <a:bodyPr/>
+                    <a:lstStyle/>
+                    <a:p>
+                      <a:pPr algn="ctr"/>
+                      <a:r>
+                        <a:rPr lang="en-US" sz="2000" dirty="0" smtClean="0"/>
+                        <a:t>yes</a:t>
+                      </a:r>
+                      <a:endParaRPr lang="en-US" sz="2000" dirty="0"/>
+                    </a:p>
+                  </a:txBody>
+                  <a:tcPr anchor="ctr"/>
+                </a:tc>
+                <a:tc>
+                  <a:txBody>
+                    <a:bodyPr/>
+                    <a:lstStyle/>
+                    <a:p>
+                      <a:pPr algn="ctr"/>
+                      <a:r>
+                        <a:rPr lang="en-US" sz="2000" dirty="0" smtClean="0"/>
+                        <a:t>$$$</a:t>
+                      </a:r>
+                      <a:endParaRPr lang="en-US" sz="2000" dirty="0"/>
+                    </a:p>
+                  </a:txBody>
+                  <a:tcPr anchor="ctr"/>
+                </a:tc>
+                <a:tc>
+                  <a:txBody>
+                    <a:bodyPr/>
+                    <a:lstStyle/>
+                    <a:p>
+                      <a:pPr algn="ctr"/>
+                      <a:r>
+                        <a:rPr lang="en-US" sz="2000" dirty="0" smtClean="0"/>
+                        <a:t>yes</a:t>
+                      </a:r>
+                      <a:endParaRPr lang="en-US" sz="2000" dirty="0"/>
+                    </a:p>
+                  </a:txBody>
+                  <a:tcPr anchor="ctr"/>
+                </a:tc>
+              </a:tr>
+            </a:tbl>
+          </a:graphicData>
+        </a:graphic>
+      </p:graphicFrame>
+      <p:pic>
+        <p:nvPicPr>
+          <p:cNvPr id="7" name="Picture 6"/>
+          <p:cNvPicPr>
+            <a:picLocks noChangeAspect="1"/>
+          </p:cNvPicPr>
+          <p:nvPr/>
+        </p:nvPicPr>
+        <p:blipFill>
+          <a:blip r:embed="rId2"/>
+          <a:stretch>
+            <a:fillRect/>
+          </a:stretch>
+        </p:blipFill>
+        <p:spPr>
+          <a:xfrm>
+            <a:off x="6232835" y="1320050"/>
+            <a:ext cx="2921000" cy="4495800"/>
+          </a:xfrm>
+          <a:prstGeom prst="rect">
+            <a:avLst/>
+          </a:prstGeom>
+        </p:spPr>
+      </p:pic>
+      <p:sp>
+        <p:nvSpPr>
+          <p:cNvPr id="8" name="Rectangle 7"/>
+          <p:cNvSpPr/>
+          <p:nvPr/>
+        </p:nvSpPr>
+        <p:spPr>
+          <a:xfrm>
+            <a:off x="0" y="6549610"/>
+            <a:ext cx="9143999" cy="307777"/>
+          </a:xfrm>
+          <a:prstGeom prst="rect">
+            <a:avLst/>
+          </a:prstGeom>
+        </p:spPr>
+        <p:txBody>
+          <a:bodyPr wrap="square">
+            <a:spAutoFit/>
+          </a:bodyPr>
+          <a:lstStyle/>
+          <a:p>
+            <a:pPr algn="r"/>
+            <a:r>
+              <a:rPr lang="en-US" sz="1400" dirty="0"/>
+              <a:t>http://</a:t>
+            </a:r>
+            <a:r>
+              <a:rPr lang="en-US" sz="1400" dirty="0" err="1"/>
+              <a:t>www.annotathon.org</a:t>
+            </a:r>
+            <a:r>
+              <a:rPr lang="en-US" sz="1400" dirty="0"/>
+              <a:t>/courses/ABD/practical/</a:t>
+            </a:r>
+            <a:r>
+              <a:rPr lang="en-US" sz="1400" dirty="0" err="1"/>
+              <a:t>snakemake</a:t>
+            </a:r>
+            <a:r>
+              <a:rPr lang="en-US" sz="1400" dirty="0"/>
+              <a:t>/</a:t>
+            </a:r>
+            <a:r>
+              <a:rPr lang="en-US" sz="1400" dirty="0" err="1"/>
+              <a:t>snake_intro.html</a:t>
+            </a:r>
+            <a:endParaRPr lang="en-US" sz="1400" dirty="0"/>
+          </a:p>
+        </p:txBody>
+      </p:sp>
+    </p:spTree>
+    <p:extLst>
+      <p:ext uri="{BB962C8B-B14F-4D97-AF65-F5344CB8AC3E}">
+        <p14:creationId xmlns:p14="http://schemas.microsoft.com/office/powerpoint/2010/main" val="2740835933"/>
+      </p:ext>
+    </p:extLst>
+  </p:cSld>
+  <p:clrMapOvr>
+    <a:masterClrMapping/>
+  </p:clrMapOvr>
+  <p:timing>
+    <p:tnLst>
+      <p:par>
+        <p:cTn xmlns:p14="http://schemas.microsoft.com/office/powerpoint/2010/main" id="1" dur="indefinite" restart="never" nodeType="tmRoot"/>
+      </p:par>
+    </p:tnLst>
+  </p:timing>
+</p:sld>
+</file>
+
+<file path=ppt/slides/slide14.xml><?xml version="1.0" encoding="utf-8"?>
+<p:sld xmlns:a="http://schemas.openxmlformats.org/drawingml/2006/main" xmlns:r="http://schemas.openxmlformats.org/officeDocument/2006/relationships" xmlns:p="http://schemas.openxmlformats.org/presentationml/2006/main">
+  <p:cSld>
+    <p:spTree>
+      <p:nvGrpSpPr>
+        <p:cNvPr id="1" name=""/>
+        <p:cNvGrpSpPr/>
+        <p:nvPr/>
+      </p:nvGrpSpPr>
+      <p:grpSpPr>
+        <a:xfrm>
+          <a:off x="0" y="0"/>
+          <a:ext cx="0" cy="0"/>
+          <a:chOff x="0" y="0"/>
+          <a:chExt cx="0" cy="0"/>
+        </a:xfrm>
+      </p:grpSpPr>
+      <p:sp>
+        <p:nvSpPr>
+          <p:cNvPr id="2" name="Title 1"/>
+          <p:cNvSpPr>
+            <a:spLocks noGrp="1"/>
+          </p:cNvSpPr>
+          <p:nvPr>
+            <p:ph type="title"/>
+          </p:nvPr>
+        </p:nvSpPr>
+        <p:spPr/>
+        <p:txBody>
+          <a:bodyPr/>
+          <a:lstStyle/>
+          <a:p>
+            <a:r>
+              <a:rPr lang="en-US" dirty="0" smtClean="0"/>
+              <a:t>Reproducible analysis</a:t>
+            </a:r>
+            <a:endParaRPr lang="en-US" dirty="0"/>
+          </a:p>
+        </p:txBody>
+      </p:sp>
+      <p:sp>
+        <p:nvSpPr>
+          <p:cNvPr id="3" name="Content Placeholder 2"/>
+          <p:cNvSpPr>
+            <a:spLocks noGrp="1"/>
+          </p:cNvSpPr>
+          <p:nvPr>
+            <p:ph idx="1"/>
+          </p:nvPr>
+        </p:nvSpPr>
+        <p:spPr/>
+        <p:txBody>
+          <a:bodyPr/>
+          <a:lstStyle/>
+          <a:p>
+            <a:r>
+              <a:rPr lang="en-US" dirty="0" smtClean="0">
+                <a:latin typeface="Calibri Light"/>
+                <a:cs typeface="Calibri Light"/>
+              </a:rPr>
+              <a:t>R: R markdown</a:t>
+            </a:r>
+          </a:p>
+          <a:p>
+            <a:r>
+              <a:rPr lang="en-US" dirty="0" smtClean="0">
+                <a:latin typeface="Calibri Light"/>
+                <a:cs typeface="Calibri Light"/>
+              </a:rPr>
+              <a:t>python: </a:t>
+            </a:r>
+            <a:r>
+              <a:rPr lang="en-US" dirty="0" err="1" smtClean="0">
+                <a:latin typeface="Calibri Light"/>
+                <a:cs typeface="Calibri Light"/>
+              </a:rPr>
+              <a:t>Jupyter</a:t>
+            </a:r>
+            <a:r>
+              <a:rPr lang="en-US" dirty="0" smtClean="0">
+                <a:latin typeface="Calibri Light"/>
+                <a:cs typeface="Calibri Light"/>
+              </a:rPr>
+              <a:t> (</a:t>
+            </a:r>
+            <a:r>
+              <a:rPr lang="en-US" dirty="0" err="1" smtClean="0">
+                <a:latin typeface="Calibri Light"/>
+                <a:cs typeface="Calibri Light"/>
+              </a:rPr>
+              <a:t>IPython</a:t>
+            </a:r>
+            <a:r>
+              <a:rPr lang="en-US" dirty="0" smtClean="0">
+                <a:latin typeface="Calibri Light"/>
+                <a:cs typeface="Calibri Light"/>
+              </a:rPr>
+              <a:t>) notebook</a:t>
+            </a:r>
+          </a:p>
+          <a:p>
+            <a:endParaRPr lang="en-US" dirty="0"/>
+          </a:p>
+        </p:txBody>
+      </p:sp>
+    </p:spTree>
+    <p:extLst>
+      <p:ext uri="{BB962C8B-B14F-4D97-AF65-F5344CB8AC3E}">
+        <p14:creationId xmlns:p14="http://schemas.microsoft.com/office/powerpoint/2010/main" val="232439171"/>
+      </p:ext>
+    </p:extLst>
+  </p:cSld>
+  <p:clrMapOvr>
+    <a:masterClrMapping/>
+  </p:clrMapOvr>
+</p:sld>
+</file>
+
+<file path=ppt/slides/slide15.xml><?xml version="1.0" encoding="utf-8"?>
+<p:sld xmlns:a="http://schemas.openxmlformats.org/drawingml/2006/main" xmlns:r="http://schemas.openxmlformats.org/officeDocument/2006/relationships" xmlns:p="http://schemas.openxmlformats.org/presentationml/2006/main">
+  <p:cSld>
+    <p:spTree>
+      <p:nvGrpSpPr>
+        <p:cNvPr id="1" name=""/>
+        <p:cNvGrpSpPr/>
+        <p:nvPr/>
+      </p:nvGrpSpPr>
+      <p:grpSpPr>
+        <a:xfrm>
+          <a:off x="0" y="0"/>
+          <a:ext cx="0" cy="0"/>
+          <a:chOff x="0" y="0"/>
+          <a:chExt cx="0" cy="0"/>
+        </a:xfrm>
+      </p:grpSpPr>
+      <p:sp>
+        <p:nvSpPr>
+          <p:cNvPr id="2" name="Title 1"/>
+          <p:cNvSpPr>
+            <a:spLocks noGrp="1"/>
+          </p:cNvSpPr>
+          <p:nvPr>
+            <p:ph type="title"/>
+          </p:nvPr>
+        </p:nvSpPr>
+        <p:spPr/>
+        <p:txBody>
+          <a:bodyPr/>
+          <a:lstStyle/>
+          <a:p>
+            <a:r>
+              <a:rPr lang="en-US" dirty="0" smtClean="0"/>
+              <a:t>Useful resources</a:t>
+            </a:r>
+            <a:endParaRPr lang="en-US" dirty="0"/>
+          </a:p>
+        </p:txBody>
+      </p:sp>
+      <p:sp>
+        <p:nvSpPr>
+          <p:cNvPr id="3" name="Content Placeholder 2"/>
+          <p:cNvSpPr>
+            <a:spLocks noGrp="1"/>
+          </p:cNvSpPr>
+          <p:nvPr>
+            <p:ph idx="1"/>
+          </p:nvPr>
+        </p:nvSpPr>
+        <p:spPr/>
+        <p:txBody>
+          <a:bodyPr>
+            <a:normAutofit lnSpcReduction="10000"/>
+          </a:bodyPr>
+          <a:lstStyle/>
+          <a:p>
+            <a:r>
+              <a:rPr lang="en-US" dirty="0" err="1" smtClean="0">
+                <a:latin typeface="Calibri Light"/>
+                <a:cs typeface="Calibri Light"/>
+              </a:rPr>
+              <a:t>seqtk</a:t>
+            </a:r>
+            <a:r>
+              <a:rPr lang="en-US" dirty="0">
+                <a:latin typeface="Calibri Light"/>
+                <a:cs typeface="Calibri Light"/>
+              </a:rPr>
+              <a:t>: https://</a:t>
+            </a:r>
+            <a:r>
+              <a:rPr lang="en-US" dirty="0" err="1">
+                <a:latin typeface="Calibri Light"/>
+                <a:cs typeface="Calibri Light"/>
+              </a:rPr>
+              <a:t>github.com</a:t>
+            </a:r>
+            <a:r>
+              <a:rPr lang="en-US" dirty="0">
+                <a:latin typeface="Calibri Light"/>
+                <a:cs typeface="Calibri Light"/>
+              </a:rPr>
+              <a:t>/lh3/</a:t>
+            </a:r>
+            <a:r>
+              <a:rPr lang="en-US" dirty="0" err="1">
+                <a:latin typeface="Calibri Light"/>
+                <a:cs typeface="Calibri Light"/>
+              </a:rPr>
+              <a:t>seqtk</a:t>
+            </a:r>
+            <a:endParaRPr lang="en-US" dirty="0">
+              <a:latin typeface="Calibri Light"/>
+              <a:cs typeface="Calibri Light"/>
+            </a:endParaRPr>
+          </a:p>
+          <a:p>
+            <a:r>
+              <a:rPr lang="en-US" dirty="0" err="1" smtClean="0">
+                <a:latin typeface="Calibri Light"/>
+                <a:cs typeface="Calibri Light"/>
+              </a:rPr>
+              <a:t>cutadapt</a:t>
+            </a:r>
+            <a:r>
+              <a:rPr lang="en-US" dirty="0">
+                <a:latin typeface="Calibri Light"/>
+                <a:cs typeface="Calibri Light"/>
+              </a:rPr>
+              <a:t>: http://</a:t>
+            </a:r>
+            <a:r>
+              <a:rPr lang="en-US" dirty="0" err="1">
+                <a:latin typeface="Calibri Light"/>
+                <a:cs typeface="Calibri Light"/>
+              </a:rPr>
+              <a:t>cutadapt.readthedocs.io</a:t>
+            </a:r>
+            <a:r>
+              <a:rPr lang="en-US" dirty="0">
+                <a:latin typeface="Calibri Light"/>
+                <a:cs typeface="Calibri Light"/>
+              </a:rPr>
+              <a:t>/en/stable/</a:t>
+            </a:r>
+            <a:r>
+              <a:rPr lang="en-US" dirty="0" err="1">
+                <a:latin typeface="Calibri Light"/>
+                <a:cs typeface="Calibri Light"/>
+              </a:rPr>
+              <a:t>guide.html</a:t>
+            </a:r>
+            <a:endParaRPr lang="en-US" dirty="0">
+              <a:latin typeface="Calibri Light"/>
+              <a:cs typeface="Calibri Light"/>
+            </a:endParaRPr>
+          </a:p>
+          <a:p>
+            <a:r>
+              <a:rPr lang="en-US" dirty="0" err="1">
+                <a:latin typeface="Calibri Light"/>
+                <a:cs typeface="Calibri Light"/>
+              </a:rPr>
+              <a:t>s</a:t>
+            </a:r>
+            <a:r>
+              <a:rPr lang="en-US" dirty="0" err="1" smtClean="0">
+                <a:latin typeface="Calibri Light"/>
+                <a:cs typeface="Calibri Light"/>
+              </a:rPr>
+              <a:t>nakemake</a:t>
+            </a:r>
+            <a:r>
+              <a:rPr lang="en-US" dirty="0">
+                <a:latin typeface="Calibri Light"/>
+                <a:cs typeface="Calibri Light"/>
+              </a:rPr>
+              <a:t>: https://</a:t>
+            </a:r>
+            <a:r>
+              <a:rPr lang="en-US" dirty="0" err="1">
+                <a:latin typeface="Calibri Light"/>
+                <a:cs typeface="Calibri Light"/>
+              </a:rPr>
+              <a:t>snakemake.readthedocs.io</a:t>
+            </a:r>
+            <a:r>
+              <a:rPr lang="en-US" dirty="0">
+                <a:latin typeface="Calibri Light"/>
+                <a:cs typeface="Calibri Light"/>
+              </a:rPr>
+              <a:t>/en/stable</a:t>
+            </a:r>
+            <a:r>
+              <a:rPr lang="en-US" dirty="0" smtClean="0">
+                <a:latin typeface="Calibri Light"/>
+                <a:cs typeface="Calibri Light"/>
+              </a:rPr>
+              <a:t>/</a:t>
+            </a:r>
+          </a:p>
+          <a:p>
+            <a:r>
+              <a:rPr lang="en-US" dirty="0" smtClean="0">
+                <a:latin typeface="Calibri Light"/>
+                <a:cs typeface="Calibri Light"/>
+              </a:rPr>
+              <a:t>R libraries:</a:t>
+            </a:r>
+          </a:p>
+          <a:p>
+            <a:pPr lvl="1"/>
+            <a:r>
+              <a:rPr lang="en-US" dirty="0" smtClean="0">
+                <a:latin typeface="Calibri Light"/>
+                <a:cs typeface="Calibri Light"/>
+              </a:rPr>
+              <a:t>DESeq2</a:t>
+            </a:r>
+          </a:p>
+          <a:p>
+            <a:pPr lvl="1"/>
+            <a:r>
+              <a:rPr lang="en-US" dirty="0" err="1" smtClean="0">
+                <a:latin typeface="Calibri Light"/>
+                <a:cs typeface="Calibri Light"/>
+              </a:rPr>
+              <a:t>EdgeR</a:t>
+            </a:r>
+            <a:endParaRPr lang="en-US" dirty="0" smtClean="0">
+              <a:latin typeface="Calibri Light"/>
+              <a:cs typeface="Calibri Light"/>
+            </a:endParaRPr>
+          </a:p>
+          <a:p>
+            <a:pPr lvl="1"/>
+            <a:r>
+              <a:rPr lang="en-US" dirty="0" smtClean="0">
+                <a:latin typeface="Calibri Light"/>
+                <a:cs typeface="Calibri Light"/>
+              </a:rPr>
+              <a:t>NMF</a:t>
+            </a:r>
+          </a:p>
+          <a:p>
+            <a:pPr lvl="1"/>
+            <a:r>
+              <a:rPr lang="en-US" dirty="0" err="1" smtClean="0">
+                <a:latin typeface="Calibri Light"/>
+                <a:cs typeface="Calibri Light"/>
+              </a:rPr>
+              <a:t>Rtsne</a:t>
+            </a:r>
+            <a:endParaRPr lang="en-US" dirty="0" smtClean="0">
+              <a:latin typeface="Calibri Light"/>
+              <a:cs typeface="Calibri Light"/>
+            </a:endParaRPr>
+          </a:p>
+          <a:p>
+            <a:pPr lvl="1"/>
+            <a:r>
+              <a:rPr lang="en-US" dirty="0" err="1" smtClean="0">
+                <a:latin typeface="Calibri Light"/>
+                <a:cs typeface="Calibri Light"/>
+              </a:rPr>
+              <a:t>tidyverse</a:t>
+            </a:r>
+            <a:r>
+              <a:rPr lang="en-US" dirty="0" smtClean="0">
+                <a:latin typeface="Calibri Light"/>
+                <a:cs typeface="Calibri Light"/>
+              </a:rPr>
+              <a:t> (</a:t>
+            </a:r>
+            <a:r>
+              <a:rPr lang="en-US" dirty="0" err="1" smtClean="0">
+                <a:latin typeface="Calibri Light"/>
+                <a:cs typeface="Calibri Light"/>
+              </a:rPr>
+              <a:t>dplyr</a:t>
+            </a:r>
+            <a:r>
+              <a:rPr lang="en-US" dirty="0" smtClean="0">
+                <a:latin typeface="Calibri Light"/>
+                <a:cs typeface="Calibri Light"/>
+              </a:rPr>
+              <a:t>, </a:t>
+            </a:r>
+            <a:r>
+              <a:rPr lang="en-US" dirty="0" err="1" smtClean="0">
+                <a:latin typeface="Calibri Light"/>
+                <a:cs typeface="Calibri Light"/>
+              </a:rPr>
+              <a:t>tidyr</a:t>
+            </a:r>
+            <a:r>
+              <a:rPr lang="en-US" dirty="0" smtClean="0">
+                <a:latin typeface="Calibri Light"/>
+                <a:cs typeface="Calibri Light"/>
+              </a:rPr>
+              <a:t> </a:t>
+            </a:r>
+            <a:r>
+              <a:rPr lang="en-US" dirty="0" err="1" smtClean="0">
+                <a:latin typeface="Calibri Light"/>
+                <a:cs typeface="Calibri Light"/>
+              </a:rPr>
+              <a:t>etc</a:t>
+            </a:r>
+            <a:r>
+              <a:rPr lang="en-US" dirty="0">
+                <a:latin typeface="Calibri Light"/>
+                <a:cs typeface="Calibri Light"/>
+              </a:rPr>
+              <a:t> https://</a:t>
+            </a:r>
+            <a:r>
+              <a:rPr lang="en-US" dirty="0" err="1">
+                <a:latin typeface="Calibri Light"/>
+                <a:cs typeface="Calibri Light"/>
+              </a:rPr>
+              <a:t>www.rstudio.com</a:t>
+            </a:r>
+            <a:r>
+              <a:rPr lang="en-US" dirty="0">
+                <a:latin typeface="Calibri Light"/>
+                <a:cs typeface="Calibri Light"/>
+              </a:rPr>
+              <a:t>/</a:t>
+            </a:r>
+            <a:r>
+              <a:rPr lang="en-US" dirty="0" err="1">
+                <a:latin typeface="Calibri Light"/>
+                <a:cs typeface="Calibri Light"/>
+              </a:rPr>
+              <a:t>wp</a:t>
+            </a:r>
+            <a:r>
+              <a:rPr lang="en-US" dirty="0">
+                <a:latin typeface="Calibri Light"/>
+                <a:cs typeface="Calibri Light"/>
+              </a:rPr>
+              <a:t>-content/uploads/2015/02/data-wrangling-</a:t>
+            </a:r>
+            <a:r>
+              <a:rPr lang="en-US" dirty="0" err="1">
+                <a:latin typeface="Calibri Light"/>
+                <a:cs typeface="Calibri Light"/>
+              </a:rPr>
+              <a:t>cheatsheet.pdf</a:t>
+            </a:r>
+            <a:r>
+              <a:rPr lang="en-US" dirty="0">
+                <a:latin typeface="Calibri Light"/>
+                <a:cs typeface="Calibri Light"/>
+              </a:rPr>
+              <a:t>)</a:t>
+            </a:r>
+            <a:endParaRPr lang="en-US" dirty="0" smtClean="0">
+              <a:latin typeface="Calibri Light"/>
+              <a:cs typeface="Calibri Light"/>
+            </a:endParaRPr>
+          </a:p>
+          <a:p>
+            <a:pPr lvl="1"/>
+            <a:r>
+              <a:rPr lang="en-US" dirty="0" smtClean="0">
+                <a:latin typeface="Calibri Light"/>
+                <a:cs typeface="Calibri Light"/>
+              </a:rPr>
+              <a:t>superheat</a:t>
+            </a:r>
+          </a:p>
+          <a:p>
+            <a:r>
+              <a:rPr lang="en-US" dirty="0" err="1" smtClean="0">
+                <a:latin typeface="Calibri Light"/>
+                <a:cs typeface="Calibri Light"/>
+              </a:rPr>
+              <a:t>conda</a:t>
+            </a:r>
+            <a:r>
+              <a:rPr lang="en-US" dirty="0" smtClean="0">
+                <a:latin typeface="Calibri Light"/>
+                <a:cs typeface="Calibri Light"/>
+              </a:rPr>
+              <a:t> for </a:t>
+            </a:r>
+            <a:r>
+              <a:rPr lang="en-US" dirty="0">
+                <a:latin typeface="Calibri Light"/>
+                <a:cs typeface="Calibri Light"/>
+              </a:rPr>
+              <a:t>package </a:t>
+            </a:r>
+            <a:r>
+              <a:rPr lang="en-US" dirty="0" smtClean="0">
+                <a:latin typeface="Calibri Light"/>
+                <a:cs typeface="Calibri Light"/>
+              </a:rPr>
+              <a:t>management</a:t>
+            </a:r>
+            <a:endParaRPr lang="en-US" dirty="0">
+              <a:latin typeface="Calibri Light"/>
+              <a:cs typeface="Calibri Light"/>
+            </a:endParaRPr>
+          </a:p>
+          <a:p>
+            <a:pPr lvl="1"/>
+            <a:r>
+              <a:rPr lang="en-US" dirty="0" smtClean="0">
+                <a:latin typeface="Calibri Light"/>
+                <a:cs typeface="Calibri Light"/>
+              </a:rPr>
+              <a:t>anaconda: https</a:t>
+            </a:r>
+            <a:r>
+              <a:rPr lang="en-US" dirty="0">
+                <a:latin typeface="Calibri Light"/>
+                <a:cs typeface="Calibri Light"/>
+              </a:rPr>
+              <a:t>://</a:t>
+            </a:r>
+            <a:r>
+              <a:rPr lang="en-US" dirty="0" err="1">
+                <a:latin typeface="Calibri Light"/>
+                <a:cs typeface="Calibri Light"/>
+              </a:rPr>
+              <a:t>www.continuum.io</a:t>
+            </a:r>
+            <a:r>
+              <a:rPr lang="en-US" dirty="0">
+                <a:latin typeface="Calibri Light"/>
+                <a:cs typeface="Calibri Light"/>
+              </a:rPr>
+              <a:t>/</a:t>
+            </a:r>
+            <a:r>
+              <a:rPr lang="en-US" dirty="0" smtClean="0">
+                <a:latin typeface="Calibri Light"/>
+                <a:cs typeface="Calibri Light"/>
+              </a:rPr>
+              <a:t>downloads</a:t>
+            </a:r>
+          </a:p>
+          <a:p>
+            <a:pPr lvl="1"/>
+            <a:r>
+              <a:rPr lang="en-US" dirty="0" err="1" smtClean="0">
+                <a:latin typeface="Calibri Light"/>
+                <a:cs typeface="Calibri Light"/>
+              </a:rPr>
+              <a:t>bioconda</a:t>
+            </a:r>
+            <a:r>
+              <a:rPr lang="en-US" dirty="0">
+                <a:latin typeface="Calibri Light"/>
+                <a:cs typeface="Calibri Light"/>
+              </a:rPr>
+              <a:t>: https://</a:t>
+            </a:r>
+            <a:r>
+              <a:rPr lang="en-US" dirty="0" err="1">
+                <a:latin typeface="Calibri Light"/>
+                <a:cs typeface="Calibri Light"/>
+              </a:rPr>
+              <a:t>bioconda.github.io</a:t>
+            </a:r>
+            <a:r>
+              <a:rPr lang="en-US" dirty="0">
+                <a:latin typeface="Calibri Light"/>
+                <a:cs typeface="Calibri Light"/>
+              </a:rPr>
+              <a:t>/</a:t>
+            </a:r>
+            <a:endParaRPr lang="en-US" dirty="0" smtClean="0">
+              <a:latin typeface="Calibri Light"/>
+              <a:cs typeface="Calibri Light"/>
+            </a:endParaRPr>
+          </a:p>
+          <a:p>
+            <a:pPr marL="342900" lvl="1" indent="0">
+              <a:buNone/>
+            </a:pPr>
+            <a:endParaRPr lang="en-US" dirty="0">
+              <a:latin typeface="Calibri Light"/>
+              <a:cs typeface="Calibri Light"/>
+            </a:endParaRPr>
+          </a:p>
+        </p:txBody>
+      </p:sp>
+    </p:spTree>
+    <p:extLst>
+      <p:ext uri="{BB962C8B-B14F-4D97-AF65-F5344CB8AC3E}">
+        <p14:creationId xmlns:p14="http://schemas.microsoft.com/office/powerpoint/2010/main" val="1054495024"/>
       </p:ext>
     </p:extLst>
   </p:cSld>
@@ -3118,31 +4931,49 @@
           <a:lstStyle/>
           <a:p>
             <a:r>
-              <a:rPr lang="en-US" dirty="0" smtClean="0"/>
+              <a:rPr lang="en-US" dirty="0" smtClean="0">
+                <a:latin typeface="Calibri Light"/>
+                <a:cs typeface="Calibri Light"/>
+              </a:rPr>
               <a:t>Assign reads to annotated transcripts</a:t>
             </a:r>
           </a:p>
           <a:p>
             <a:r>
-              <a:rPr lang="en-US" dirty="0" smtClean="0"/>
+              <a:rPr lang="en-US" dirty="0" smtClean="0">
+                <a:latin typeface="Calibri Light"/>
+                <a:cs typeface="Calibri Light"/>
+              </a:rPr>
               <a:t>Quantify transcript abundance</a:t>
             </a:r>
           </a:p>
           <a:p>
             <a:r>
-              <a:rPr lang="en-US" dirty="0" smtClean="0"/>
+              <a:rPr lang="en-US" dirty="0" smtClean="0">
+                <a:latin typeface="Calibri Light"/>
+                <a:cs typeface="Calibri Light"/>
+              </a:rPr>
               <a:t>Differential expression (DE) analysis</a:t>
             </a:r>
           </a:p>
           <a:p>
             <a:r>
-              <a:rPr lang="mr-IN" dirty="0" smtClean="0"/>
+              <a:rPr lang="mr-IN" dirty="0" smtClean="0">
+                <a:latin typeface="Calibri Light"/>
+                <a:cs typeface="Calibri Light"/>
+              </a:rPr>
               <a:t>…</a:t>
             </a:r>
-            <a:endParaRPr lang="en-US" dirty="0" smtClean="0"/>
-          </a:p>
-          <a:p>
-            <a:endParaRPr lang="en-US" dirty="0"/>
+            <a:endParaRPr lang="en-US" dirty="0" smtClean="0">
+              <a:latin typeface="Calibri Light"/>
+              <a:cs typeface="Calibri Light"/>
+            </a:endParaRPr>
+          </a:p>
+          <a:p>
+            <a:endParaRPr lang="en-US" dirty="0">
+              <a:latin typeface="Calibri Light"/>
+              <a:cs typeface="Calibri Light"/>
+            </a:endParaRPr>
           </a:p>
         </p:txBody>
       </p:sp>
@@ -3218,86 +5049,134 @@
           <a:lstStyle/>
           <a:p>
             <a:r>
-              <a:rPr lang="en-US" dirty="0" smtClean="0"/>
+              <a:rPr lang="en-US" dirty="0" smtClean="0">
+                <a:latin typeface="Calibri Light"/>
+                <a:cs typeface="Calibri Light"/>
+              </a:rPr>
               <a:t>Alignment</a:t>
             </a:r>
           </a:p>
           <a:p>
             <a:pPr lvl="1"/>
             <a:r>
-              <a:rPr lang="en-US" dirty="0" smtClean="0"/>
+              <a:rPr lang="en-US" dirty="0" smtClean="0">
+                <a:latin typeface="Calibri Light"/>
+                <a:cs typeface="Calibri Light"/>
+              </a:rPr>
               <a:t>STAR</a:t>
             </a:r>
           </a:p>
           <a:p>
             <a:pPr lvl="1"/>
             <a:r>
-              <a:rPr lang="en-US" dirty="0" smtClean="0"/>
+              <a:rPr lang="en-US" dirty="0" smtClean="0">
+                <a:latin typeface="Calibri Light"/>
+                <a:cs typeface="Calibri Light"/>
+              </a:rPr>
               <a:t>bowtie2</a:t>
             </a:r>
           </a:p>
           <a:p>
             <a:pPr lvl="1"/>
             <a:r>
-              <a:rPr lang="en-US" dirty="0" err="1" smtClean="0"/>
+              <a:rPr lang="en-US" dirty="0" err="1" smtClean="0">
+                <a:latin typeface="Calibri Light"/>
+                <a:cs typeface="Calibri Light"/>
+              </a:rPr>
               <a:t>bwa</a:t>
             </a:r>
-            <a:endParaRPr lang="en-US" dirty="0" smtClean="0"/>
+            <a:endParaRPr lang="en-US" dirty="0" smtClean="0">
+              <a:latin typeface="Calibri Light"/>
+              <a:cs typeface="Calibri Light"/>
+            </a:endParaRPr>
           </a:p>
           <a:p>
             <a:pPr lvl="1"/>
             <a:r>
-              <a:rPr lang="mr-IN" dirty="0" smtClean="0"/>
+              <a:rPr lang="mr-IN" dirty="0" smtClean="0">
+                <a:latin typeface="Calibri Light"/>
+                <a:cs typeface="Calibri Light"/>
+              </a:rPr>
               <a:t>…</a:t>
             </a:r>
-            <a:endParaRPr lang="en-US" dirty="0" smtClean="0"/>
-          </a:p>
-          <a:p>
-            <a:r>
-              <a:rPr lang="en-US" dirty="0" smtClean="0"/>
+            <a:endParaRPr lang="en-US" dirty="0" smtClean="0">
+              <a:latin typeface="Calibri Light"/>
+              <a:cs typeface="Calibri Light"/>
+            </a:endParaRPr>
+          </a:p>
+          <a:p>
+            <a:r>
+              <a:rPr lang="en-US" dirty="0" smtClean="0">
+                <a:latin typeface="Calibri Light"/>
+                <a:cs typeface="Calibri Light"/>
+              </a:rPr>
               <a:t>Pseudo / Quasi alignment</a:t>
             </a:r>
           </a:p>
           <a:p>
             <a:pPr lvl="1"/>
             <a:r>
-              <a:rPr lang="en-US" dirty="0" err="1" smtClean="0"/>
+              <a:rPr lang="en-US" dirty="0" err="1" smtClean="0">
+                <a:latin typeface="Calibri Light"/>
+                <a:cs typeface="Calibri Light"/>
+              </a:rPr>
               <a:t>kallisto</a:t>
             </a:r>
-            <a:endParaRPr lang="en-US" dirty="0" smtClean="0"/>
+            <a:endParaRPr lang="en-US" dirty="0" smtClean="0">
+              <a:latin typeface="Calibri Light"/>
+              <a:cs typeface="Calibri Light"/>
+            </a:endParaRPr>
           </a:p>
           <a:p>
             <a:pPr lvl="1"/>
             <a:r>
-              <a:rPr lang="en-US" dirty="0" smtClean="0"/>
+              <a:rPr lang="en-US" dirty="0" smtClean="0">
+                <a:latin typeface="Calibri Light"/>
+                <a:cs typeface="Calibri Light"/>
+              </a:rPr>
               <a:t>salmon</a:t>
             </a:r>
           </a:p>
           <a:p>
             <a:pPr lvl="1"/>
             <a:r>
-              <a:rPr lang="en-US" dirty="0" smtClean="0"/>
+              <a:rPr lang="en-US" dirty="0" smtClean="0">
+                <a:latin typeface="Calibri Light"/>
+                <a:cs typeface="Calibri Light"/>
+              </a:rPr>
               <a:t>sailfish</a:t>
             </a:r>
           </a:p>
           <a:p>
             <a:pPr lvl="1"/>
             <a:r>
-              <a:rPr lang="en-US" dirty="0" err="1" smtClean="0"/>
+              <a:rPr lang="en-US" dirty="0" err="1" smtClean="0">
+                <a:latin typeface="Calibri Light"/>
+                <a:cs typeface="Calibri Light"/>
+              </a:rPr>
               <a:t>RapMap</a:t>
             </a:r>
             <a:r>
-              <a:rPr lang="en-US" dirty="0" smtClean="0"/>
+              <a:rPr lang="en-US" dirty="0" smtClean="0">
+                <a:latin typeface="Calibri Light"/>
+                <a:cs typeface="Calibri Light"/>
+              </a:rPr>
               <a:t> (just the mapping part)</a:t>
             </a:r>
           </a:p>
           <a:p>
             <a:pPr lvl="1"/>
             <a:r>
-              <a:rPr lang="mr-IN" dirty="0" smtClean="0"/>
+              <a:rPr lang="mr-IN" dirty="0" smtClean="0">
+                <a:latin typeface="Calibri Light"/>
+                <a:cs typeface="Calibri Light"/>
+              </a:rPr>
               <a:t>…</a:t>
             </a:r>
-            <a:endParaRPr lang="en-US" dirty="0"/>
+            <a:endParaRPr lang="en-US" dirty="0">
+              <a:latin typeface="Calibri Light"/>
+              <a:cs typeface="Calibri Light"/>
+            </a:endParaRPr>
           </a:p>
         </p:txBody>
       </p:sp>
@@ -3371,28 +5250,64 @@
           <a:lstStyle/>
           <a:p>
             <a:r>
-              <a:rPr lang="en-US" dirty="0" smtClean="0"/>
+              <a:rPr lang="en-US" dirty="0" smtClean="0">
+                <a:latin typeface="Calibri Light"/>
+                <a:cs typeface="Calibri Light"/>
+              </a:rPr>
               <a:t>Fast and light weight</a:t>
             </a:r>
           </a:p>
           <a:p>
             <a:r>
-              <a:rPr lang="en-US" dirty="0" smtClean="0"/>
-              <a:t>Doesn’t find WHERE on the transcript a read is mapped to</a:t>
-            </a:r>
-          </a:p>
-          <a:p>
-            <a:r>
-              <a:rPr lang="en-US" dirty="0" smtClean="0"/>
+              <a:rPr lang="en-US" dirty="0" smtClean="0">
+                <a:latin typeface="Calibri Light"/>
+                <a:cs typeface="Calibri Light"/>
+              </a:rPr>
+              <a:t>Doesn’t find </a:t>
+            </a:r>
+            <a:r>
+              <a:rPr lang="en-US" u="sng" dirty="0" smtClean="0">
+                <a:latin typeface="Calibri Light"/>
+                <a:cs typeface="Calibri Light"/>
+              </a:rPr>
+              <a:t>where</a:t>
+            </a:r>
+            <a:r>
+              <a:rPr lang="en-US" dirty="0" smtClean="0">
+                <a:latin typeface="Calibri Light"/>
+                <a:cs typeface="Calibri Light"/>
+              </a:rPr>
+              <a:t> </a:t>
+            </a:r>
+            <a:r>
+              <a:rPr lang="en-US" dirty="0" smtClean="0">
+                <a:latin typeface="Calibri Light"/>
+                <a:cs typeface="Calibri Light"/>
+              </a:rPr>
+              <a:t>on the transcript a read is mapped to</a:t>
+            </a:r>
+          </a:p>
+          <a:p>
+            <a:r>
+              <a:rPr lang="en-US" dirty="0" smtClean="0">
+                <a:latin typeface="Calibri Light"/>
+                <a:cs typeface="Calibri Light"/>
+              </a:rPr>
               <a:t>Good for quantification, can’t do de novo assembly</a:t>
             </a:r>
           </a:p>
           <a:p>
             <a:r>
-              <a:rPr lang="en-US" dirty="0" smtClean="0"/>
+              <a:rPr lang="en-US" dirty="0" smtClean="0">
+                <a:latin typeface="Calibri Light"/>
+                <a:cs typeface="Calibri Light"/>
+              </a:rPr>
               <a:t>Good for model organisms with well defined genome annotation</a:t>
             </a:r>
-            <a:endParaRPr lang="en-US" dirty="0"/>
+            <a:endParaRPr lang="en-US" dirty="0">
+              <a:latin typeface="Calibri Light"/>
+              <a:cs typeface="Calibri Light"/>
+            </a:endParaRPr>
           </a:p>
         </p:txBody>
       </p:sp>
@@ -3472,110 +5387,133 @@
         </p:nvSpPr>
         <p:spPr>
           <a:xfrm>
-            <a:off x="457200" y="1600200"/>
-            <a:ext cx="3527249" cy="4525963"/>
+            <a:off x="628650" y="1979886"/>
+            <a:ext cx="7614180" cy="4146277"/>
           </a:xfrm>
         </p:spPr>
         <p:txBody>
           <a:bodyPr>
-            <a:normAutofit/>
+            <a:normAutofit lnSpcReduction="10000"/>
           </a:bodyPr>
           <a:lstStyle/>
           <a:p>
             <a:r>
-              <a:rPr lang="en-US" dirty="0" smtClean="0"/>
-              <a:t>All based on the same EM algorithm with variations in model specification</a:t>
-            </a:r>
-          </a:p>
-          <a:p>
-            <a:r>
-              <a:rPr lang="en-US" dirty="0" smtClean="0"/>
+              <a:rPr lang="en-US" dirty="0" smtClean="0">
+                <a:latin typeface="Calibri Light"/>
+                <a:cs typeface="Calibri Light"/>
+              </a:rPr>
+              <a:t>All based on the same EM algorithm with variations in model </a:t>
+            </a:r>
+            <a:r>
+              <a:rPr lang="en-US" dirty="0" smtClean="0">
+                <a:latin typeface="Calibri Light"/>
+                <a:cs typeface="Calibri Light"/>
+              </a:rPr>
+              <a:t>specification details</a:t>
+            </a:r>
+            <a:endParaRPr lang="en-US" dirty="0" smtClean="0">
+              <a:latin typeface="Calibri Light"/>
+              <a:cs typeface="Calibri Light"/>
+            </a:endParaRPr>
+          </a:p>
+          <a:p>
+            <a:r>
+              <a:rPr lang="en-US" dirty="0" smtClean="0">
+                <a:latin typeface="Calibri Light"/>
+                <a:cs typeface="Calibri Light"/>
+              </a:rPr>
               <a:t>RSEM</a:t>
             </a:r>
           </a:p>
           <a:p>
             <a:r>
-              <a:rPr lang="en-US" dirty="0" smtClean="0"/>
+              <a:rPr lang="en-US" dirty="0" smtClean="0">
+                <a:latin typeface="Calibri Light"/>
+                <a:cs typeface="Calibri Light"/>
+              </a:rPr>
               <a:t>Cufflinks</a:t>
             </a:r>
           </a:p>
           <a:p>
             <a:r>
-              <a:rPr lang="en-US" dirty="0" smtClean="0"/>
+              <a:rPr lang="en-US" dirty="0" smtClean="0">
+                <a:latin typeface="Calibri Light"/>
+                <a:cs typeface="Calibri Light"/>
+              </a:rPr>
               <a:t>express(-D)</a:t>
             </a:r>
           </a:p>
           <a:p>
             <a:r>
-              <a:rPr lang="en-US" dirty="0" err="1" smtClean="0"/>
+              <a:rPr lang="en-US" dirty="0" err="1" smtClean="0">
+                <a:latin typeface="Calibri Light"/>
+                <a:cs typeface="Calibri Light"/>
+              </a:rPr>
               <a:t>kallisto</a:t>
             </a:r>
-            <a:endParaRPr lang="en-US" dirty="0" smtClean="0"/>
-          </a:p>
-          <a:p>
-            <a:r>
-              <a:rPr lang="mr-IN" dirty="0" smtClean="0"/>
+            <a:endParaRPr lang="en-US" dirty="0" smtClean="0">
+              <a:latin typeface="Calibri Light"/>
+              <a:cs typeface="Calibri Light"/>
+            </a:endParaRPr>
+          </a:p>
+          <a:p>
+            <a:r>
+              <a:rPr lang="mr-IN" dirty="0" smtClean="0">
+                <a:latin typeface="Calibri Light"/>
+                <a:cs typeface="Calibri Light"/>
+              </a:rPr>
               <a:t>…</a:t>
             </a:r>
-            <a:endParaRPr lang="en-US" dirty="0"/>
-          </a:p>
-        </p:txBody>
-      </p:sp>
-      <p:pic>
-        <p:nvPicPr>
-          <p:cNvPr id="12" name="Picture 11"/>
-          <p:cNvPicPr>
-            <a:picLocks noChangeAspect="1"/>
-          </p:cNvPicPr>
-          <p:nvPr/>
-        </p:nvPicPr>
-        <p:blipFill>
-          <a:blip r:embed="rId2"/>
-          <a:stretch>
-            <a:fillRect/>
-          </a:stretch>
-        </p:blipFill>
-        <p:spPr>
-          <a:xfrm>
-            <a:off x="4102100" y="1435100"/>
-            <a:ext cx="5041900" cy="5422900"/>
-          </a:xfrm>
-          <a:prstGeom prst="rect">
-            <a:avLst/>
-          </a:prstGeom>
-        </p:spPr>
-      </p:pic>
-      <p:sp>
-        <p:nvSpPr>
-          <p:cNvPr id="13" name="TextBox 12"/>
-          <p:cNvSpPr txBox="1"/>
-          <p:nvPr/>
-        </p:nvSpPr>
-        <p:spPr>
-          <a:xfrm>
-            <a:off x="7717821" y="6487549"/>
-            <a:ext cx="1426179" cy="369332"/>
-          </a:xfrm>
-          <a:prstGeom prst="rect">
-            <a:avLst/>
-          </a:prstGeom>
-          <a:noFill/>
-        </p:spPr>
-        <p:txBody>
-          <a:bodyPr wrap="none" rtlCol="0">
-            <a:spAutoFit/>
-          </a:bodyPr>
-          <a:lstStyle/>
-          <a:p>
-            <a:r>
-              <a:rPr lang="en-US" dirty="0" err="1" smtClean="0"/>
-              <a:t>Pachter</a:t>
-            </a:r>
-            <a:r>
-              <a:rPr lang="en-US" dirty="0" smtClean="0"/>
-              <a:t> 2011</a:t>
-            </a:r>
-            <a:endParaRPr lang="en-US" dirty="0"/>
+            <a:endParaRPr lang="en-US" dirty="0" smtClean="0">
+              <a:latin typeface="Calibri Light"/>
+              <a:cs typeface="Calibri Light"/>
+            </a:endParaRPr>
+          </a:p>
+          <a:p>
+            <a:endParaRPr lang="en-US" dirty="0">
+              <a:latin typeface="Calibri Light"/>
+              <a:cs typeface="Calibri Light"/>
+            </a:endParaRPr>
+          </a:p>
+          <a:p>
+            <a:r>
+              <a:rPr lang="en-US" dirty="0" smtClean="0">
+                <a:latin typeface="Calibri Light"/>
+                <a:cs typeface="Calibri Light"/>
+              </a:rPr>
+              <a:t>There are many possible combinations. To get started, would recommend</a:t>
+            </a:r>
+          </a:p>
+          <a:p>
+            <a:pPr lvl="1"/>
+            <a:r>
+              <a:rPr lang="en-US" dirty="0" smtClean="0">
+                <a:latin typeface="Calibri Light"/>
+                <a:cs typeface="Calibri Light"/>
+              </a:rPr>
+              <a:t>STAR + RSEM</a:t>
+            </a:r>
+          </a:p>
+          <a:p>
+            <a:pPr lvl="1"/>
+            <a:r>
+              <a:rPr lang="en-US" dirty="0" smtClean="0">
+                <a:latin typeface="Calibri Light"/>
+                <a:cs typeface="Calibri Light"/>
+              </a:rPr>
+              <a:t>or </a:t>
+            </a:r>
+            <a:r>
+              <a:rPr lang="en-US" dirty="0" err="1" smtClean="0">
+                <a:latin typeface="Calibri Light"/>
+                <a:cs typeface="Calibri Light"/>
+              </a:rPr>
+              <a:t>kallisto</a:t>
+            </a:r>
+            <a:endParaRPr lang="en-US" dirty="0">
+              <a:latin typeface="Calibri Light"/>
+              <a:cs typeface="Calibri Light"/>
+            </a:endParaRPr>
           </a:p>
         </p:txBody>
       </p:sp>
@@ -3609,9 +5547,67 @@
           <a:chExt cx="0" cy="0"/>
         </a:xfrm>
       </p:grpSpPr>
-      <p:sp>
-        <p:nvSpPr>
-          <p:cNvPr id="2" name="Title 1"/>
+      <p:pic>
+        <p:nvPicPr>
+          <p:cNvPr id="4" name="Picture 3"/>
+          <p:cNvPicPr>
+            <a:picLocks noChangeAspect="1"/>
+          </p:cNvPicPr>
+          <p:nvPr/>
+        </p:nvPicPr>
+        <p:blipFill>
+          <a:blip r:embed="rId2"/>
+          <a:stretch>
+            <a:fillRect/>
+          </a:stretch>
+        </p:blipFill>
+        <p:spPr>
+          <a:xfrm>
+            <a:off x="3859936" y="805304"/>
+            <a:ext cx="5284064" cy="5683364"/>
+          </a:xfrm>
+          <a:prstGeom prst="rect">
+            <a:avLst/>
+          </a:prstGeom>
+        </p:spPr>
+      </p:pic>
+      <p:sp>
+        <p:nvSpPr>
+          <p:cNvPr id="5" name="TextBox 4"/>
+          <p:cNvSpPr txBox="1"/>
+          <p:nvPr/>
+        </p:nvSpPr>
+        <p:spPr>
+          <a:xfrm>
+            <a:off x="7325290" y="6488668"/>
+            <a:ext cx="1818710" cy="369332"/>
+          </a:xfrm>
+          <a:prstGeom prst="rect">
+            <a:avLst/>
+          </a:prstGeom>
+          <a:noFill/>
+        </p:spPr>
+        <p:txBody>
+          <a:bodyPr wrap="square" rtlCol="0">
+            <a:spAutoFit/>
+          </a:bodyPr>
+          <a:lstStyle/>
+          <a:p>
+            <a:r>
+              <a:rPr lang="en-US" dirty="0" err="1" smtClean="0"/>
+              <a:t>Pachter</a:t>
+            </a:r>
+            <a:r>
+              <a:rPr lang="en-US" dirty="0" smtClean="0"/>
+              <a:t> 2011</a:t>
+            </a:r>
+            <a:endParaRPr lang="en-US" dirty="0"/>
+          </a:p>
+        </p:txBody>
+      </p:sp>
+      <p:sp>
+        <p:nvSpPr>
+          <p:cNvPr id="6" name="Title 1"/>
           <p:cNvSpPr>
             <a:spLocks noGrp="1"/>
           </p:cNvSpPr>
@@ -3619,23 +5615,576 @@
             <p:ph type="title"/>
           </p:nvPr>
         </p:nvSpPr>
-        <p:spPr/>
-        <p:txBody>
-          <a:bodyPr/>
+        <p:spPr>
+          <a:xfrm>
+            <a:off x="628650" y="365126"/>
+            <a:ext cx="7886700" cy="1325563"/>
+          </a:xfrm>
+        </p:spPr>
+        <p:txBody>
+          <a:bodyPr>
+            <a:normAutofit/>
+          </a:bodyPr>
           <a:lstStyle/>
           <a:p>
             <a:pPr algn="l"/>
             <a:r>
               <a:rPr lang="en-US" dirty="0" smtClean="0"/>
-              <a:t>Differential expression analysis</a:t>
+              <a:t>A toy example</a:t>
             </a:r>
             <a:endParaRPr lang="en-US" dirty="0"/>
           </a:p>
         </p:txBody>
       </p:sp>
-      <p:sp>
-        <p:nvSpPr>
-          <p:cNvPr id="3" name="Content Placeholder 2"/>
+      <p:graphicFrame>
+        <p:nvGraphicFramePr>
+          <p:cNvPr id="7" name="Table 6"/>
+          <p:cNvGraphicFramePr>
+            <a:graphicFrameLocks noGrp="1"/>
+          </p:cNvGraphicFramePr>
+          <p:nvPr>
+            <p:extLst>
+              <p:ext uri="{D42A27DB-BD31-4B8C-83A1-F6EECF244321}">
+                <p14:modId xmlns:p14="http://schemas.microsoft.com/office/powerpoint/2010/main" val="2586800779"/>
+              </p:ext>
+            </p:extLst>
+          </p:nvPr>
+        </p:nvGraphicFramePr>
+        <p:xfrm>
+          <a:off x="728262" y="3942808"/>
+          <a:ext cx="2646068" cy="2545860"/>
+        </p:xfrm>
+        <a:graphic>
+          <a:graphicData uri="http://schemas.openxmlformats.org/drawingml/2006/table">
+            <a:tbl>
+              <a:tblPr firstRow="1" bandRow="1">
+                <a:tableStyleId>{D03447BB-5D67-496B-8E87-E561075AD55C}</a:tableStyleId>
+              </a:tblPr>
+              <a:tblGrid>
+                <a:gridCol w="342560"/>
+                <a:gridCol w="767836"/>
+                <a:gridCol w="767836"/>
+                <a:gridCol w="767836"/>
+              </a:tblGrid>
+              <a:tr h="424310">
+                <a:tc>
+                  <a:txBody>
+                    <a:bodyPr/>
+                    <a:lstStyle/>
+                    <a:p>
+                      <a:pPr algn="ctr"/>
+                      <a:endParaRPr lang="en-US" sz="1800" dirty="0"/>
+                    </a:p>
+                  </a:txBody>
+                  <a:tcPr anchor="ctr"/>
+                </a:tc>
+                <a:tc>
+                  <a:txBody>
+                    <a:bodyPr/>
+                    <a:lstStyle/>
+                    <a:p>
+                      <a:pPr algn="ctr"/>
+                      <a:r>
+                        <a:rPr lang="en-US" sz="1800" dirty="0" smtClean="0">
+                          <a:solidFill>
+                            <a:srgbClr val="FF0000"/>
+                          </a:solidFill>
+                        </a:rPr>
+                        <a:t>red</a:t>
+                      </a:r>
+                      <a:endParaRPr lang="en-US" sz="1800" dirty="0">
+                        <a:solidFill>
+                          <a:srgbClr val="FF0000"/>
+                        </a:solidFill>
+                      </a:endParaRPr>
+                    </a:p>
+                  </a:txBody>
+                  <a:tcPr anchor="ctr"/>
+                </a:tc>
+                <a:tc>
+                  <a:txBody>
+                    <a:bodyPr/>
+                    <a:lstStyle/>
+                    <a:p>
+                      <a:pPr algn="ctr"/>
+                      <a:r>
+                        <a:rPr lang="en-US" sz="1800" dirty="0" smtClean="0">
+                          <a:solidFill>
+                            <a:srgbClr val="23FF06"/>
+                          </a:solidFill>
+                        </a:rPr>
+                        <a:t>green</a:t>
+                      </a:r>
+                      <a:endParaRPr lang="en-US" sz="1800" dirty="0">
+                        <a:solidFill>
+                          <a:srgbClr val="23FF06"/>
+                        </a:solidFill>
+                      </a:endParaRPr>
+                    </a:p>
+                  </a:txBody>
+                  <a:tcPr anchor="ctr"/>
+                </a:tc>
+                <a:tc>
+                  <a:txBody>
+                    <a:bodyPr/>
+                    <a:lstStyle/>
+                    <a:p>
+                      <a:pPr algn="ctr"/>
+                      <a:r>
+                        <a:rPr lang="en-US" sz="1800" dirty="0" smtClean="0">
+                          <a:solidFill>
+                            <a:srgbClr val="0000FF"/>
+                          </a:solidFill>
+                        </a:rPr>
+                        <a:t>blue</a:t>
+                      </a:r>
+                      <a:endParaRPr lang="en-US" sz="1800" dirty="0">
+                        <a:solidFill>
+                          <a:srgbClr val="0000FF"/>
+                        </a:solidFill>
+                      </a:endParaRPr>
+                    </a:p>
+                  </a:txBody>
+                  <a:tcPr anchor="ctr"/>
+                </a:tc>
+              </a:tr>
+              <a:tr h="424310">
+                <a:tc>
+                  <a:txBody>
+                    <a:bodyPr/>
+                    <a:lstStyle/>
+                    <a:p>
+                      <a:pPr algn="ctr"/>
+                      <a:r>
+                        <a:rPr lang="en-US" sz="1800" dirty="0" smtClean="0"/>
+                        <a:t>a</a:t>
+                      </a:r>
+                      <a:endParaRPr lang="en-US" sz="1800" dirty="0"/>
+                    </a:p>
+                  </a:txBody>
+                  <a:tcPr anchor="ctr"/>
+                </a:tc>
+                <a:tc>
+                  <a:txBody>
+                    <a:bodyPr/>
+                    <a:lstStyle/>
+                    <a:p>
+                      <a:pPr algn="ctr"/>
+                      <a:r>
+                        <a:rPr lang="en-US" sz="1800" dirty="0" smtClean="0">
+                          <a:solidFill>
+                            <a:srgbClr val="FF0000"/>
+                          </a:solidFill>
+                        </a:rPr>
+                        <a:t>?</a:t>
+                      </a:r>
+                      <a:endParaRPr lang="en-US" sz="1800" dirty="0">
+                        <a:solidFill>
+                          <a:srgbClr val="FF0000"/>
+                        </a:solidFill>
+                      </a:endParaRPr>
+                    </a:p>
+                  </a:txBody>
+                  <a:tcPr anchor="ctr"/>
+                </a:tc>
+                <a:tc>
+                  <a:txBody>
+                    <a:bodyPr/>
+                    <a:lstStyle/>
+                    <a:p>
+                      <a:pPr algn="ctr"/>
+                      <a:r>
+                        <a:rPr lang="en-US" sz="1800" dirty="0" smtClean="0">
+                          <a:solidFill>
+                            <a:srgbClr val="23FF06"/>
+                          </a:solidFill>
+                        </a:rPr>
+                        <a:t>?</a:t>
+                      </a:r>
+                      <a:endParaRPr lang="en-US" sz="1800" dirty="0">
+                        <a:solidFill>
+                          <a:srgbClr val="23FF06"/>
+                        </a:solidFill>
+                      </a:endParaRPr>
+                    </a:p>
+                  </a:txBody>
+                  <a:tcPr anchor="ctr"/>
+                </a:tc>
+                <a:tc>
+                  <a:txBody>
+                    <a:bodyPr/>
+                    <a:lstStyle/>
+                    <a:p>
+                      <a:pPr algn="ctr"/>
+                      <a:r>
+                        <a:rPr lang="en-US" sz="1800" dirty="0" smtClean="0">
+                          <a:solidFill>
+                            <a:srgbClr val="0000FF"/>
+                          </a:solidFill>
+                        </a:rPr>
+                        <a:t>?</a:t>
+                      </a:r>
+                      <a:endParaRPr lang="en-US" sz="1800" dirty="0">
+                        <a:solidFill>
+                          <a:srgbClr val="0000FF"/>
+                        </a:solidFill>
+                      </a:endParaRPr>
+                    </a:p>
+                  </a:txBody>
+                  <a:tcPr anchor="ctr"/>
+                </a:tc>
+              </a:tr>
+              <a:tr h="424310">
+                <a:tc>
+                  <a:txBody>
+                    <a:bodyPr/>
+                    <a:lstStyle/>
+                    <a:p>
+                      <a:pPr algn="ctr"/>
+                      <a:r>
+                        <a:rPr lang="en-US" sz="1800" dirty="0" smtClean="0"/>
+                        <a:t>b</a:t>
+                      </a:r>
+                      <a:endParaRPr lang="en-US" sz="1800" dirty="0"/>
+                    </a:p>
+                  </a:txBody>
+                  <a:tcPr anchor="ctr"/>
+                </a:tc>
+                <a:tc>
+                  <a:txBody>
+                    <a:bodyPr/>
+                    <a:lstStyle/>
+                    <a:p>
+                      <a:pPr algn="ctr"/>
+                      <a:r>
+                        <a:rPr lang="en-US" sz="1800" dirty="0" smtClean="0">
+                          <a:solidFill>
+                            <a:srgbClr val="FF0000"/>
+                          </a:solidFill>
+                        </a:rPr>
+                        <a:t>?</a:t>
+                      </a:r>
+                      <a:endParaRPr lang="en-US" sz="1800" dirty="0">
+                        <a:solidFill>
+                          <a:srgbClr val="FF0000"/>
+                        </a:solidFill>
+                      </a:endParaRPr>
+                    </a:p>
+                  </a:txBody>
+                  <a:tcPr anchor="ctr"/>
+                </a:tc>
+                <a:tc>
+                  <a:txBody>
+                    <a:bodyPr/>
+                    <a:lstStyle/>
+                    <a:p>
+                      <a:pPr algn="ctr"/>
+                      <a:r>
+                        <a:rPr lang="en-US" sz="1800" dirty="0" smtClean="0">
+                          <a:solidFill>
+                            <a:srgbClr val="23FF06"/>
+                          </a:solidFill>
+                        </a:rPr>
+                        <a:t>?</a:t>
+                      </a:r>
+                      <a:endParaRPr lang="en-US" sz="1800" dirty="0">
+                        <a:solidFill>
+                          <a:srgbClr val="23FF06"/>
+                        </a:solidFill>
+                      </a:endParaRPr>
+                    </a:p>
+                  </a:txBody>
+                  <a:tcPr anchor="ctr"/>
+                </a:tc>
+                <a:tc>
+                  <a:txBody>
+                    <a:bodyPr/>
+                    <a:lstStyle/>
+                    <a:p>
+                      <a:pPr algn="ctr"/>
+                      <a:r>
+                        <a:rPr lang="en-US" sz="1800" dirty="0" smtClean="0">
+                          <a:solidFill>
+                            <a:srgbClr val="0000FF"/>
+                          </a:solidFill>
+                        </a:rPr>
+                        <a:t>?</a:t>
+                      </a:r>
+                      <a:endParaRPr lang="en-US" sz="1800" dirty="0">
+                        <a:solidFill>
+                          <a:srgbClr val="0000FF"/>
+                        </a:solidFill>
+                      </a:endParaRPr>
+                    </a:p>
+                  </a:txBody>
+                  <a:tcPr anchor="ctr"/>
+                </a:tc>
+              </a:tr>
+              <a:tr h="424310">
+                <a:tc>
+                  <a:txBody>
+                    <a:bodyPr/>
+                    <a:lstStyle/>
+                    <a:p>
+                      <a:pPr algn="ctr"/>
+                      <a:r>
+                        <a:rPr lang="en-US" sz="1800" dirty="0" smtClean="0"/>
+                        <a:t>c</a:t>
+                      </a:r>
+                      <a:endParaRPr lang="en-US" sz="1800" dirty="0"/>
+                    </a:p>
+                  </a:txBody>
+                  <a:tcPr anchor="ctr"/>
+                </a:tc>
+                <a:tc>
+                  <a:txBody>
+                    <a:bodyPr/>
+                    <a:lstStyle/>
+                    <a:p>
+                      <a:pPr algn="ctr"/>
+                      <a:r>
+                        <a:rPr lang="en-US" sz="1800" dirty="0" smtClean="0">
+                          <a:solidFill>
+                            <a:srgbClr val="FF0000"/>
+                          </a:solidFill>
+                        </a:rPr>
+                        <a:t>?</a:t>
+                      </a:r>
+                      <a:endParaRPr lang="en-US" sz="1800" dirty="0">
+                        <a:solidFill>
+                          <a:srgbClr val="FF0000"/>
+                        </a:solidFill>
+                      </a:endParaRPr>
+                    </a:p>
+                  </a:txBody>
+                  <a:tcPr anchor="ctr"/>
+                </a:tc>
+                <a:tc>
+                  <a:txBody>
+                    <a:bodyPr/>
+                    <a:lstStyle/>
+                    <a:p>
+                      <a:pPr algn="ctr"/>
+                      <a:r>
+                        <a:rPr lang="en-US" sz="1800" dirty="0" smtClean="0">
+                          <a:solidFill>
+                            <a:srgbClr val="23FF06"/>
+                          </a:solidFill>
+                        </a:rPr>
+                        <a:t>?</a:t>
+                      </a:r>
+                      <a:endParaRPr lang="en-US" sz="1800" dirty="0">
+                        <a:solidFill>
+                          <a:srgbClr val="23FF06"/>
+                        </a:solidFill>
+                      </a:endParaRPr>
+                    </a:p>
+                  </a:txBody>
+                  <a:tcPr anchor="ctr"/>
+                </a:tc>
+                <a:tc>
+                  <a:txBody>
+                    <a:bodyPr/>
+                    <a:lstStyle/>
+                    <a:p>
+                      <a:pPr algn="ctr"/>
+                      <a:r>
+                        <a:rPr lang="en-US" sz="1800" dirty="0" smtClean="0">
+                          <a:solidFill>
+                            <a:srgbClr val="0000FF"/>
+                          </a:solidFill>
+                        </a:rPr>
+                        <a:t>?</a:t>
+                      </a:r>
+                      <a:endParaRPr lang="en-US" sz="1800" dirty="0">
+                        <a:solidFill>
+                          <a:srgbClr val="0000FF"/>
+                        </a:solidFill>
+                      </a:endParaRPr>
+                    </a:p>
+                  </a:txBody>
+                  <a:tcPr anchor="ctr"/>
+                </a:tc>
+              </a:tr>
+              <a:tr h="424310">
+                <a:tc>
+                  <a:txBody>
+                    <a:bodyPr/>
+                    <a:lstStyle/>
+                    <a:p>
+                      <a:pPr algn="ctr"/>
+                      <a:r>
+                        <a:rPr lang="en-US" sz="1800" dirty="0" smtClean="0"/>
+                        <a:t>d</a:t>
+                      </a:r>
+                      <a:endParaRPr lang="en-US" sz="1800" dirty="0"/>
+                    </a:p>
+                  </a:txBody>
+                  <a:tcPr anchor="ctr"/>
+                </a:tc>
+                <a:tc>
+                  <a:txBody>
+                    <a:bodyPr/>
+                    <a:lstStyle/>
+                    <a:p>
+                      <a:pPr algn="ctr"/>
+                      <a:r>
+                        <a:rPr lang="en-US" sz="1800" dirty="0" smtClean="0">
+                          <a:solidFill>
+                            <a:srgbClr val="FF0000"/>
+                          </a:solidFill>
+                        </a:rPr>
+                        <a:t>?</a:t>
+                      </a:r>
+                      <a:endParaRPr lang="en-US" sz="1800" dirty="0">
+                        <a:solidFill>
+                          <a:srgbClr val="FF0000"/>
+                        </a:solidFill>
+                      </a:endParaRPr>
+                    </a:p>
+                  </a:txBody>
+                  <a:tcPr anchor="ctr"/>
+                </a:tc>
+                <a:tc>
+                  <a:txBody>
+                    <a:bodyPr/>
+                    <a:lstStyle/>
+                    <a:p>
+                      <a:pPr algn="ctr"/>
+                      <a:r>
+                        <a:rPr lang="en-US" sz="1800" dirty="0" smtClean="0">
+                          <a:solidFill>
+                            <a:srgbClr val="23FF06"/>
+                          </a:solidFill>
+                        </a:rPr>
+                        <a:t>?</a:t>
+                      </a:r>
+                      <a:endParaRPr lang="en-US" sz="1800" dirty="0">
+                        <a:solidFill>
+                          <a:srgbClr val="23FF06"/>
+                        </a:solidFill>
+                      </a:endParaRPr>
+                    </a:p>
+                  </a:txBody>
+                  <a:tcPr anchor="ctr"/>
+                </a:tc>
+                <a:tc>
+                  <a:txBody>
+                    <a:bodyPr/>
+                    <a:lstStyle/>
+                    <a:p>
+                      <a:pPr algn="ctr"/>
+                      <a:r>
+                        <a:rPr lang="en-US" sz="1800" dirty="0" smtClean="0">
+                          <a:solidFill>
+                            <a:srgbClr val="0000FF"/>
+                          </a:solidFill>
+                        </a:rPr>
+                        <a:t>?</a:t>
+                      </a:r>
+                      <a:endParaRPr lang="en-US" sz="1800" dirty="0">
+                        <a:solidFill>
+                          <a:srgbClr val="0000FF"/>
+                        </a:solidFill>
+                      </a:endParaRPr>
+                    </a:p>
+                  </a:txBody>
+                  <a:tcPr anchor="ctr"/>
+                </a:tc>
+              </a:tr>
+              <a:tr h="424310">
+                <a:tc>
+                  <a:txBody>
+                    <a:bodyPr/>
+                    <a:lstStyle/>
+                    <a:p>
+                      <a:pPr algn="ctr"/>
+                      <a:r>
+                        <a:rPr lang="en-US" sz="1800" dirty="0" smtClean="0"/>
+                        <a:t>e</a:t>
+                      </a:r>
+                      <a:endParaRPr lang="en-US" sz="1800" dirty="0"/>
+                    </a:p>
+                  </a:txBody>
+                  <a:tcPr anchor="ctr"/>
+                </a:tc>
+                <a:tc>
+                  <a:txBody>
+                    <a:bodyPr/>
+                    <a:lstStyle/>
+                    <a:p>
+                      <a:pPr algn="ctr"/>
+                      <a:r>
+                        <a:rPr lang="en-US" sz="1800" dirty="0" smtClean="0">
+                          <a:solidFill>
+                            <a:srgbClr val="FF0000"/>
+                          </a:solidFill>
+                        </a:rPr>
+                        <a:t>?</a:t>
+                      </a:r>
+                      <a:endParaRPr lang="en-US" sz="1800" dirty="0">
+                        <a:solidFill>
+                          <a:srgbClr val="FF0000"/>
+                        </a:solidFill>
+                      </a:endParaRPr>
+                    </a:p>
+                  </a:txBody>
+                  <a:tcPr anchor="ctr"/>
+                </a:tc>
+                <a:tc>
+                  <a:txBody>
+                    <a:bodyPr/>
+                    <a:lstStyle/>
+                    <a:p>
+                      <a:pPr algn="ctr"/>
+                      <a:r>
+                        <a:rPr lang="en-US" sz="1800" dirty="0" smtClean="0">
+                          <a:solidFill>
+                            <a:srgbClr val="23FF06"/>
+                          </a:solidFill>
+                        </a:rPr>
+                        <a:t>?</a:t>
+                      </a:r>
+                      <a:endParaRPr lang="en-US" sz="1800" dirty="0">
+                        <a:solidFill>
+                          <a:srgbClr val="23FF06"/>
+                        </a:solidFill>
+                      </a:endParaRPr>
+                    </a:p>
+                  </a:txBody>
+                  <a:tcPr anchor="ctr"/>
+                </a:tc>
+                <a:tc>
+                  <a:txBody>
+                    <a:bodyPr/>
+                    <a:lstStyle/>
+                    <a:p>
+                      <a:pPr algn="ctr"/>
+                      <a:r>
+                        <a:rPr lang="en-US" sz="1800" dirty="0" smtClean="0">
+                          <a:solidFill>
+                            <a:srgbClr val="0000FF"/>
+                          </a:solidFill>
+                        </a:rPr>
+                        <a:t>?</a:t>
+                      </a:r>
+                      <a:endParaRPr lang="en-US" sz="1800" dirty="0">
+                        <a:solidFill>
+                          <a:srgbClr val="0000FF"/>
+                        </a:solidFill>
+                      </a:endParaRPr>
+                    </a:p>
+                  </a:txBody>
+                  <a:tcPr anchor="ctr"/>
+                </a:tc>
+              </a:tr>
+            </a:tbl>
+          </a:graphicData>
+        </a:graphic>
+      </p:graphicFrame>
+      <p:sp>
+        <p:nvSpPr>
+          <p:cNvPr id="8" name="Content Placeholder 2"/>
           <p:cNvSpPr>
             <a:spLocks noGrp="1"/>
           </p:cNvSpPr>
@@ -3643,89 +6192,366 @@
             <p:ph idx="1"/>
           </p:nvPr>
         </p:nvSpPr>
-        <p:spPr/>
-        <p:txBody>
-          <a:bodyPr/>
+        <p:spPr>
+          <a:xfrm>
+            <a:off x="628650" y="1389805"/>
+            <a:ext cx="2745681" cy="945571"/>
+          </a:xfrm>
+        </p:spPr>
+        <p:txBody>
+          <a:bodyPr>
+            <a:normAutofit/>
+          </a:bodyPr>
           <a:lstStyle/>
           <a:p>
             <a:r>
+              <a:rPr lang="en-US" dirty="0" smtClean="0">
+                <a:latin typeface="Calibri Light"/>
+                <a:cs typeface="Calibri Light"/>
+              </a:rPr>
+              <a:t>5 reads</a:t>
+            </a:r>
+          </a:p>
+          <a:p>
+            <a:r>
+              <a:rPr lang="en-US" dirty="0" smtClean="0">
+                <a:latin typeface="Calibri Light"/>
+                <a:cs typeface="Calibri Light"/>
+              </a:rPr>
+              <a:t>3 transcripts</a:t>
+            </a:r>
+          </a:p>
+        </p:txBody>
+      </p:sp>
+      <p:graphicFrame>
+        <p:nvGraphicFramePr>
+          <p:cNvPr id="9" name="Table 8"/>
+          <p:cNvGraphicFramePr>
+            <a:graphicFrameLocks noGrp="1"/>
+          </p:cNvGraphicFramePr>
+          <p:nvPr>
+            <p:extLst>
+              <p:ext uri="{D42A27DB-BD31-4B8C-83A1-F6EECF244321}">
+                <p14:modId xmlns:p14="http://schemas.microsoft.com/office/powerpoint/2010/main" val="378735552"/>
+              </p:ext>
+            </p:extLst>
+          </p:nvPr>
+        </p:nvGraphicFramePr>
+        <p:xfrm>
+          <a:off x="1082278" y="2715720"/>
+          <a:ext cx="2278608" cy="848620"/>
+        </p:xfrm>
+        <a:graphic>
+          <a:graphicData uri="http://schemas.openxmlformats.org/drawingml/2006/table">
+            <a:tbl>
+              <a:tblPr firstRow="1" bandRow="1">
+                <a:tableStyleId>{E929F9F4-4A8F-4326-A1B4-22849713DDAB}</a:tableStyleId>
+              </a:tblPr>
+              <a:tblGrid>
+                <a:gridCol w="759536"/>
+                <a:gridCol w="759536"/>
+                <a:gridCol w="759536"/>
+              </a:tblGrid>
+              <a:tr h="424310">
+                <a:tc>
+                  <a:txBody>
+                    <a:bodyPr/>
+                    <a:lstStyle/>
+                    <a:p>
+                      <a:pPr algn="ctr"/>
+                      <a:r>
+                        <a:rPr lang="en-US" sz="1800" dirty="0" smtClean="0">
+                          <a:solidFill>
+                            <a:srgbClr val="FF0000"/>
+                          </a:solidFill>
+                        </a:rPr>
+                        <a:t>red</a:t>
+                      </a:r>
+                      <a:endParaRPr lang="en-US" sz="1800" dirty="0">
+                        <a:solidFill>
+                          <a:srgbClr val="FF0000"/>
+                        </a:solidFill>
+                      </a:endParaRPr>
+                    </a:p>
+                  </a:txBody>
+                  <a:tcPr anchor="ctr"/>
+                </a:tc>
+                <a:tc>
+                  <a:txBody>
+                    <a:bodyPr/>
+                    <a:lstStyle/>
+                    <a:p>
+                      <a:pPr algn="ctr"/>
+                      <a:r>
+                        <a:rPr lang="en-US" sz="1800" dirty="0" smtClean="0">
+                          <a:solidFill>
+                            <a:srgbClr val="23FF06"/>
+                          </a:solidFill>
+                        </a:rPr>
+                        <a:t>green</a:t>
+                      </a:r>
+                      <a:endParaRPr lang="en-US" sz="1800" dirty="0">
+                        <a:solidFill>
+                          <a:srgbClr val="23FF06"/>
+                        </a:solidFill>
+                      </a:endParaRPr>
+                    </a:p>
+                  </a:txBody>
+                  <a:tcPr anchor="ctr"/>
+                </a:tc>
+                <a:tc>
+                  <a:txBody>
+                    <a:bodyPr/>
+                    <a:lstStyle/>
+                    <a:p>
+                      <a:pPr algn="ctr"/>
+                      <a:r>
+                        <a:rPr lang="en-US" sz="1800" dirty="0" smtClean="0">
+                          <a:solidFill>
+                            <a:srgbClr val="0000FF"/>
+                          </a:solidFill>
+                        </a:rPr>
+                        <a:t>blue</a:t>
+                      </a:r>
+                      <a:endParaRPr lang="en-US" sz="1800" dirty="0">
+                        <a:solidFill>
+                          <a:srgbClr val="0000FF"/>
+                        </a:solidFill>
+                      </a:endParaRPr>
+                    </a:p>
+                  </a:txBody>
+                  <a:tcPr anchor="ctr"/>
+                </a:tc>
+              </a:tr>
+              <a:tr h="424310">
+                <a:tc>
+                  <a:txBody>
+                    <a:bodyPr/>
+                    <a:lstStyle/>
+                    <a:p>
+                      <a:pPr algn="ctr"/>
+                      <a:r>
+                        <a:rPr lang="en-US" sz="1800" dirty="0" smtClean="0">
+                          <a:solidFill>
+                            <a:srgbClr val="FF0000"/>
+                          </a:solidFill>
+                        </a:rPr>
+                        <a:t>1/3</a:t>
+                      </a:r>
+                      <a:endParaRPr lang="en-US" sz="1800" dirty="0">
+                        <a:solidFill>
+                          <a:srgbClr val="FF0000"/>
+                        </a:solidFill>
+                      </a:endParaRPr>
+                    </a:p>
+                  </a:txBody>
+                  <a:tcPr anchor="ctr"/>
+                </a:tc>
+                <a:tc>
+                  <a:txBody>
+                    <a:bodyPr/>
+                    <a:lstStyle/>
+                    <a:p>
+                      <a:pPr algn="ctr"/>
+                      <a:r>
+                        <a:rPr lang="en-US" sz="1800" dirty="0" smtClean="0">
+                          <a:solidFill>
+                            <a:srgbClr val="23FF06"/>
+                          </a:solidFill>
+                        </a:rPr>
+                        <a:t>1/3</a:t>
+                      </a:r>
+                      <a:endParaRPr lang="en-US" sz="1800" dirty="0">
+                        <a:solidFill>
+                          <a:srgbClr val="23FF06"/>
+                        </a:solidFill>
+                      </a:endParaRPr>
+                    </a:p>
+                  </a:txBody>
+                  <a:tcPr anchor="ctr"/>
+                </a:tc>
+                <a:tc>
+                  <a:txBody>
+                    <a:bodyPr/>
+                    <a:lstStyle/>
+                    <a:p>
+                      <a:pPr algn="ctr"/>
+                      <a:r>
+                        <a:rPr lang="en-US" sz="1800" dirty="0" smtClean="0">
+                          <a:solidFill>
+                            <a:srgbClr val="0000FF"/>
+                          </a:solidFill>
+                        </a:rPr>
+                        <a:t>1/3</a:t>
+                      </a:r>
+                      <a:endParaRPr lang="en-US" sz="1800" dirty="0">
+                        <a:solidFill>
+                          <a:srgbClr val="0000FF"/>
+                        </a:solidFill>
+                      </a:endParaRPr>
+                    </a:p>
+                  </a:txBody>
+                  <a:tcPr anchor="ctr"/>
+                </a:tc>
+              </a:tr>
+            </a:tbl>
+          </a:graphicData>
+        </a:graphic>
+      </p:graphicFrame>
+      <p:sp>
+        <p:nvSpPr>
+          <p:cNvPr id="10" name="TextBox 9"/>
+          <p:cNvSpPr txBox="1"/>
+          <p:nvPr/>
+        </p:nvSpPr>
+        <p:spPr>
+          <a:xfrm>
+            <a:off x="0" y="2346388"/>
+            <a:ext cx="2980353" cy="369332"/>
+          </a:xfrm>
+          <a:prstGeom prst="rect">
+            <a:avLst/>
+          </a:prstGeom>
+          <a:noFill/>
+        </p:spPr>
+        <p:txBody>
+          <a:bodyPr wrap="none" rtlCol="0">
+            <a:spAutoFit/>
+          </a:bodyPr>
+          <a:lstStyle/>
+          <a:p>
+            <a:r>
               <a:rPr lang="en-US" dirty="0" smtClean="0"/>
-              <a:t>GLM for count data</a:t>
-            </a:r>
-          </a:p>
-          <a:p>
-            <a:pPr lvl="1"/>
+              <a:t>Transcript relative abundance</a:t>
+            </a:r>
+            <a:endParaRPr lang="en-US" dirty="0"/>
+          </a:p>
+        </p:txBody>
+      </p:sp>
+      <p:sp>
+        <p:nvSpPr>
+          <p:cNvPr id="11" name="TextBox 10"/>
+          <p:cNvSpPr txBox="1"/>
+          <p:nvPr/>
+        </p:nvSpPr>
+        <p:spPr>
+          <a:xfrm>
+            <a:off x="0" y="3561644"/>
+            <a:ext cx="4045812" cy="369332"/>
+          </a:xfrm>
+          <a:prstGeom prst="rect">
+            <a:avLst/>
+          </a:prstGeom>
+          <a:noFill/>
+        </p:spPr>
+        <p:txBody>
+          <a:bodyPr wrap="none" rtlCol="0">
+            <a:spAutoFit/>
+          </a:bodyPr>
+          <a:lstStyle/>
+          <a:p>
             <a:r>
               <a:rPr lang="en-US" dirty="0" smtClean="0"/>
-              <a:t>DESeq2</a:t>
-            </a:r>
-          </a:p>
-          <a:p>
-            <a:pPr lvl="1"/>
-            <a:r>
-              <a:rPr lang="en-US" dirty="0" err="1" smtClean="0"/>
-              <a:t>EdgeR</a:t>
-            </a:r>
-            <a:endParaRPr lang="en-US" dirty="0" smtClean="0"/>
-          </a:p>
-          <a:p>
-            <a:pPr lvl="1"/>
-            <a:r>
-              <a:rPr lang="en-US" dirty="0" err="1" smtClean="0"/>
-              <a:t>EBSeq</a:t>
-            </a:r>
-            <a:endParaRPr lang="en-US" dirty="0" smtClean="0"/>
-          </a:p>
-          <a:p>
-            <a:pPr lvl="1"/>
-            <a:r>
-              <a:rPr lang="en-US" dirty="0" err="1" smtClean="0"/>
-              <a:t>EBSeqHMM</a:t>
-            </a:r>
-            <a:r>
-              <a:rPr lang="en-US" dirty="0" smtClean="0"/>
-              <a:t> (time course)</a:t>
-            </a:r>
-          </a:p>
-          <a:p>
-            <a:r>
-              <a:rPr lang="en-US" dirty="0" smtClean="0"/>
-              <a:t>Linear model for log transformed TPM / FPKM</a:t>
-            </a:r>
-          </a:p>
-          <a:p>
-            <a:pPr lvl="1"/>
-            <a:r>
-              <a:rPr lang="en-US" dirty="0" err="1" smtClean="0"/>
-              <a:t>limma</a:t>
-            </a:r>
-            <a:r>
-              <a:rPr lang="en-US" dirty="0" smtClean="0"/>
-              <a:t> (microarray like)</a:t>
-            </a:r>
-          </a:p>
-          <a:p>
-            <a:pPr lvl="1"/>
-            <a:r>
-              <a:rPr lang="en-US" dirty="0" smtClean="0"/>
-              <a:t>sleuth (use with </a:t>
-            </a:r>
-            <a:r>
-              <a:rPr lang="en-US" dirty="0" err="1" smtClean="0"/>
-              <a:t>kallisto</a:t>
-            </a:r>
-            <a:r>
-              <a:rPr lang="en-US" dirty="0" smtClean="0"/>
-              <a:t>)</a:t>
+              <a:t>Probability of read assigning to transcript</a:t>
             </a:r>
             <a:endParaRPr lang="en-US" dirty="0"/>
+          </a:p>
+        </p:txBody>
+      </p:sp>
+      <p:sp>
+        <p:nvSpPr>
+          <p:cNvPr id="12" name="Rectangle 11"/>
+          <p:cNvSpPr/>
+          <p:nvPr/>
+        </p:nvSpPr>
+        <p:spPr>
+          <a:xfrm>
+            <a:off x="3859936" y="805304"/>
+            <a:ext cx="1680939" cy="1530072"/>
+          </a:xfrm>
+          <a:prstGeom prst="rect">
+            <a:avLst/>
+          </a:prstGeom>
+          <a:noFill/>
+          <a:ln w="28575" cmpd="sng">
+            <a:solidFill>
+              <a:srgbClr val="FF6600"/>
+            </a:solidFill>
+          </a:ln>
+          <a:effectLst/>
+        </p:spPr>
+        <p:style>
+          <a:lnRef idx="1">
+            <a:schemeClr val="accent1"/>
+          </a:lnRef>
+          <a:fillRef idx="3">
+            <a:schemeClr val="accent1"/>
+          </a:fillRef>
+          <a:effectRef idx="2">
+            <a:schemeClr val="accent1"/>
+          </a:effectRef>
+          <a:fontRef idx="minor">
+            <a:schemeClr val="lt1"/>
+          </a:fontRef>
+        </p:style>
+        <p:txBody>
+          <a:bodyPr rtlCol="0" anchor="ctr"/>
+          <a:lstStyle/>
+          <a:p>
+            <a:pPr algn="ctr"/>
+            <a:endParaRPr lang="en-US"/>
+          </a:p>
+        </p:txBody>
+      </p:sp>
+      <p:sp>
+        <p:nvSpPr>
+          <p:cNvPr id="13" name="Rectangle 12"/>
+          <p:cNvSpPr/>
+          <p:nvPr/>
+        </p:nvSpPr>
+        <p:spPr>
+          <a:xfrm>
+            <a:off x="0" y="2332730"/>
+            <a:ext cx="3486393" cy="1340643"/>
+          </a:xfrm>
+          <a:prstGeom prst="rect">
+            <a:avLst/>
+          </a:prstGeom>
+          <a:noFill/>
+          <a:ln w="28575" cmpd="sng">
+            <a:solidFill>
+              <a:srgbClr val="FF6600"/>
+            </a:solidFill>
+          </a:ln>
+          <a:effectLst/>
+        </p:spPr>
+        <p:style>
+          <a:lnRef idx="1">
+            <a:schemeClr val="accent1"/>
+          </a:lnRef>
+          <a:fillRef idx="3">
+            <a:schemeClr val="accent1"/>
+          </a:fillRef>
+          <a:effectRef idx="2">
+            <a:schemeClr val="accent1"/>
+          </a:effectRef>
+          <a:fontRef idx="minor">
+            <a:schemeClr val="lt1"/>
+          </a:fontRef>
+        </p:style>
+        <p:txBody>
+          <a:bodyPr rtlCol="0" anchor="ctr"/>
+          <a:lstStyle/>
+          <a:p>
+            <a:pPr algn="ctr"/>
+            <a:endParaRPr lang="en-US"/>
           </a:p>
         </p:txBody>
       </p:sp>
     </p:spTree>
     <p:extLst>
       <p:ext uri="{BB962C8B-B14F-4D97-AF65-F5344CB8AC3E}">
-        <p14:creationId xmlns:p14="http://schemas.microsoft.com/office/powerpoint/2010/main" val="2987151706"/>
+        <p14:creationId xmlns:p14="http://schemas.microsoft.com/office/powerpoint/2010/main" val="3003516130"/>
       </p:ext>
     </p:extLst>
   </p:cSld>
@@ -3752,9 +6578,67 @@
           <a:chExt cx="0" cy="0"/>
         </a:xfrm>
       </p:grpSpPr>
-      <p:sp>
-        <p:nvSpPr>
-          <p:cNvPr id="2" name="Title 1"/>
+      <p:pic>
+        <p:nvPicPr>
+          <p:cNvPr id="4" name="Picture 3"/>
+          <p:cNvPicPr>
+            <a:picLocks noChangeAspect="1"/>
+          </p:cNvPicPr>
+          <p:nvPr/>
+        </p:nvPicPr>
+        <p:blipFill>
+          <a:blip r:embed="rId2"/>
+          <a:stretch>
+            <a:fillRect/>
+          </a:stretch>
+        </p:blipFill>
+        <p:spPr>
+          <a:xfrm>
+            <a:off x="3859936" y="805304"/>
+            <a:ext cx="5284064" cy="5683364"/>
+          </a:xfrm>
+          <a:prstGeom prst="rect">
+            <a:avLst/>
+          </a:prstGeom>
+        </p:spPr>
+      </p:pic>
+      <p:sp>
+        <p:nvSpPr>
+          <p:cNvPr id="5" name="TextBox 4"/>
+          <p:cNvSpPr txBox="1"/>
+          <p:nvPr/>
+        </p:nvSpPr>
+        <p:spPr>
+          <a:xfrm>
+            <a:off x="7325290" y="6488668"/>
+            <a:ext cx="1818710" cy="369332"/>
+          </a:xfrm>
+          <a:prstGeom prst="rect">
+            <a:avLst/>
+          </a:prstGeom>
+          <a:noFill/>
+        </p:spPr>
+        <p:txBody>
+          <a:bodyPr wrap="square" rtlCol="0">
+            <a:spAutoFit/>
+          </a:bodyPr>
+          <a:lstStyle/>
+          <a:p>
+            <a:r>
+              <a:rPr lang="en-US" dirty="0" err="1" smtClean="0"/>
+              <a:t>Pachter</a:t>
+            </a:r>
+            <a:r>
+              <a:rPr lang="en-US" dirty="0" smtClean="0"/>
+              <a:t> 2011</a:t>
+            </a:r>
+            <a:endParaRPr lang="en-US" dirty="0"/>
+          </a:p>
+        </p:txBody>
+      </p:sp>
+      <p:sp>
+        <p:nvSpPr>
+          <p:cNvPr id="6" name="Title 1"/>
           <p:cNvSpPr>
             <a:spLocks noGrp="1"/>
           </p:cNvSpPr>
@@ -3762,87 +6646,902 @@
             <p:ph type="title"/>
           </p:nvPr>
         </p:nvSpPr>
-        <p:spPr/>
-        <p:txBody>
-          <a:bodyPr/>
+        <p:spPr>
+          <a:xfrm>
+            <a:off x="102462" y="0"/>
+            <a:ext cx="7886700" cy="1325563"/>
+          </a:xfrm>
+        </p:spPr>
+        <p:txBody>
+          <a:bodyPr>
+            <a:normAutofit/>
+          </a:bodyPr>
           <a:lstStyle/>
           <a:p>
             <a:pPr algn="l"/>
             <a:r>
               <a:rPr lang="en-US" dirty="0" smtClean="0"/>
-              <a:t>Common downstream analysis</a:t>
+              <a:t>Update read assignment</a:t>
             </a:r>
             <a:endParaRPr lang="en-US" dirty="0"/>
           </a:p>
         </p:txBody>
       </p:sp>
-      <p:sp>
-        <p:nvSpPr>
-          <p:cNvPr id="3" name="Content Placeholder 2"/>
-          <p:cNvSpPr>
-            <a:spLocks noGrp="1"/>
-          </p:cNvSpPr>
+      <p:graphicFrame>
+        <p:nvGraphicFramePr>
+          <p:cNvPr id="7" name="Table 6"/>
+          <p:cNvGraphicFramePr>
+            <a:graphicFrameLocks noGrp="1"/>
+          </p:cNvGraphicFramePr>
           <p:nvPr>
-            <p:ph idx="1"/>
+            <p:extLst>
+              <p:ext uri="{D42A27DB-BD31-4B8C-83A1-F6EECF244321}">
+                <p14:modId xmlns:p14="http://schemas.microsoft.com/office/powerpoint/2010/main" val="2344342744"/>
+              </p:ext>
+            </p:extLst>
           </p:nvPr>
-        </p:nvSpPr>
-        <p:spPr/>
-        <p:txBody>
-          <a:bodyPr/>
+        </p:nvGraphicFramePr>
+        <p:xfrm>
+          <a:off x="728262" y="3942808"/>
+          <a:ext cx="2646068" cy="2545860"/>
+        </p:xfrm>
+        <a:graphic>
+          <a:graphicData uri="http://schemas.openxmlformats.org/drawingml/2006/table">
+            <a:tbl>
+              <a:tblPr firstRow="1" bandRow="1">
+                <a:tableStyleId>{D03447BB-5D67-496B-8E87-E561075AD55C}</a:tableStyleId>
+              </a:tblPr>
+              <a:tblGrid>
+                <a:gridCol w="342560"/>
+                <a:gridCol w="767836"/>
+                <a:gridCol w="767836"/>
+                <a:gridCol w="767836"/>
+              </a:tblGrid>
+              <a:tr h="424310">
+                <a:tc>
+                  <a:txBody>
+                    <a:bodyPr/>
+                    <a:lstStyle/>
+                    <a:p>
+                      <a:pPr algn="ctr"/>
+                      <a:endParaRPr lang="en-US" sz="1800" dirty="0"/>
+                    </a:p>
+                  </a:txBody>
+                  <a:tcPr anchor="ctr"/>
+                </a:tc>
+                <a:tc>
+                  <a:txBody>
+                    <a:bodyPr/>
+                    <a:lstStyle/>
+                    <a:p>
+                      <a:pPr algn="ctr"/>
+                      <a:r>
+                        <a:rPr lang="en-US" sz="1800" dirty="0" smtClean="0">
+                          <a:solidFill>
+                            <a:srgbClr val="FF0000"/>
+                          </a:solidFill>
+                        </a:rPr>
+                        <a:t>red</a:t>
+                      </a:r>
+                      <a:endParaRPr lang="en-US" sz="1800" dirty="0">
+                        <a:solidFill>
+                          <a:srgbClr val="FF0000"/>
+                        </a:solidFill>
+                      </a:endParaRPr>
+                    </a:p>
+                  </a:txBody>
+                  <a:tcPr anchor="ctr"/>
+                </a:tc>
+                <a:tc>
+                  <a:txBody>
+                    <a:bodyPr/>
+                    <a:lstStyle/>
+                    <a:p>
+                      <a:pPr algn="ctr"/>
+                      <a:r>
+                        <a:rPr lang="en-US" sz="1800" dirty="0" smtClean="0">
+                          <a:solidFill>
+                            <a:srgbClr val="23FF06"/>
+                          </a:solidFill>
+                        </a:rPr>
+                        <a:t>green</a:t>
+                      </a:r>
+                      <a:endParaRPr lang="en-US" sz="1800" dirty="0">
+                        <a:solidFill>
+                          <a:srgbClr val="23FF06"/>
+                        </a:solidFill>
+                      </a:endParaRPr>
+                    </a:p>
+                  </a:txBody>
+                  <a:tcPr anchor="ctr"/>
+                </a:tc>
+                <a:tc>
+                  <a:txBody>
+                    <a:bodyPr/>
+                    <a:lstStyle/>
+                    <a:p>
+                      <a:pPr algn="ctr"/>
+                      <a:r>
+                        <a:rPr lang="en-US" sz="1800" dirty="0" smtClean="0">
+                          <a:solidFill>
+                            <a:srgbClr val="0000FF"/>
+                          </a:solidFill>
+                        </a:rPr>
+                        <a:t>blue</a:t>
+                      </a:r>
+                      <a:endParaRPr lang="en-US" sz="1800" dirty="0">
+                        <a:solidFill>
+                          <a:srgbClr val="0000FF"/>
+                        </a:solidFill>
+                      </a:endParaRPr>
+                    </a:p>
+                  </a:txBody>
+                  <a:tcPr anchor="ctr"/>
+                </a:tc>
+              </a:tr>
+              <a:tr h="424310">
+                <a:tc>
+                  <a:txBody>
+                    <a:bodyPr/>
+                    <a:lstStyle/>
+                    <a:p>
+                      <a:pPr algn="ctr"/>
+                      <a:r>
+                        <a:rPr lang="en-US" sz="1800" dirty="0" smtClean="0"/>
+                        <a:t>a</a:t>
+                      </a:r>
+                      <a:endParaRPr lang="en-US" sz="1800" dirty="0"/>
+                    </a:p>
+                  </a:txBody>
+                  <a:tcPr anchor="ctr"/>
+                </a:tc>
+                <a:tc>
+                  <a:txBody>
+                    <a:bodyPr/>
+                    <a:lstStyle/>
+                    <a:p>
+                      <a:pPr algn="ctr"/>
+                      <a:r>
+                        <a:rPr lang="en-US" sz="1800" dirty="0" smtClean="0">
+                          <a:solidFill>
+                            <a:srgbClr val="FF0000"/>
+                          </a:solidFill>
+                        </a:rPr>
+                        <a:t>1/3</a:t>
+                      </a:r>
+                      <a:endParaRPr lang="en-US" sz="1800" dirty="0">
+                        <a:solidFill>
+                          <a:srgbClr val="FF0000"/>
+                        </a:solidFill>
+                      </a:endParaRPr>
+                    </a:p>
+                  </a:txBody>
+                  <a:tcPr anchor="ctr"/>
+                </a:tc>
+                <a:tc>
+                  <a:txBody>
+                    <a:bodyPr/>
+                    <a:lstStyle/>
+                    <a:p>
+                      <a:pPr algn="ctr"/>
+                      <a:r>
+                        <a:rPr lang="en-US" sz="1800" dirty="0" smtClean="0">
+                          <a:solidFill>
+                            <a:srgbClr val="23FF06"/>
+                          </a:solidFill>
+                        </a:rPr>
+                        <a:t>1/3</a:t>
+                      </a:r>
+                      <a:endParaRPr lang="en-US" sz="1800" dirty="0">
+                        <a:solidFill>
+                          <a:srgbClr val="23FF06"/>
+                        </a:solidFill>
+                      </a:endParaRPr>
+                    </a:p>
+                  </a:txBody>
+                  <a:tcPr anchor="ctr"/>
+                </a:tc>
+                <a:tc>
+                  <a:txBody>
+                    <a:bodyPr/>
+                    <a:lstStyle/>
+                    <a:p>
+                      <a:pPr algn="ctr"/>
+                      <a:r>
+                        <a:rPr lang="en-US" sz="1800" dirty="0" smtClean="0">
+                          <a:solidFill>
+                            <a:srgbClr val="0000FF"/>
+                          </a:solidFill>
+                        </a:rPr>
+                        <a:t>1/3</a:t>
+                      </a:r>
+                      <a:endParaRPr lang="en-US" sz="1800" dirty="0">
+                        <a:solidFill>
+                          <a:srgbClr val="0000FF"/>
+                        </a:solidFill>
+                      </a:endParaRPr>
+                    </a:p>
+                  </a:txBody>
+                  <a:tcPr anchor="ctr"/>
+                </a:tc>
+              </a:tr>
+              <a:tr h="424310">
+                <a:tc>
+                  <a:txBody>
+                    <a:bodyPr/>
+                    <a:lstStyle/>
+                    <a:p>
+                      <a:pPr algn="ctr"/>
+                      <a:r>
+                        <a:rPr lang="en-US" sz="1800" dirty="0" smtClean="0"/>
+                        <a:t>b</a:t>
+                      </a:r>
+                      <a:endParaRPr lang="en-US" sz="1800" dirty="0"/>
+                    </a:p>
+                  </a:txBody>
+                  <a:tcPr anchor="ctr"/>
+                </a:tc>
+                <a:tc>
+                  <a:txBody>
+                    <a:bodyPr/>
+                    <a:lstStyle/>
+                    <a:p>
+                      <a:pPr algn="ctr"/>
+                      <a:r>
+                        <a:rPr lang="en-US" sz="1800" dirty="0" smtClean="0">
+                          <a:solidFill>
+                            <a:srgbClr val="FF0000"/>
+                          </a:solidFill>
+                        </a:rPr>
+                        <a:t>0</a:t>
+                      </a:r>
+                      <a:endParaRPr lang="en-US" sz="1800" dirty="0">
+                        <a:solidFill>
+                          <a:srgbClr val="FF0000"/>
+                        </a:solidFill>
+                      </a:endParaRPr>
+                    </a:p>
+                  </a:txBody>
+                  <a:tcPr anchor="ctr"/>
+                </a:tc>
+                <a:tc>
+                  <a:txBody>
+                    <a:bodyPr/>
+                    <a:lstStyle/>
+                    <a:p>
+                      <a:pPr algn="ctr"/>
+                      <a:r>
+                        <a:rPr lang="en-US" sz="1800" dirty="0" smtClean="0">
+                          <a:solidFill>
+                            <a:srgbClr val="23FF06"/>
+                          </a:solidFill>
+                        </a:rPr>
+                        <a:t>1/2</a:t>
+                      </a:r>
+                      <a:endParaRPr lang="en-US" sz="1800" dirty="0">
+                        <a:solidFill>
+                          <a:srgbClr val="23FF06"/>
+                        </a:solidFill>
+                      </a:endParaRPr>
+                    </a:p>
+                  </a:txBody>
+                  <a:tcPr anchor="ctr"/>
+                </a:tc>
+                <a:tc>
+                  <a:txBody>
+                    <a:bodyPr/>
+                    <a:lstStyle/>
+                    <a:p>
+                      <a:pPr algn="ctr"/>
+                      <a:r>
+                        <a:rPr lang="en-US" sz="1800" dirty="0" smtClean="0">
+                          <a:solidFill>
+                            <a:srgbClr val="0000FF"/>
+                          </a:solidFill>
+                        </a:rPr>
+                        <a:t>1/2</a:t>
+                      </a:r>
+                      <a:endParaRPr lang="en-US" sz="1800" dirty="0">
+                        <a:solidFill>
+                          <a:srgbClr val="0000FF"/>
+                        </a:solidFill>
+                      </a:endParaRPr>
+                    </a:p>
+                  </a:txBody>
+                  <a:tcPr anchor="ctr"/>
+                </a:tc>
+              </a:tr>
+              <a:tr h="424310">
+                <a:tc>
+                  <a:txBody>
+                    <a:bodyPr/>
+                    <a:lstStyle/>
+                    <a:p>
+                      <a:pPr algn="ctr"/>
+                      <a:r>
+                        <a:rPr lang="en-US" sz="1800" dirty="0" smtClean="0"/>
+                        <a:t>c</a:t>
+                      </a:r>
+                      <a:endParaRPr lang="en-US" sz="1800" dirty="0"/>
+                    </a:p>
+                  </a:txBody>
+                  <a:tcPr anchor="ctr"/>
+                </a:tc>
+                <a:tc>
+                  <a:txBody>
+                    <a:bodyPr/>
+                    <a:lstStyle/>
+                    <a:p>
+                      <a:pPr algn="ctr"/>
+                      <a:r>
+                        <a:rPr lang="en-US" sz="1800" dirty="0" smtClean="0">
+                          <a:solidFill>
+                            <a:srgbClr val="FF0000"/>
+                          </a:solidFill>
+                        </a:rPr>
+                        <a:t>1/2</a:t>
+                      </a:r>
+                      <a:endParaRPr lang="en-US" sz="1800" dirty="0">
+                        <a:solidFill>
+                          <a:srgbClr val="FF0000"/>
+                        </a:solidFill>
+                      </a:endParaRPr>
+                    </a:p>
+                  </a:txBody>
+                  <a:tcPr anchor="ctr"/>
+                </a:tc>
+                <a:tc>
+                  <a:txBody>
+                    <a:bodyPr/>
+                    <a:lstStyle/>
+                    <a:p>
+                      <a:pPr algn="ctr"/>
+                      <a:r>
+                        <a:rPr lang="en-US" sz="1800" dirty="0" smtClean="0">
+                          <a:solidFill>
+                            <a:srgbClr val="23FF06"/>
+                          </a:solidFill>
+                        </a:rPr>
+                        <a:t>0</a:t>
+                      </a:r>
+                      <a:endParaRPr lang="en-US" sz="1800" dirty="0">
+                        <a:solidFill>
+                          <a:srgbClr val="23FF06"/>
+                        </a:solidFill>
+                      </a:endParaRPr>
+                    </a:p>
+                  </a:txBody>
+                  <a:tcPr anchor="ctr"/>
+                </a:tc>
+                <a:tc>
+                  <a:txBody>
+                    <a:bodyPr/>
+                    <a:lstStyle/>
+                    <a:p>
+                      <a:pPr algn="ctr"/>
+                      <a:r>
+                        <a:rPr lang="en-US" sz="1800" dirty="0" smtClean="0">
+                          <a:solidFill>
+                            <a:srgbClr val="0000FF"/>
+                          </a:solidFill>
+                        </a:rPr>
+                        <a:t>1/2</a:t>
+                      </a:r>
+                      <a:endParaRPr lang="en-US" sz="1800" dirty="0">
+                        <a:solidFill>
+                          <a:srgbClr val="0000FF"/>
+                        </a:solidFill>
+                      </a:endParaRPr>
+                    </a:p>
+                  </a:txBody>
+                  <a:tcPr anchor="ctr"/>
+                </a:tc>
+              </a:tr>
+              <a:tr h="424310">
+                <a:tc>
+                  <a:txBody>
+                    <a:bodyPr/>
+                    <a:lstStyle/>
+                    <a:p>
+                      <a:pPr algn="ctr"/>
+                      <a:r>
+                        <a:rPr lang="en-US" sz="1800" dirty="0" smtClean="0"/>
+                        <a:t>d</a:t>
+                      </a:r>
+                      <a:endParaRPr lang="en-US" sz="1800" dirty="0"/>
+                    </a:p>
+                  </a:txBody>
+                  <a:tcPr anchor="ctr"/>
+                </a:tc>
+                <a:tc>
+                  <a:txBody>
+                    <a:bodyPr/>
+                    <a:lstStyle/>
+                    <a:p>
+                      <a:pPr algn="ctr"/>
+                      <a:r>
+                        <a:rPr lang="en-US" sz="1800" dirty="0" smtClean="0">
+                          <a:solidFill>
+                            <a:srgbClr val="FF0000"/>
+                          </a:solidFill>
+                        </a:rPr>
+                        <a:t>1</a:t>
+                      </a:r>
+                      <a:endParaRPr lang="en-US" sz="1800" dirty="0">
+                        <a:solidFill>
+                          <a:srgbClr val="FF0000"/>
+                        </a:solidFill>
+                      </a:endParaRPr>
+                    </a:p>
+                  </a:txBody>
+                  <a:tcPr anchor="ctr"/>
+                </a:tc>
+                <a:tc>
+                  <a:txBody>
+                    <a:bodyPr/>
+                    <a:lstStyle/>
+                    <a:p>
+                      <a:pPr algn="ctr"/>
+                      <a:r>
+                        <a:rPr lang="en-US" sz="1800" dirty="0" smtClean="0">
+                          <a:solidFill>
+                            <a:srgbClr val="23FF06"/>
+                          </a:solidFill>
+                        </a:rPr>
+                        <a:t>0</a:t>
+                      </a:r>
+                      <a:endParaRPr lang="en-US" sz="1800" dirty="0">
+                        <a:solidFill>
+                          <a:srgbClr val="23FF06"/>
+                        </a:solidFill>
+                      </a:endParaRPr>
+                    </a:p>
+                  </a:txBody>
+                  <a:tcPr anchor="ctr"/>
+                </a:tc>
+                <a:tc>
+                  <a:txBody>
+                    <a:bodyPr/>
+                    <a:lstStyle/>
+                    <a:p>
+                      <a:pPr algn="ctr"/>
+                      <a:r>
+                        <a:rPr lang="en-US" sz="1800" dirty="0" smtClean="0">
+                          <a:solidFill>
+                            <a:srgbClr val="0000FF"/>
+                          </a:solidFill>
+                        </a:rPr>
+                        <a:t>0</a:t>
+                      </a:r>
+                      <a:endParaRPr lang="en-US" sz="1800" dirty="0">
+                        <a:solidFill>
+                          <a:srgbClr val="0000FF"/>
+                        </a:solidFill>
+                      </a:endParaRPr>
+                    </a:p>
+                  </a:txBody>
+                  <a:tcPr anchor="ctr"/>
+                </a:tc>
+              </a:tr>
+              <a:tr h="424310">
+                <a:tc>
+                  <a:txBody>
+                    <a:bodyPr/>
+                    <a:lstStyle/>
+                    <a:p>
+                      <a:pPr algn="ctr"/>
+                      <a:r>
+                        <a:rPr lang="en-US" sz="1800" dirty="0" smtClean="0"/>
+                        <a:t>e</a:t>
+                      </a:r>
+                      <a:endParaRPr lang="en-US" sz="1800" dirty="0"/>
+                    </a:p>
+                  </a:txBody>
+                  <a:tcPr anchor="ctr"/>
+                </a:tc>
+                <a:tc>
+                  <a:txBody>
+                    <a:bodyPr/>
+                    <a:lstStyle/>
+                    <a:p>
+                      <a:pPr algn="ctr"/>
+                      <a:r>
+                        <a:rPr lang="en-US" sz="1800" dirty="0" smtClean="0">
+                          <a:solidFill>
+                            <a:srgbClr val="FF0000"/>
+                          </a:solidFill>
+                        </a:rPr>
+                        <a:t>1/2</a:t>
+                      </a:r>
+                      <a:endParaRPr lang="en-US" sz="1800" dirty="0">
+                        <a:solidFill>
+                          <a:srgbClr val="FF0000"/>
+                        </a:solidFill>
+                      </a:endParaRPr>
+                    </a:p>
+                  </a:txBody>
+                  <a:tcPr anchor="ctr"/>
+                </a:tc>
+                <a:tc>
+                  <a:txBody>
+                    <a:bodyPr/>
+                    <a:lstStyle/>
+                    <a:p>
+                      <a:pPr algn="ctr"/>
+                      <a:r>
+                        <a:rPr lang="en-US" sz="1800" dirty="0" smtClean="0">
+                          <a:solidFill>
+                            <a:srgbClr val="23FF06"/>
+                          </a:solidFill>
+                        </a:rPr>
+                        <a:t>1/2</a:t>
+                      </a:r>
+                      <a:endParaRPr lang="en-US" sz="1800" dirty="0">
+                        <a:solidFill>
+                          <a:srgbClr val="23FF06"/>
+                        </a:solidFill>
+                      </a:endParaRPr>
+                    </a:p>
+                  </a:txBody>
+                  <a:tcPr anchor="ctr"/>
+                </a:tc>
+                <a:tc>
+                  <a:txBody>
+                    <a:bodyPr/>
+                    <a:lstStyle/>
+                    <a:p>
+                      <a:pPr algn="ctr"/>
+                      <a:r>
+                        <a:rPr lang="en-US" sz="1800" dirty="0" smtClean="0">
+                          <a:solidFill>
+                            <a:srgbClr val="0000FF"/>
+                          </a:solidFill>
+                        </a:rPr>
+                        <a:t>0</a:t>
+                      </a:r>
+                      <a:endParaRPr lang="en-US" sz="1800" dirty="0">
+                        <a:solidFill>
+                          <a:srgbClr val="0000FF"/>
+                        </a:solidFill>
+                      </a:endParaRPr>
+                    </a:p>
+                  </a:txBody>
+                  <a:tcPr anchor="ctr"/>
+                </a:tc>
+              </a:tr>
+            </a:tbl>
+          </a:graphicData>
+        </a:graphic>
+      </p:graphicFrame>
+      <p:graphicFrame>
+        <p:nvGraphicFramePr>
+          <p:cNvPr id="9" name="Table 8"/>
+          <p:cNvGraphicFramePr>
+            <a:graphicFrameLocks noGrp="1"/>
+          </p:cNvGraphicFramePr>
+          <p:nvPr>
+            <p:extLst>
+              <p:ext uri="{D42A27DB-BD31-4B8C-83A1-F6EECF244321}">
+                <p14:modId xmlns:p14="http://schemas.microsoft.com/office/powerpoint/2010/main" val="963039929"/>
+              </p:ext>
+            </p:extLst>
+          </p:nvPr>
+        </p:nvGraphicFramePr>
+        <p:xfrm>
+          <a:off x="1082278" y="2715720"/>
+          <a:ext cx="2278608" cy="848620"/>
+        </p:xfrm>
+        <a:graphic>
+          <a:graphicData uri="http://schemas.openxmlformats.org/drawingml/2006/table">
+            <a:tbl>
+              <a:tblPr firstRow="1" bandRow="1">
+                <a:tableStyleId>{E929F9F4-4A8F-4326-A1B4-22849713DDAB}</a:tableStyleId>
+              </a:tblPr>
+              <a:tblGrid>
+                <a:gridCol w="759536"/>
+                <a:gridCol w="759536"/>
+                <a:gridCol w="759536"/>
+              </a:tblGrid>
+              <a:tr h="424310">
+                <a:tc>
+                  <a:txBody>
+                    <a:bodyPr/>
+                    <a:lstStyle/>
+                    <a:p>
+                      <a:pPr algn="ctr"/>
+                      <a:r>
+                        <a:rPr lang="en-US" sz="1800" dirty="0" smtClean="0">
+                          <a:solidFill>
+                            <a:srgbClr val="FF0000"/>
+                          </a:solidFill>
+                        </a:rPr>
+                        <a:t>red</a:t>
+                      </a:r>
+                      <a:endParaRPr lang="en-US" sz="1800" dirty="0">
+                        <a:solidFill>
+                          <a:srgbClr val="FF0000"/>
+                        </a:solidFill>
+                      </a:endParaRPr>
+                    </a:p>
+                  </a:txBody>
+                  <a:tcPr anchor="ctr"/>
+                </a:tc>
+                <a:tc>
+                  <a:txBody>
+                    <a:bodyPr/>
+                    <a:lstStyle/>
+                    <a:p>
+                      <a:pPr algn="ctr"/>
+                      <a:r>
+                        <a:rPr lang="en-US" sz="1800" dirty="0" smtClean="0">
+                          <a:solidFill>
+                            <a:srgbClr val="23FF06"/>
+                          </a:solidFill>
+                        </a:rPr>
+                        <a:t>green</a:t>
+                      </a:r>
+                      <a:endParaRPr lang="en-US" sz="1800" dirty="0">
+                        <a:solidFill>
+                          <a:srgbClr val="23FF06"/>
+                        </a:solidFill>
+                      </a:endParaRPr>
+                    </a:p>
+                  </a:txBody>
+                  <a:tcPr anchor="ctr"/>
+                </a:tc>
+                <a:tc>
+                  <a:txBody>
+                    <a:bodyPr/>
+                    <a:lstStyle/>
+                    <a:p>
+                      <a:pPr algn="ctr"/>
+                      <a:r>
+                        <a:rPr lang="en-US" sz="1800" dirty="0" smtClean="0">
+                          <a:solidFill>
+                            <a:srgbClr val="0000FF"/>
+                          </a:solidFill>
+                        </a:rPr>
+                        <a:t>blue</a:t>
+                      </a:r>
+                      <a:endParaRPr lang="en-US" sz="1800" dirty="0">
+                        <a:solidFill>
+                          <a:srgbClr val="0000FF"/>
+                        </a:solidFill>
+                      </a:endParaRPr>
+                    </a:p>
+                  </a:txBody>
+                  <a:tcPr anchor="ctr"/>
+                </a:tc>
+              </a:tr>
+              <a:tr h="424310">
+                <a:tc>
+                  <a:txBody>
+                    <a:bodyPr/>
+                    <a:lstStyle/>
+                    <a:p>
+                      <a:pPr algn="ctr"/>
+                      <a:r>
+                        <a:rPr lang="en-US" sz="1800" dirty="0" smtClean="0">
+                          <a:solidFill>
+                            <a:srgbClr val="FF0000"/>
+                          </a:solidFill>
+                        </a:rPr>
+                        <a:t>1/3</a:t>
+                      </a:r>
+                      <a:endParaRPr lang="en-US" sz="1800" dirty="0">
+                        <a:solidFill>
+                          <a:srgbClr val="FF0000"/>
+                        </a:solidFill>
+                      </a:endParaRPr>
+                    </a:p>
+                  </a:txBody>
+                  <a:tcPr anchor="ctr"/>
+                </a:tc>
+                <a:tc>
+                  <a:txBody>
+                    <a:bodyPr/>
+                    <a:lstStyle/>
+                    <a:p>
+                      <a:pPr algn="ctr"/>
+                      <a:r>
+                        <a:rPr lang="en-US" sz="1800" dirty="0" smtClean="0">
+                          <a:solidFill>
+                            <a:srgbClr val="23FF06"/>
+                          </a:solidFill>
+                        </a:rPr>
+                        <a:t>1/3</a:t>
+                      </a:r>
+                      <a:endParaRPr lang="en-US" sz="1800" dirty="0">
+                        <a:solidFill>
+                          <a:srgbClr val="23FF06"/>
+                        </a:solidFill>
+                      </a:endParaRPr>
+                    </a:p>
+                  </a:txBody>
+                  <a:tcPr anchor="ctr"/>
+                </a:tc>
+                <a:tc>
+                  <a:txBody>
+                    <a:bodyPr/>
+                    <a:lstStyle/>
+                    <a:p>
+                      <a:pPr algn="ctr"/>
+                      <a:r>
+                        <a:rPr lang="en-US" sz="1800" dirty="0" smtClean="0">
+                          <a:solidFill>
+                            <a:srgbClr val="0000FF"/>
+                          </a:solidFill>
+                        </a:rPr>
+                        <a:t>1/3</a:t>
+                      </a:r>
+                      <a:endParaRPr lang="en-US" sz="1800" dirty="0">
+                        <a:solidFill>
+                          <a:srgbClr val="0000FF"/>
+                        </a:solidFill>
+                      </a:endParaRPr>
+                    </a:p>
+                  </a:txBody>
+                  <a:tcPr anchor="ctr"/>
+                </a:tc>
+              </a:tr>
+            </a:tbl>
+          </a:graphicData>
+        </a:graphic>
+      </p:graphicFrame>
+      <p:sp>
+        <p:nvSpPr>
+          <p:cNvPr id="10" name="TextBox 9"/>
+          <p:cNvSpPr txBox="1"/>
+          <p:nvPr/>
+        </p:nvSpPr>
+        <p:spPr>
+          <a:xfrm>
+            <a:off x="0" y="2346388"/>
+            <a:ext cx="2980353" cy="369332"/>
+          </a:xfrm>
+          <a:prstGeom prst="rect">
+            <a:avLst/>
+          </a:prstGeom>
+          <a:noFill/>
+        </p:spPr>
+        <p:txBody>
+          <a:bodyPr wrap="none" rtlCol="0">
+            <a:spAutoFit/>
+          </a:bodyPr>
           <a:lstStyle/>
           <a:p>
             <a:r>
               <a:rPr lang="en-US" dirty="0" smtClean="0"/>
-              <a:t>clustering</a:t>
-            </a:r>
-          </a:p>
-          <a:p>
-            <a:pPr lvl="1"/>
+              <a:t>Transcript relative abundance</a:t>
+            </a:r>
+            <a:endParaRPr lang="en-US" dirty="0"/>
+          </a:p>
+        </p:txBody>
+      </p:sp>
+      <p:sp>
+        <p:nvSpPr>
+          <p:cNvPr id="11" name="TextBox 10"/>
+          <p:cNvSpPr txBox="1"/>
+          <p:nvPr/>
+        </p:nvSpPr>
+        <p:spPr>
+          <a:xfrm>
+            <a:off x="0" y="3561644"/>
+            <a:ext cx="4045812" cy="369332"/>
+          </a:xfrm>
+          <a:prstGeom prst="rect">
+            <a:avLst/>
+          </a:prstGeom>
+          <a:noFill/>
+        </p:spPr>
+        <p:txBody>
+          <a:bodyPr wrap="none" rtlCol="0">
+            <a:spAutoFit/>
+          </a:bodyPr>
+          <a:lstStyle/>
+          <a:p>
             <a:r>
               <a:rPr lang="en-US" dirty="0" smtClean="0"/>
-              <a:t>hierarchical clustering</a:t>
-            </a:r>
-          </a:p>
-          <a:p>
-            <a:r>
-              <a:rPr lang="en-US" dirty="0" smtClean="0"/>
-              <a:t>Dimensionality reduction</a:t>
-            </a:r>
-          </a:p>
-          <a:p>
-            <a:pPr lvl="1"/>
-            <a:r>
-              <a:rPr lang="en-US" dirty="0" smtClean="0"/>
-              <a:t>PCA</a:t>
-            </a:r>
-          </a:p>
-          <a:p>
-            <a:pPr lvl="1"/>
-            <a:r>
-              <a:rPr lang="en-US" dirty="0" smtClean="0"/>
-              <a:t>NMF</a:t>
-            </a:r>
-          </a:p>
-          <a:p>
-            <a:pPr lvl="1"/>
-            <a:r>
-              <a:rPr lang="en-US" dirty="0" smtClean="0"/>
-              <a:t>t-SNE (esp. single cell)</a:t>
-            </a:r>
-          </a:p>
-          <a:p>
-            <a:r>
-              <a:rPr lang="en-US" dirty="0" smtClean="0"/>
-              <a:t>Gene ontology</a:t>
+              <a:t>Probability of read assigning to transcript</a:t>
             </a:r>
             <a:endParaRPr lang="en-US" dirty="0"/>
+          </a:p>
+        </p:txBody>
+      </p:sp>
+      <p:sp>
+        <p:nvSpPr>
+          <p:cNvPr id="12" name="Rectangle 11"/>
+          <p:cNvSpPr/>
+          <p:nvPr/>
+        </p:nvSpPr>
+        <p:spPr>
+          <a:xfrm>
+            <a:off x="6188349" y="805304"/>
+            <a:ext cx="2955651" cy="1530072"/>
+          </a:xfrm>
+          <a:prstGeom prst="rect">
+            <a:avLst/>
+          </a:prstGeom>
+          <a:noFill/>
+          <a:ln w="28575" cmpd="sng">
+            <a:solidFill>
+              <a:srgbClr val="FF6600"/>
+            </a:solidFill>
+          </a:ln>
+          <a:effectLst/>
+        </p:spPr>
+        <p:style>
+          <a:lnRef idx="1">
+            <a:schemeClr val="accent1"/>
+          </a:lnRef>
+          <a:fillRef idx="3">
+            <a:schemeClr val="accent1"/>
+          </a:fillRef>
+          <a:effectRef idx="2">
+            <a:schemeClr val="accent1"/>
+          </a:effectRef>
+          <a:fontRef idx="minor">
+            <a:schemeClr val="lt1"/>
+          </a:fontRef>
+        </p:style>
+        <p:txBody>
+          <a:bodyPr rtlCol="0" anchor="ctr"/>
+          <a:lstStyle/>
+          <a:p>
+            <a:pPr algn="ctr"/>
+            <a:endParaRPr lang="en-US"/>
+          </a:p>
+        </p:txBody>
+      </p:sp>
+      <p:sp>
+        <p:nvSpPr>
+          <p:cNvPr id="13" name="Rectangle 12"/>
+          <p:cNvSpPr/>
+          <p:nvPr/>
+        </p:nvSpPr>
+        <p:spPr>
+          <a:xfrm>
+            <a:off x="0" y="3599000"/>
+            <a:ext cx="4045812" cy="3150044"/>
+          </a:xfrm>
+          <a:prstGeom prst="rect">
+            <a:avLst/>
+          </a:prstGeom>
+          <a:noFill/>
+          <a:ln w="28575" cmpd="sng">
+            <a:solidFill>
+              <a:srgbClr val="FF6600"/>
+            </a:solidFill>
+          </a:ln>
+          <a:effectLst/>
+        </p:spPr>
+        <p:style>
+          <a:lnRef idx="1">
+            <a:schemeClr val="accent1"/>
+          </a:lnRef>
+          <a:fillRef idx="3">
+            <a:schemeClr val="accent1"/>
+          </a:fillRef>
+          <a:effectRef idx="2">
+            <a:schemeClr val="accent1"/>
+          </a:effectRef>
+          <a:fontRef idx="minor">
+            <a:schemeClr val="lt1"/>
+          </a:fontRef>
+        </p:style>
+        <p:txBody>
+          <a:bodyPr rtlCol="0" anchor="ctr"/>
+          <a:lstStyle/>
+          <a:p>
+            <a:pPr algn="ctr"/>
+            <a:endParaRPr lang="en-US"/>
           </a:p>
         </p:txBody>
       </p:sp>
     </p:spTree>
     <p:extLst>
       <p:ext uri="{BB962C8B-B14F-4D97-AF65-F5344CB8AC3E}">
-        <p14:creationId xmlns:p14="http://schemas.microsoft.com/office/powerpoint/2010/main" val="484613585"/>
+        <p14:creationId xmlns:p14="http://schemas.microsoft.com/office/powerpoint/2010/main" val="655452066"/>
       </p:ext>
     </p:extLst>
   </p:cSld>
@@ -3869,70 +7568,59 @@
           <a:chExt cx="0" cy="0"/>
         </a:xfrm>
       </p:grpSpPr>
-      <p:sp>
-        <p:nvSpPr>
-          <p:cNvPr id="2" name="Title 1"/>
-          <p:cNvSpPr>
-            <a:spLocks noGrp="1"/>
-          </p:cNvSpPr>
-          <p:nvPr>
-            <p:ph type="title"/>
-          </p:nvPr>
-        </p:nvSpPr>
-        <p:spPr/>
-        <p:txBody>
-          <a:bodyPr>
-            <a:normAutofit/>
+      <p:pic>
+        <p:nvPicPr>
+          <p:cNvPr id="4" name="Picture 3"/>
+          <p:cNvPicPr>
+            <a:picLocks noChangeAspect="1"/>
+          </p:cNvPicPr>
+          <p:nvPr/>
+        </p:nvPicPr>
+        <p:blipFill>
+          <a:blip r:embed="rId2"/>
+          <a:stretch>
+            <a:fillRect/>
+          </a:stretch>
+        </p:blipFill>
+        <p:spPr>
+          <a:xfrm>
+            <a:off x="3859936" y="805304"/>
+            <a:ext cx="5284064" cy="5683364"/>
+          </a:xfrm>
+          <a:prstGeom prst="rect">
+            <a:avLst/>
+          </a:prstGeom>
+        </p:spPr>
+      </p:pic>
+      <p:sp>
+        <p:nvSpPr>
+          <p:cNvPr id="5" name="TextBox 4"/>
+          <p:cNvSpPr txBox="1"/>
+          <p:nvPr/>
+        </p:nvSpPr>
+        <p:spPr>
+          <a:xfrm>
+            <a:off x="7325290" y="6488668"/>
+            <a:ext cx="1818710" cy="369332"/>
+          </a:xfrm>
+          <a:prstGeom prst="rect">
+            <a:avLst/>
+          </a:prstGeom>
+          <a:noFill/>
+        </p:spPr>
+        <p:txBody>
+          <a:bodyPr wrap="square" rtlCol="0">
+            <a:spAutoFit/>
           </a:bodyPr>
           <a:lstStyle/>
           <a:p>
-            <a:pPr algn="l"/>
+            <a:r>
+              <a:rPr lang="en-US" dirty="0" err="1" smtClean="0"/>
+              <a:t>Pachter</a:t>
+            </a:r>
             <a:r>
               <a:rPr lang="en-US" dirty="0" smtClean="0"/>
-              <a:t>Workflow organization: putting them together</a:t>
-            </a:r>
-            <a:endParaRPr lang="en-US" dirty="0"/>
-          </a:p>
-        </p:txBody>
-      </p:sp>
-      <p:sp>
-        <p:nvSpPr>
-          <p:cNvPr id="3" name="Content Placeholder 2"/>
-          <p:cNvSpPr>
-            <a:spLocks noGrp="1"/>
-          </p:cNvSpPr>
-          <p:nvPr>
-            <p:ph idx="1"/>
-          </p:nvPr>
-        </p:nvSpPr>
-        <p:spPr/>
-        <p:txBody>
-          <a:bodyPr/>
-          <a:lstStyle/>
-          <a:p>
-            <a:r>
-              <a:rPr lang="en-US" dirty="0" smtClean="0"/>
-              <a:t>shell script</a:t>
-            </a:r>
-          </a:p>
-          <a:p>
-            <a:r>
-              <a:rPr lang="en-US" dirty="0" err="1" smtClean="0"/>
-              <a:t>snakemake</a:t>
-            </a:r>
-            <a:r>
-              <a:rPr lang="en-US" dirty="0" smtClean="0"/>
-              <a:t> (python like syntax)</a:t>
-            </a:r>
-          </a:p>
-          <a:p>
-            <a:r>
-              <a:rPr lang="en-US" dirty="0" smtClean="0"/>
-              <a:t>commercial software, e.g. </a:t>
-            </a:r>
-            <a:r>
-              <a:rPr lang="en-US" dirty="0" err="1" smtClean="0"/>
-              <a:t>ArrayStudio</a:t>
+              <a:t> 2011</a:t>
             </a:r>
             <a:endParaRPr lang="en-US" dirty="0"/>
           </a:p>
@@ -3940,331 +7628,928 @@
       </p:sp>
       <p:graphicFrame>
         <p:nvGraphicFramePr>
-          <p:cNvPr id="11" name="Table 10"/>
+          <p:cNvPr id="7" name="Table 6"/>
           <p:cNvGraphicFramePr>
             <a:graphicFrameLocks noGrp="1"/>
           </p:cNvGraphicFramePr>
           <p:nvPr>
             <p:extLst>
               <p:ext uri="{D42A27DB-BD31-4B8C-83A1-F6EECF244321}">
-                <p14:modId xmlns:p14="http://schemas.microsoft.com/office/powerpoint/2010/main" val="884244142"/>
+                <p14:modId xmlns:p14="http://schemas.microsoft.com/office/powerpoint/2010/main" val="3862891422"/>
               </p:ext>
             </p:extLst>
           </p:nvPr>
         </p:nvGraphicFramePr>
         <p:xfrm>
-          <a:off x="1029965" y="3937230"/>
-          <a:ext cx="7162800" cy="1584960"/>
+          <a:off x="728262" y="3942808"/>
+          <a:ext cx="2646068" cy="2545860"/>
         </p:xfrm>
         <a:graphic>
           <a:graphicData uri="http://schemas.openxmlformats.org/drawingml/2006/table">
             <a:tbl>
               <a:tblPr firstRow="1" bandRow="1">
-                <a:tableStyleId>{F5AB1C69-6EDB-4FF4-983F-18BD219EF322}</a:tableStyleId>
+                <a:tableStyleId>{D03447BB-5D67-496B-8E87-E561075AD55C}</a:tableStyleId>
               </a:tblPr>
               <a:tblGrid>
-                <a:gridCol w="1432560"/>
-                <a:gridCol w="1432560"/>
-                <a:gridCol w="1432560"/>
-                <a:gridCol w="1432560"/>
-                <a:gridCol w="1432560"/>
+                <a:gridCol w="342560"/>
+                <a:gridCol w="767836"/>
+                <a:gridCol w="767836"/>
+                <a:gridCol w="767836"/>
               </a:tblGrid>
-              <a:tr h="370840">
-                <a:tc>
-                  <a:txBody>
-                    <a:bodyPr/>
-                    <a:lstStyle/>
-                    <a:p>
-                      <a:endParaRPr lang="en-US" sz="2000" dirty="0"/>
-                    </a:p>
-                  </a:txBody>
-                  <a:tcPr/>
-                </a:tc>
-                <a:tc>
-                  <a:txBody>
-                    <a:bodyPr/>
-                    <a:lstStyle/>
-                    <a:p>
-                      <a:r>
-                        <a:rPr lang="en-US" sz="2000" dirty="0" smtClean="0"/>
-                        <a:t>flexible?</a:t>
-                      </a:r>
-                      <a:endParaRPr lang="en-US" sz="2000" dirty="0"/>
-                    </a:p>
-                  </a:txBody>
-                  <a:tcPr/>
-                </a:tc>
-                <a:tc>
-                  <a:txBody>
-                    <a:bodyPr/>
-                    <a:lstStyle/>
-                    <a:p>
-                      <a:r>
-                        <a:rPr lang="en-US" sz="2000" dirty="0" smtClean="0"/>
-                        <a:t>scalable?</a:t>
-                      </a:r>
-                      <a:endParaRPr lang="en-US" sz="2000" dirty="0"/>
-                    </a:p>
-                  </a:txBody>
-                  <a:tcPr/>
-                </a:tc>
-                <a:tc>
-                  <a:txBody>
-                    <a:bodyPr/>
-                    <a:lstStyle/>
-                    <a:p>
-                      <a:r>
-                        <a:rPr lang="en-US" sz="2000" dirty="0" smtClean="0"/>
-                        <a:t>cost</a:t>
-                      </a:r>
-                      <a:endParaRPr lang="en-US" sz="2000" dirty="0"/>
-                    </a:p>
-                  </a:txBody>
-                  <a:tcPr/>
-                </a:tc>
-                <a:tc>
-                  <a:txBody>
-                    <a:bodyPr/>
-                    <a:lstStyle/>
-                    <a:p>
-                      <a:r>
-                        <a:rPr lang="en-US" sz="2000" dirty="0" smtClean="0"/>
-                        <a:t>GUI</a:t>
-                      </a:r>
-                      <a:endParaRPr lang="en-US" sz="2000" dirty="0"/>
-                    </a:p>
-                  </a:txBody>
-                  <a:tcPr/>
+              <a:tr h="424310">
+                <a:tc>
+                  <a:txBody>
+                    <a:bodyPr/>
+                    <a:lstStyle/>
+                    <a:p>
+                      <a:pPr algn="ctr"/>
+                      <a:endParaRPr lang="en-US" sz="1800" dirty="0"/>
+                    </a:p>
+                  </a:txBody>
+                  <a:tcPr anchor="ctr"/>
+                </a:tc>
+                <a:tc>
+                  <a:txBody>
+                    <a:bodyPr/>
+                    <a:lstStyle/>
+                    <a:p>
+                      <a:pPr algn="ctr"/>
+                      <a:r>
+                        <a:rPr lang="en-US" sz="1800" dirty="0" smtClean="0">
+                          <a:solidFill>
+                            <a:srgbClr val="FF0000"/>
+                          </a:solidFill>
+                        </a:rPr>
+                        <a:t>red</a:t>
+                      </a:r>
+                      <a:endParaRPr lang="en-US" sz="1800" dirty="0">
+                        <a:solidFill>
+                          <a:srgbClr val="FF0000"/>
+                        </a:solidFill>
+                      </a:endParaRPr>
+                    </a:p>
+                  </a:txBody>
+                  <a:tcPr anchor="ctr"/>
+                </a:tc>
+                <a:tc>
+                  <a:txBody>
+                    <a:bodyPr/>
+                    <a:lstStyle/>
+                    <a:p>
+                      <a:pPr algn="ctr"/>
+                      <a:r>
+                        <a:rPr lang="en-US" sz="1800" dirty="0" smtClean="0">
+                          <a:solidFill>
+                            <a:srgbClr val="23FF06"/>
+                          </a:solidFill>
+                        </a:rPr>
+                        <a:t>green</a:t>
+                      </a:r>
+                      <a:endParaRPr lang="en-US" sz="1800" dirty="0">
+                        <a:solidFill>
+                          <a:srgbClr val="23FF06"/>
+                        </a:solidFill>
+                      </a:endParaRPr>
+                    </a:p>
+                  </a:txBody>
+                  <a:tcPr anchor="ctr"/>
+                </a:tc>
+                <a:tc>
+                  <a:txBody>
+                    <a:bodyPr/>
+                    <a:lstStyle/>
+                    <a:p>
+                      <a:pPr algn="ctr"/>
+                      <a:r>
+                        <a:rPr lang="en-US" sz="1800" dirty="0" smtClean="0">
+                          <a:solidFill>
+                            <a:srgbClr val="0000FF"/>
+                          </a:solidFill>
+                        </a:rPr>
+                        <a:t>blue</a:t>
+                      </a:r>
+                      <a:endParaRPr lang="en-US" sz="1800" dirty="0">
+                        <a:solidFill>
+                          <a:srgbClr val="0000FF"/>
+                        </a:solidFill>
+                      </a:endParaRPr>
+                    </a:p>
+                  </a:txBody>
+                  <a:tcPr anchor="ctr"/>
                 </a:tc>
               </a:tr>
-              <a:tr h="370840">
-                <a:tc>
-                  <a:txBody>
-                    <a:bodyPr/>
-                    <a:lstStyle/>
-                    <a:p>
-                      <a:r>
-                        <a:rPr lang="en-US" sz="2000" dirty="0" smtClean="0"/>
-                        <a:t>shell </a:t>
-                      </a:r>
-                      <a:r>
-                        <a:rPr lang="en-US" sz="2000" dirty="0" smtClean="0"/>
-                        <a:t>scripts</a:t>
-                      </a:r>
-                      <a:endParaRPr lang="en-US" sz="2000" dirty="0"/>
-                    </a:p>
-                  </a:txBody>
-                  <a:tcPr/>
-                </a:tc>
-                <a:tc>
-                  <a:txBody>
-                    <a:bodyPr/>
-                    <a:lstStyle/>
-                    <a:p>
-                      <a:r>
-                        <a:rPr lang="en-US" sz="2000" dirty="0" smtClean="0"/>
-                        <a:t>yes</a:t>
-                      </a:r>
-                      <a:endParaRPr lang="en-US" sz="2000" dirty="0"/>
-                    </a:p>
-                  </a:txBody>
-                  <a:tcPr/>
-                </a:tc>
-                <a:tc>
-                  <a:txBody>
-                    <a:bodyPr/>
-                    <a:lstStyle/>
-                    <a:p>
-                      <a:r>
-                        <a:rPr lang="en-US" sz="2000" dirty="0" smtClean="0"/>
-                        <a:t>not much</a:t>
-                      </a:r>
-                      <a:endParaRPr lang="en-US" sz="2000" dirty="0"/>
-                    </a:p>
-                  </a:txBody>
-                  <a:tcPr/>
-                </a:tc>
-                <a:tc>
-                  <a:txBody>
-                    <a:bodyPr/>
-                    <a:lstStyle/>
-                    <a:p>
-                      <a:r>
-                        <a:rPr lang="en-US" sz="2000" dirty="0" smtClean="0"/>
-                        <a:t>free</a:t>
-                      </a:r>
-                      <a:endParaRPr lang="en-US" sz="2000" dirty="0"/>
-                    </a:p>
-                  </a:txBody>
-                  <a:tcPr/>
-                </a:tc>
-                <a:tc>
-                  <a:txBody>
-                    <a:bodyPr/>
-                    <a:lstStyle/>
-                    <a:p>
-                      <a:r>
-                        <a:rPr lang="en-US" sz="2000" dirty="0" smtClean="0"/>
-                        <a:t>no</a:t>
-                      </a:r>
-                      <a:endParaRPr lang="en-US" sz="2000" dirty="0"/>
-                    </a:p>
-                  </a:txBody>
-                  <a:tcPr/>
+              <a:tr h="424310">
+                <a:tc>
+                  <a:txBody>
+                    <a:bodyPr/>
+                    <a:lstStyle/>
+                    <a:p>
+                      <a:pPr algn="ctr"/>
+                      <a:r>
+                        <a:rPr lang="en-US" sz="1800" dirty="0" smtClean="0"/>
+                        <a:t>a</a:t>
+                      </a:r>
+                      <a:endParaRPr lang="en-US" sz="1800" dirty="0"/>
+                    </a:p>
+                  </a:txBody>
+                  <a:tcPr anchor="ctr"/>
+                </a:tc>
+                <a:tc>
+                  <a:txBody>
+                    <a:bodyPr/>
+                    <a:lstStyle/>
+                    <a:p>
+                      <a:pPr algn="ctr"/>
+                      <a:r>
+                        <a:rPr lang="en-US" sz="1800" dirty="0" smtClean="0">
+                          <a:solidFill>
+                            <a:srgbClr val="FF0000"/>
+                          </a:solidFill>
+                        </a:rPr>
+                        <a:t>1/3</a:t>
+                      </a:r>
+                      <a:endParaRPr lang="en-US" sz="1800" dirty="0">
+                        <a:solidFill>
+                          <a:srgbClr val="FF0000"/>
+                        </a:solidFill>
+                      </a:endParaRPr>
+                    </a:p>
+                  </a:txBody>
+                  <a:tcPr anchor="ctr"/>
+                </a:tc>
+                <a:tc>
+                  <a:txBody>
+                    <a:bodyPr/>
+                    <a:lstStyle/>
+                    <a:p>
+                      <a:pPr algn="ctr"/>
+                      <a:r>
+                        <a:rPr lang="en-US" sz="1800" dirty="0" smtClean="0">
+                          <a:solidFill>
+                            <a:srgbClr val="23FF06"/>
+                          </a:solidFill>
+                        </a:rPr>
+                        <a:t>1/3</a:t>
+                      </a:r>
+                      <a:endParaRPr lang="en-US" sz="1800" dirty="0">
+                        <a:solidFill>
+                          <a:srgbClr val="23FF06"/>
+                        </a:solidFill>
+                      </a:endParaRPr>
+                    </a:p>
+                  </a:txBody>
+                  <a:tcPr anchor="ctr"/>
+                </a:tc>
+                <a:tc>
+                  <a:txBody>
+                    <a:bodyPr/>
+                    <a:lstStyle/>
+                    <a:p>
+                      <a:pPr algn="ctr"/>
+                      <a:r>
+                        <a:rPr lang="en-US" sz="1800" dirty="0" smtClean="0">
+                          <a:solidFill>
+                            <a:srgbClr val="0000FF"/>
+                          </a:solidFill>
+                        </a:rPr>
+                        <a:t>1/3</a:t>
+                      </a:r>
+                      <a:endParaRPr lang="en-US" sz="1800" dirty="0">
+                        <a:solidFill>
+                          <a:srgbClr val="0000FF"/>
+                        </a:solidFill>
+                      </a:endParaRPr>
+                    </a:p>
+                  </a:txBody>
+                  <a:tcPr anchor="ctr"/>
                 </a:tc>
               </a:tr>
-              <a:tr h="370840">
-                <a:tc>
-                  <a:txBody>
-                    <a:bodyPr/>
-                    <a:lstStyle/>
-                    <a:p>
-                      <a:r>
-                        <a:rPr lang="en-US" sz="2000" dirty="0" err="1" smtClean="0"/>
-                        <a:t>Snakemake</a:t>
-                      </a:r>
-                      <a:endParaRPr lang="en-US" sz="2000" dirty="0"/>
-                    </a:p>
-                  </a:txBody>
-                  <a:tcPr/>
-                </a:tc>
-                <a:tc>
-                  <a:txBody>
-                    <a:bodyPr/>
-                    <a:lstStyle/>
-                    <a:p>
-                      <a:r>
-                        <a:rPr lang="en-US" sz="2000" dirty="0" smtClean="0"/>
-                        <a:t>yes</a:t>
-                      </a:r>
-                      <a:endParaRPr lang="en-US" sz="2000" dirty="0"/>
-                    </a:p>
-                  </a:txBody>
-                  <a:tcPr/>
-                </a:tc>
-                <a:tc>
-                  <a:txBody>
-                    <a:bodyPr/>
-                    <a:lstStyle/>
-                    <a:p>
-                      <a:r>
-                        <a:rPr lang="en-US" sz="2000" dirty="0" smtClean="0"/>
-                        <a:t>yes</a:t>
-                      </a:r>
-                      <a:endParaRPr lang="en-US" sz="2000" dirty="0"/>
-                    </a:p>
-                  </a:txBody>
-                  <a:tcPr/>
-                </a:tc>
-                <a:tc>
-                  <a:txBody>
-                    <a:bodyPr/>
-                    <a:lstStyle/>
-                    <a:p>
-                      <a:r>
-                        <a:rPr lang="en-US" sz="2000" dirty="0" smtClean="0"/>
-                        <a:t>free</a:t>
-                      </a:r>
-                      <a:endParaRPr lang="en-US" sz="2000" dirty="0"/>
-                    </a:p>
-                  </a:txBody>
-                  <a:tcPr/>
-                </a:tc>
-                <a:tc>
-                  <a:txBody>
-                    <a:bodyPr/>
-                    <a:lstStyle/>
-                    <a:p>
-                      <a:r>
-                        <a:rPr lang="en-US" sz="2000" dirty="0" smtClean="0"/>
-                        <a:t>no</a:t>
-                      </a:r>
-                      <a:endParaRPr lang="en-US" sz="2000" dirty="0"/>
-                    </a:p>
-                  </a:txBody>
-                  <a:tcPr/>
+              <a:tr h="424310">
+                <a:tc>
+                  <a:txBody>
+                    <a:bodyPr/>
+                    <a:lstStyle/>
+                    <a:p>
+                      <a:pPr algn="ctr"/>
+                      <a:r>
+                        <a:rPr lang="en-US" sz="1800" dirty="0" smtClean="0"/>
+                        <a:t>b</a:t>
+                      </a:r>
+                      <a:endParaRPr lang="en-US" sz="1800" dirty="0"/>
+                    </a:p>
+                  </a:txBody>
+                  <a:tcPr anchor="ctr"/>
+                </a:tc>
+                <a:tc>
+                  <a:txBody>
+                    <a:bodyPr/>
+                    <a:lstStyle/>
+                    <a:p>
+                      <a:pPr algn="ctr"/>
+                      <a:r>
+                        <a:rPr lang="en-US" sz="1800" dirty="0" smtClean="0">
+                          <a:solidFill>
+                            <a:srgbClr val="FF0000"/>
+                          </a:solidFill>
+                        </a:rPr>
+                        <a:t>0</a:t>
+                      </a:r>
+                      <a:endParaRPr lang="en-US" sz="1800" dirty="0">
+                        <a:solidFill>
+                          <a:srgbClr val="FF0000"/>
+                        </a:solidFill>
+                      </a:endParaRPr>
+                    </a:p>
+                  </a:txBody>
+                  <a:tcPr anchor="ctr"/>
+                </a:tc>
+                <a:tc>
+                  <a:txBody>
+                    <a:bodyPr/>
+                    <a:lstStyle/>
+                    <a:p>
+                      <a:pPr algn="ctr"/>
+                      <a:r>
+                        <a:rPr lang="en-US" sz="1800" dirty="0" smtClean="0">
+                          <a:solidFill>
+                            <a:srgbClr val="23FF06"/>
+                          </a:solidFill>
+                        </a:rPr>
+                        <a:t>1/2</a:t>
+                      </a:r>
+                      <a:endParaRPr lang="en-US" sz="1800" dirty="0">
+                        <a:solidFill>
+                          <a:srgbClr val="23FF06"/>
+                        </a:solidFill>
+                      </a:endParaRPr>
+                    </a:p>
+                  </a:txBody>
+                  <a:tcPr anchor="ctr"/>
+                </a:tc>
+                <a:tc>
+                  <a:txBody>
+                    <a:bodyPr/>
+                    <a:lstStyle/>
+                    <a:p>
+                      <a:pPr algn="ctr"/>
+                      <a:r>
+                        <a:rPr lang="en-US" sz="1800" dirty="0" smtClean="0">
+                          <a:solidFill>
+                            <a:srgbClr val="0000FF"/>
+                          </a:solidFill>
+                        </a:rPr>
+                        <a:t>1/2</a:t>
+                      </a:r>
+                      <a:endParaRPr lang="en-US" sz="1800" dirty="0">
+                        <a:solidFill>
+                          <a:srgbClr val="0000FF"/>
+                        </a:solidFill>
+                      </a:endParaRPr>
+                    </a:p>
+                  </a:txBody>
+                  <a:tcPr anchor="ctr"/>
                 </a:tc>
               </a:tr>
-              <a:tr h="370840">
-                <a:tc>
-                  <a:txBody>
-                    <a:bodyPr/>
-                    <a:lstStyle/>
-                    <a:p>
-                      <a:r>
-                        <a:rPr lang="en-US" sz="2000" dirty="0" err="1" smtClean="0"/>
-                        <a:t>ArrayStudio</a:t>
-                      </a:r>
-                      <a:endParaRPr lang="en-US" sz="2000" dirty="0"/>
-                    </a:p>
-                  </a:txBody>
-                  <a:tcPr/>
-                </a:tc>
-                <a:tc>
-                  <a:txBody>
-                    <a:bodyPr/>
-                    <a:lstStyle/>
-                    <a:p>
-                      <a:r>
-                        <a:rPr lang="en-US" sz="2000" dirty="0" smtClean="0"/>
-                        <a:t>kind of</a:t>
-                      </a:r>
-                      <a:endParaRPr lang="en-US" sz="2000" dirty="0"/>
-                    </a:p>
-                  </a:txBody>
-                  <a:tcPr/>
-                </a:tc>
-                <a:tc>
-                  <a:txBody>
-                    <a:bodyPr/>
-                    <a:lstStyle/>
-                    <a:p>
-                      <a:r>
-                        <a:rPr lang="en-US" sz="2000" dirty="0" smtClean="0"/>
-                        <a:t>yes</a:t>
-                      </a:r>
-                      <a:endParaRPr lang="en-US" sz="2000" dirty="0"/>
-                    </a:p>
-                  </a:txBody>
-                  <a:tcPr/>
-                </a:tc>
-                <a:tc>
-                  <a:txBody>
-                    <a:bodyPr/>
-                    <a:lstStyle/>
-                    <a:p>
-                      <a:r>
-                        <a:rPr lang="en-US" sz="2000" dirty="0" smtClean="0"/>
-                        <a:t>$$$</a:t>
-                      </a:r>
-                      <a:endParaRPr lang="en-US" sz="2000" dirty="0"/>
-                    </a:p>
-                  </a:txBody>
-                  <a:tcPr/>
-                </a:tc>
-                <a:tc>
-                  <a:txBody>
-                    <a:bodyPr/>
-                    <a:lstStyle/>
-                    <a:p>
-                      <a:r>
-                        <a:rPr lang="en-US" sz="2000" dirty="0" smtClean="0"/>
-                        <a:t>yes</a:t>
-                      </a:r>
-                      <a:endParaRPr lang="en-US" sz="2000" dirty="0"/>
-                    </a:p>
-                  </a:txBody>
-                  <a:tcPr/>
+              <a:tr h="424310">
+                <a:tc>
+                  <a:txBody>
+                    <a:bodyPr/>
+                    <a:lstStyle/>
+                    <a:p>
+                      <a:pPr algn="ctr"/>
+                      <a:r>
+                        <a:rPr lang="en-US" sz="1800" dirty="0" smtClean="0"/>
+                        <a:t>c</a:t>
+                      </a:r>
+                      <a:endParaRPr lang="en-US" sz="1800" dirty="0"/>
+                    </a:p>
+                  </a:txBody>
+                  <a:tcPr anchor="ctr"/>
+                </a:tc>
+                <a:tc>
+                  <a:txBody>
+                    <a:bodyPr/>
+                    <a:lstStyle/>
+                    <a:p>
+                      <a:pPr algn="ctr"/>
+                      <a:r>
+                        <a:rPr lang="en-US" sz="1800" dirty="0" smtClean="0">
+                          <a:solidFill>
+                            <a:srgbClr val="FF0000"/>
+                          </a:solidFill>
+                        </a:rPr>
+                        <a:t>1/2</a:t>
+                      </a:r>
+                      <a:endParaRPr lang="en-US" sz="1800" dirty="0">
+                        <a:solidFill>
+                          <a:srgbClr val="FF0000"/>
+                        </a:solidFill>
+                      </a:endParaRPr>
+                    </a:p>
+                  </a:txBody>
+                  <a:tcPr anchor="ctr"/>
+                </a:tc>
+                <a:tc>
+                  <a:txBody>
+                    <a:bodyPr/>
+                    <a:lstStyle/>
+                    <a:p>
+                      <a:pPr algn="ctr"/>
+                      <a:r>
+                        <a:rPr lang="en-US" sz="1800" dirty="0" smtClean="0">
+                          <a:solidFill>
+                            <a:srgbClr val="23FF06"/>
+                          </a:solidFill>
+                        </a:rPr>
+                        <a:t>0</a:t>
+                      </a:r>
+                      <a:endParaRPr lang="en-US" sz="1800" dirty="0">
+                        <a:solidFill>
+                          <a:srgbClr val="23FF06"/>
+                        </a:solidFill>
+                      </a:endParaRPr>
+                    </a:p>
+                  </a:txBody>
+                  <a:tcPr anchor="ctr"/>
+                </a:tc>
+                <a:tc>
+                  <a:txBody>
+                    <a:bodyPr/>
+                    <a:lstStyle/>
+                    <a:p>
+                      <a:pPr algn="ctr"/>
+                      <a:r>
+                        <a:rPr lang="en-US" sz="1800" dirty="0" smtClean="0">
+                          <a:solidFill>
+                            <a:srgbClr val="0000FF"/>
+                          </a:solidFill>
+                        </a:rPr>
+                        <a:t>1/2</a:t>
+                      </a:r>
+                      <a:endParaRPr lang="en-US" sz="1800" dirty="0">
+                        <a:solidFill>
+                          <a:srgbClr val="0000FF"/>
+                        </a:solidFill>
+                      </a:endParaRPr>
+                    </a:p>
+                  </a:txBody>
+                  <a:tcPr anchor="ctr"/>
+                </a:tc>
+              </a:tr>
+              <a:tr h="424310">
+                <a:tc>
+                  <a:txBody>
+                    <a:bodyPr/>
+                    <a:lstStyle/>
+                    <a:p>
+                      <a:pPr algn="ctr"/>
+                      <a:r>
+                        <a:rPr lang="en-US" sz="1800" dirty="0" smtClean="0"/>
+                        <a:t>d</a:t>
+                      </a:r>
+                      <a:endParaRPr lang="en-US" sz="1800" dirty="0"/>
+                    </a:p>
+                  </a:txBody>
+                  <a:tcPr anchor="ctr"/>
+                </a:tc>
+                <a:tc>
+                  <a:txBody>
+                    <a:bodyPr/>
+                    <a:lstStyle/>
+                    <a:p>
+                      <a:pPr algn="ctr"/>
+                      <a:r>
+                        <a:rPr lang="en-US" sz="1800" dirty="0" smtClean="0">
+                          <a:solidFill>
+                            <a:srgbClr val="FF0000"/>
+                          </a:solidFill>
+                        </a:rPr>
+                        <a:t>1</a:t>
+                      </a:r>
+                      <a:endParaRPr lang="en-US" sz="1800" dirty="0">
+                        <a:solidFill>
+                          <a:srgbClr val="FF0000"/>
+                        </a:solidFill>
+                      </a:endParaRPr>
+                    </a:p>
+                  </a:txBody>
+                  <a:tcPr anchor="ctr"/>
+                </a:tc>
+                <a:tc>
+                  <a:txBody>
+                    <a:bodyPr/>
+                    <a:lstStyle/>
+                    <a:p>
+                      <a:pPr algn="ctr"/>
+                      <a:r>
+                        <a:rPr lang="en-US" sz="1800" dirty="0" smtClean="0">
+                          <a:solidFill>
+                            <a:srgbClr val="23FF06"/>
+                          </a:solidFill>
+                        </a:rPr>
+                        <a:t>0</a:t>
+                      </a:r>
+                      <a:endParaRPr lang="en-US" sz="1800" dirty="0">
+                        <a:solidFill>
+                          <a:srgbClr val="23FF06"/>
+                        </a:solidFill>
+                      </a:endParaRPr>
+                    </a:p>
+                  </a:txBody>
+                  <a:tcPr anchor="ctr"/>
+                </a:tc>
+                <a:tc>
+                  <a:txBody>
+                    <a:bodyPr/>
+                    <a:lstStyle/>
+                    <a:p>
+                      <a:pPr algn="ctr"/>
+                      <a:r>
+                        <a:rPr lang="en-US" sz="1800" dirty="0" smtClean="0">
+                          <a:solidFill>
+                            <a:srgbClr val="0000FF"/>
+                          </a:solidFill>
+                        </a:rPr>
+                        <a:t>0</a:t>
+                      </a:r>
+                      <a:endParaRPr lang="en-US" sz="1800" dirty="0">
+                        <a:solidFill>
+                          <a:srgbClr val="0000FF"/>
+                        </a:solidFill>
+                      </a:endParaRPr>
+                    </a:p>
+                  </a:txBody>
+                  <a:tcPr anchor="ctr"/>
+                </a:tc>
+              </a:tr>
+              <a:tr h="424310">
+                <a:tc>
+                  <a:txBody>
+                    <a:bodyPr/>
+                    <a:lstStyle/>
+                    <a:p>
+                      <a:pPr algn="ctr"/>
+                      <a:r>
+                        <a:rPr lang="en-US" sz="1800" dirty="0" smtClean="0"/>
+                        <a:t>e</a:t>
+                      </a:r>
+                      <a:endParaRPr lang="en-US" sz="1800" dirty="0"/>
+                    </a:p>
+                  </a:txBody>
+                  <a:tcPr anchor="ctr"/>
+                </a:tc>
+                <a:tc>
+                  <a:txBody>
+                    <a:bodyPr/>
+                    <a:lstStyle/>
+                    <a:p>
+                      <a:pPr algn="ctr"/>
+                      <a:r>
+                        <a:rPr lang="en-US" sz="1800" dirty="0" smtClean="0">
+                          <a:solidFill>
+                            <a:srgbClr val="FF0000"/>
+                          </a:solidFill>
+                        </a:rPr>
+                        <a:t>1/2</a:t>
+                      </a:r>
+                      <a:endParaRPr lang="en-US" sz="1800" dirty="0">
+                        <a:solidFill>
+                          <a:srgbClr val="FF0000"/>
+                        </a:solidFill>
+                      </a:endParaRPr>
+                    </a:p>
+                  </a:txBody>
+                  <a:tcPr anchor="ctr"/>
+                </a:tc>
+                <a:tc>
+                  <a:txBody>
+                    <a:bodyPr/>
+                    <a:lstStyle/>
+                    <a:p>
+                      <a:pPr algn="ctr"/>
+                      <a:r>
+                        <a:rPr lang="en-US" sz="1800" dirty="0" smtClean="0">
+                          <a:solidFill>
+                            <a:srgbClr val="23FF06"/>
+                          </a:solidFill>
+                        </a:rPr>
+                        <a:t>1/2</a:t>
+                      </a:r>
+                      <a:endParaRPr lang="en-US" sz="1800" dirty="0">
+                        <a:solidFill>
+                          <a:srgbClr val="23FF06"/>
+                        </a:solidFill>
+                      </a:endParaRPr>
+                    </a:p>
+                  </a:txBody>
+                  <a:tcPr anchor="ctr"/>
+                </a:tc>
+                <a:tc>
+                  <a:txBody>
+                    <a:bodyPr/>
+                    <a:lstStyle/>
+                    <a:p>
+                      <a:pPr algn="ctr"/>
+                      <a:r>
+                        <a:rPr lang="en-US" sz="1800" dirty="0" smtClean="0">
+                          <a:solidFill>
+                            <a:srgbClr val="0000FF"/>
+                          </a:solidFill>
+                        </a:rPr>
+                        <a:t>0</a:t>
+                      </a:r>
+                      <a:endParaRPr lang="en-US" sz="1800" dirty="0">
+                        <a:solidFill>
+                          <a:srgbClr val="0000FF"/>
+                        </a:solidFill>
+                      </a:endParaRPr>
+                    </a:p>
+                  </a:txBody>
+                  <a:tcPr anchor="ctr"/>
                 </a:tc>
               </a:tr>
             </a:tbl>
           </a:graphicData>
         </a:graphic>
       </p:graphicFrame>
+      <p:graphicFrame>
+        <p:nvGraphicFramePr>
+          <p:cNvPr id="9" name="Table 8"/>
+          <p:cNvGraphicFramePr>
+            <a:graphicFrameLocks noGrp="1"/>
+          </p:cNvGraphicFramePr>
+          <p:nvPr>
+            <p:extLst>
+              <p:ext uri="{D42A27DB-BD31-4B8C-83A1-F6EECF244321}">
+                <p14:modId xmlns:p14="http://schemas.microsoft.com/office/powerpoint/2010/main" val="1073835736"/>
+              </p:ext>
+            </p:extLst>
+          </p:nvPr>
+        </p:nvGraphicFramePr>
+        <p:xfrm>
+          <a:off x="1082278" y="2715720"/>
+          <a:ext cx="2278608" cy="848620"/>
+        </p:xfrm>
+        <a:graphic>
+          <a:graphicData uri="http://schemas.openxmlformats.org/drawingml/2006/table">
+            <a:tbl>
+              <a:tblPr firstRow="1" bandRow="1">
+                <a:tableStyleId>{E929F9F4-4A8F-4326-A1B4-22849713DDAB}</a:tableStyleId>
+              </a:tblPr>
+              <a:tblGrid>
+                <a:gridCol w="759536"/>
+                <a:gridCol w="759536"/>
+                <a:gridCol w="759536"/>
+              </a:tblGrid>
+              <a:tr h="424310">
+                <a:tc>
+                  <a:txBody>
+                    <a:bodyPr/>
+                    <a:lstStyle/>
+                    <a:p>
+                      <a:pPr algn="ctr"/>
+                      <a:r>
+                        <a:rPr lang="en-US" sz="1800" dirty="0" smtClean="0">
+                          <a:solidFill>
+                            <a:srgbClr val="FF0000"/>
+                          </a:solidFill>
+                        </a:rPr>
+                        <a:t>red</a:t>
+                      </a:r>
+                      <a:endParaRPr lang="en-US" sz="1800" dirty="0">
+                        <a:solidFill>
+                          <a:srgbClr val="FF0000"/>
+                        </a:solidFill>
+                      </a:endParaRPr>
+                    </a:p>
+                  </a:txBody>
+                  <a:tcPr anchor="ctr"/>
+                </a:tc>
+                <a:tc>
+                  <a:txBody>
+                    <a:bodyPr/>
+                    <a:lstStyle/>
+                    <a:p>
+                      <a:pPr algn="ctr"/>
+                      <a:r>
+                        <a:rPr lang="en-US" sz="1800" dirty="0" smtClean="0">
+                          <a:solidFill>
+                            <a:srgbClr val="23FF06"/>
+                          </a:solidFill>
+                        </a:rPr>
+                        <a:t>green</a:t>
+                      </a:r>
+                      <a:endParaRPr lang="en-US" sz="1800" dirty="0">
+                        <a:solidFill>
+                          <a:srgbClr val="23FF06"/>
+                        </a:solidFill>
+                      </a:endParaRPr>
+                    </a:p>
+                  </a:txBody>
+                  <a:tcPr anchor="ctr"/>
+                </a:tc>
+                <a:tc>
+                  <a:txBody>
+                    <a:bodyPr/>
+                    <a:lstStyle/>
+                    <a:p>
+                      <a:pPr algn="ctr"/>
+                      <a:r>
+                        <a:rPr lang="en-US" sz="1800" dirty="0" smtClean="0">
+                          <a:solidFill>
+                            <a:srgbClr val="0000FF"/>
+                          </a:solidFill>
+                        </a:rPr>
+                        <a:t>blue</a:t>
+                      </a:r>
+                      <a:endParaRPr lang="en-US" sz="1800" dirty="0">
+                        <a:solidFill>
+                          <a:srgbClr val="0000FF"/>
+                        </a:solidFill>
+                      </a:endParaRPr>
+                    </a:p>
+                  </a:txBody>
+                  <a:tcPr anchor="ctr"/>
+                </a:tc>
+              </a:tr>
+              <a:tr h="424310">
+                <a:tc>
+                  <a:txBody>
+                    <a:bodyPr/>
+                    <a:lstStyle/>
+                    <a:p>
+                      <a:pPr algn="ctr"/>
+                      <a:r>
+                        <a:rPr lang="en-US" sz="1800" dirty="0" smtClean="0">
+                          <a:solidFill>
+                            <a:srgbClr val="FF0000"/>
+                          </a:solidFill>
+                        </a:rPr>
+                        <a:t>0.467</a:t>
+                      </a:r>
+                      <a:endParaRPr lang="en-US" sz="1800" dirty="0">
+                        <a:solidFill>
+                          <a:srgbClr val="FF0000"/>
+                        </a:solidFill>
+                      </a:endParaRPr>
+                    </a:p>
+                  </a:txBody>
+                  <a:tcPr anchor="ctr"/>
+                </a:tc>
+                <a:tc>
+                  <a:txBody>
+                    <a:bodyPr/>
+                    <a:lstStyle/>
+                    <a:p>
+                      <a:pPr algn="ctr"/>
+                      <a:r>
+                        <a:rPr lang="en-US" sz="1800" dirty="0" smtClean="0">
+                          <a:solidFill>
+                            <a:srgbClr val="23FF06"/>
+                          </a:solidFill>
+                        </a:rPr>
+                        <a:t>0.267</a:t>
+                      </a:r>
+                      <a:endParaRPr lang="en-US" sz="1800" dirty="0">
+                        <a:solidFill>
+                          <a:srgbClr val="23FF06"/>
+                        </a:solidFill>
+                      </a:endParaRPr>
+                    </a:p>
+                  </a:txBody>
+                  <a:tcPr anchor="ctr"/>
+                </a:tc>
+                <a:tc>
+                  <a:txBody>
+                    <a:bodyPr/>
+                    <a:lstStyle/>
+                    <a:p>
+                      <a:pPr algn="ctr"/>
+                      <a:r>
+                        <a:rPr lang="en-US" sz="1800" dirty="0" smtClean="0">
+                          <a:solidFill>
+                            <a:srgbClr val="0000FF"/>
+                          </a:solidFill>
+                        </a:rPr>
+                        <a:t>0.267</a:t>
+                      </a:r>
+                      <a:endParaRPr lang="en-US" sz="1800" dirty="0">
+                        <a:solidFill>
+                          <a:srgbClr val="0000FF"/>
+                        </a:solidFill>
+                      </a:endParaRPr>
+                    </a:p>
+                  </a:txBody>
+                  <a:tcPr anchor="ctr"/>
+                </a:tc>
+              </a:tr>
+            </a:tbl>
+          </a:graphicData>
+        </a:graphic>
+      </p:graphicFrame>
+      <p:sp>
+        <p:nvSpPr>
+          <p:cNvPr id="10" name="TextBox 9"/>
+          <p:cNvSpPr txBox="1"/>
+          <p:nvPr/>
+        </p:nvSpPr>
+        <p:spPr>
+          <a:xfrm>
+            <a:off x="0" y="2346388"/>
+            <a:ext cx="2980353" cy="369332"/>
+          </a:xfrm>
+          <a:prstGeom prst="rect">
+            <a:avLst/>
+          </a:prstGeom>
+          <a:noFill/>
+        </p:spPr>
+        <p:txBody>
+          <a:bodyPr wrap="none" rtlCol="0">
+            <a:spAutoFit/>
+          </a:bodyPr>
+          <a:lstStyle/>
+          <a:p>
+            <a:r>
+              <a:rPr lang="en-US" dirty="0" smtClean="0"/>
+              <a:t>Transcript relative abundance</a:t>
+            </a:r>
+            <a:endParaRPr lang="en-US" dirty="0"/>
+          </a:p>
+        </p:txBody>
+      </p:sp>
+      <p:sp>
+        <p:nvSpPr>
+          <p:cNvPr id="11" name="TextBox 10"/>
+          <p:cNvSpPr txBox="1"/>
+          <p:nvPr/>
+        </p:nvSpPr>
+        <p:spPr>
+          <a:xfrm>
+            <a:off x="0" y="3561644"/>
+            <a:ext cx="4045812" cy="369332"/>
+          </a:xfrm>
+          <a:prstGeom prst="rect">
+            <a:avLst/>
+          </a:prstGeom>
+          <a:noFill/>
+        </p:spPr>
+        <p:txBody>
+          <a:bodyPr wrap="none" rtlCol="0">
+            <a:spAutoFit/>
+          </a:bodyPr>
+          <a:lstStyle/>
+          <a:p>
+            <a:r>
+              <a:rPr lang="en-US" dirty="0" smtClean="0"/>
+              <a:t>Probability of read assigning to transcript</a:t>
+            </a:r>
+            <a:endParaRPr lang="en-US" dirty="0"/>
+          </a:p>
+        </p:txBody>
+      </p:sp>
+      <p:sp>
+        <p:nvSpPr>
+          <p:cNvPr id="12" name="Rectangle 11"/>
+          <p:cNvSpPr/>
+          <p:nvPr/>
+        </p:nvSpPr>
+        <p:spPr>
+          <a:xfrm>
+            <a:off x="0" y="2332730"/>
+            <a:ext cx="3486393" cy="1340643"/>
+          </a:xfrm>
+          <a:prstGeom prst="rect">
+            <a:avLst/>
+          </a:prstGeom>
+          <a:noFill/>
+          <a:ln w="28575" cmpd="sng">
+            <a:solidFill>
+              <a:srgbClr val="FF6600"/>
+            </a:solidFill>
+          </a:ln>
+          <a:effectLst/>
+        </p:spPr>
+        <p:style>
+          <a:lnRef idx="1">
+            <a:schemeClr val="accent1"/>
+          </a:lnRef>
+          <a:fillRef idx="3">
+            <a:schemeClr val="accent1"/>
+          </a:fillRef>
+          <a:effectRef idx="2">
+            <a:schemeClr val="accent1"/>
+          </a:effectRef>
+          <a:fontRef idx="minor">
+            <a:schemeClr val="lt1"/>
+          </a:fontRef>
+        </p:style>
+        <p:txBody>
+          <a:bodyPr rtlCol="0" anchor="ctr"/>
+          <a:lstStyle/>
+          <a:p>
+            <a:pPr algn="ctr"/>
+            <a:endParaRPr lang="en-US"/>
+          </a:p>
+        </p:txBody>
+      </p:sp>
+      <p:sp>
+        <p:nvSpPr>
+          <p:cNvPr id="13" name="Title 1"/>
+          <p:cNvSpPr txBox="1">
+            <a:spLocks/>
+          </p:cNvSpPr>
+          <p:nvPr/>
+        </p:nvSpPr>
+        <p:spPr>
+          <a:xfrm>
+            <a:off x="102462" y="0"/>
+            <a:ext cx="7886700" cy="1325563"/>
+          </a:xfrm>
+          <a:prstGeom prst="rect">
+            <a:avLst/>
+          </a:prstGeom>
+        </p:spPr>
+        <p:txBody>
+          <a:bodyPr vert="horz" lIns="91440" tIns="45720" rIns="91440" bIns="45720" rtlCol="0" anchor="ctr">
+            <a:normAutofit/>
+          </a:bodyPr>
+          <a:lstStyle>
+            <a:lvl1pPr algn="l" defTabSz="685800" rtl="0" eaLnBrk="1" latinLnBrk="0" hangingPunct="1">
+              <a:lnSpc>
+                <a:spcPct val="90000"/>
+              </a:lnSpc>
+              <a:spcBef>
+                <a:spcPct val="0"/>
+              </a:spcBef>
+              <a:buNone/>
+              <a:defRPr sz="3300" kern="1200">
+                <a:solidFill>
+                  <a:schemeClr val="tx1"/>
+                </a:solidFill>
+                <a:latin typeface="+mj-lt"/>
+                <a:ea typeface="+mj-ea"/>
+                <a:cs typeface="+mj-cs"/>
+              </a:defRPr>
+            </a:lvl1pPr>
+          </a:lstStyle>
+          <a:p>
+            <a:r>
+              <a:rPr lang="en-US" dirty="0" smtClean="0"/>
+              <a:t>Update transcript abundance</a:t>
+            </a:r>
+            <a:endParaRPr lang="en-US" dirty="0"/>
+          </a:p>
+        </p:txBody>
+      </p:sp>
+      <p:sp>
+        <p:nvSpPr>
+          <p:cNvPr id="14" name="Rectangle 13"/>
+          <p:cNvSpPr/>
+          <p:nvPr/>
+        </p:nvSpPr>
+        <p:spPr>
+          <a:xfrm>
+            <a:off x="4020910" y="2440614"/>
+            <a:ext cx="1233583" cy="1249396"/>
+          </a:xfrm>
+          <a:prstGeom prst="rect">
+            <a:avLst/>
+          </a:prstGeom>
+          <a:noFill/>
+          <a:ln w="28575" cmpd="sng">
+            <a:solidFill>
+              <a:srgbClr val="FF6600"/>
+            </a:solidFill>
+          </a:ln>
+          <a:effectLst/>
+        </p:spPr>
+        <p:style>
+          <a:lnRef idx="1">
+            <a:schemeClr val="accent1"/>
+          </a:lnRef>
+          <a:fillRef idx="3">
+            <a:schemeClr val="accent1"/>
+          </a:fillRef>
+          <a:effectRef idx="2">
+            <a:schemeClr val="accent1"/>
+          </a:effectRef>
+          <a:fontRef idx="minor">
+            <a:schemeClr val="lt1"/>
+          </a:fontRef>
+        </p:style>
+        <p:txBody>
+          <a:bodyPr rtlCol="0" anchor="ctr"/>
+          <a:lstStyle/>
+          <a:p>
+            <a:pPr algn="ctr"/>
+            <a:endParaRPr lang="en-US"/>
+          </a:p>
+        </p:txBody>
+      </p:sp>
     </p:spTree>
     <p:extLst>
       <p:ext uri="{BB962C8B-B14F-4D97-AF65-F5344CB8AC3E}">
-        <p14:creationId xmlns:p14="http://schemas.microsoft.com/office/powerpoint/2010/main" val="2740835933"/>
+        <p14:creationId xmlns:p14="http://schemas.microsoft.com/office/powerpoint/2010/main" val="3446328257"/>
       </p:ext>
     </p:extLst>
   </p:cSld>
@@ -4291,9 +8576,848 @@
           <a:chExt cx="0" cy="0"/>
         </a:xfrm>
       </p:grpSpPr>
-      <p:sp>
-        <p:nvSpPr>
-          <p:cNvPr id="2" name="Title 1"/>
+      <p:pic>
+        <p:nvPicPr>
+          <p:cNvPr id="4" name="Picture 3"/>
+          <p:cNvPicPr>
+            <a:picLocks noChangeAspect="1"/>
+          </p:cNvPicPr>
+          <p:nvPr/>
+        </p:nvPicPr>
+        <p:blipFill>
+          <a:blip r:embed="rId2"/>
+          <a:stretch>
+            <a:fillRect/>
+          </a:stretch>
+        </p:blipFill>
+        <p:spPr>
+          <a:xfrm>
+            <a:off x="3859936" y="805304"/>
+            <a:ext cx="5284064" cy="5683364"/>
+          </a:xfrm>
+          <a:prstGeom prst="rect">
+            <a:avLst/>
+          </a:prstGeom>
+        </p:spPr>
+      </p:pic>
+      <p:sp>
+        <p:nvSpPr>
+          <p:cNvPr id="5" name="TextBox 4"/>
+          <p:cNvSpPr txBox="1"/>
+          <p:nvPr/>
+        </p:nvSpPr>
+        <p:spPr>
+          <a:xfrm>
+            <a:off x="7325290" y="6488668"/>
+            <a:ext cx="1818710" cy="369332"/>
+          </a:xfrm>
+          <a:prstGeom prst="rect">
+            <a:avLst/>
+          </a:prstGeom>
+          <a:noFill/>
+        </p:spPr>
+        <p:txBody>
+          <a:bodyPr wrap="square" rtlCol="0">
+            <a:spAutoFit/>
+          </a:bodyPr>
+          <a:lstStyle/>
+          <a:p>
+            <a:r>
+              <a:rPr lang="en-US" dirty="0" err="1" smtClean="0"/>
+              <a:t>Pachter</a:t>
+            </a:r>
+            <a:r>
+              <a:rPr lang="en-US" dirty="0" smtClean="0"/>
+              <a:t> 2011</a:t>
+            </a:r>
+            <a:endParaRPr lang="en-US" dirty="0"/>
+          </a:p>
+        </p:txBody>
+      </p:sp>
+      <p:graphicFrame>
+        <p:nvGraphicFramePr>
+          <p:cNvPr id="7" name="Table 6"/>
+          <p:cNvGraphicFramePr>
+            <a:graphicFrameLocks noGrp="1"/>
+          </p:cNvGraphicFramePr>
+          <p:nvPr>
+            <p:extLst>
+              <p:ext uri="{D42A27DB-BD31-4B8C-83A1-F6EECF244321}">
+                <p14:modId xmlns:p14="http://schemas.microsoft.com/office/powerpoint/2010/main" val="3744843095"/>
+              </p:ext>
+            </p:extLst>
+          </p:nvPr>
+        </p:nvGraphicFramePr>
+        <p:xfrm>
+          <a:off x="728262" y="3942808"/>
+          <a:ext cx="2646068" cy="2545860"/>
+        </p:xfrm>
+        <a:graphic>
+          <a:graphicData uri="http://schemas.openxmlformats.org/drawingml/2006/table">
+            <a:tbl>
+              <a:tblPr firstRow="1" bandRow="1">
+                <a:tableStyleId>{D03447BB-5D67-496B-8E87-E561075AD55C}</a:tableStyleId>
+              </a:tblPr>
+              <a:tblGrid>
+                <a:gridCol w="342560"/>
+                <a:gridCol w="767836"/>
+                <a:gridCol w="767836"/>
+                <a:gridCol w="767836"/>
+              </a:tblGrid>
+              <a:tr h="424310">
+                <a:tc>
+                  <a:txBody>
+                    <a:bodyPr/>
+                    <a:lstStyle/>
+                    <a:p>
+                      <a:pPr algn="ctr"/>
+                      <a:endParaRPr lang="en-US" sz="1800" dirty="0"/>
+                    </a:p>
+                  </a:txBody>
+                  <a:tcPr anchor="ctr"/>
+                </a:tc>
+                <a:tc>
+                  <a:txBody>
+                    <a:bodyPr/>
+                    <a:lstStyle/>
+                    <a:p>
+                      <a:pPr algn="ctr"/>
+                      <a:r>
+                        <a:rPr lang="en-US" sz="1800" dirty="0" smtClean="0">
+                          <a:solidFill>
+                            <a:srgbClr val="FF0000"/>
+                          </a:solidFill>
+                        </a:rPr>
+                        <a:t>red</a:t>
+                      </a:r>
+                      <a:endParaRPr lang="en-US" sz="1800" dirty="0">
+                        <a:solidFill>
+                          <a:srgbClr val="FF0000"/>
+                        </a:solidFill>
+                      </a:endParaRPr>
+                    </a:p>
+                  </a:txBody>
+                  <a:tcPr anchor="ctr"/>
+                </a:tc>
+                <a:tc>
+                  <a:txBody>
+                    <a:bodyPr/>
+                    <a:lstStyle/>
+                    <a:p>
+                      <a:pPr algn="ctr"/>
+                      <a:r>
+                        <a:rPr lang="en-US" sz="1800" dirty="0" smtClean="0">
+                          <a:solidFill>
+                            <a:srgbClr val="23FF06"/>
+                          </a:solidFill>
+                        </a:rPr>
+                        <a:t>green</a:t>
+                      </a:r>
+                      <a:endParaRPr lang="en-US" sz="1800" dirty="0">
+                        <a:solidFill>
+                          <a:srgbClr val="23FF06"/>
+                        </a:solidFill>
+                      </a:endParaRPr>
+                    </a:p>
+                  </a:txBody>
+                  <a:tcPr anchor="ctr"/>
+                </a:tc>
+                <a:tc>
+                  <a:txBody>
+                    <a:bodyPr/>
+                    <a:lstStyle/>
+                    <a:p>
+                      <a:pPr algn="ctr"/>
+                      <a:r>
+                        <a:rPr lang="en-US" sz="1800" dirty="0" smtClean="0">
+                          <a:solidFill>
+                            <a:srgbClr val="0000FF"/>
+                          </a:solidFill>
+                        </a:rPr>
+                        <a:t>blue</a:t>
+                      </a:r>
+                      <a:endParaRPr lang="en-US" sz="1800" dirty="0">
+                        <a:solidFill>
+                          <a:srgbClr val="0000FF"/>
+                        </a:solidFill>
+                      </a:endParaRPr>
+                    </a:p>
+                  </a:txBody>
+                  <a:tcPr anchor="ctr"/>
+                </a:tc>
+              </a:tr>
+              <a:tr h="424310">
+                <a:tc>
+                  <a:txBody>
+                    <a:bodyPr/>
+                    <a:lstStyle/>
+                    <a:p>
+                      <a:pPr algn="ctr"/>
+                      <a:r>
+                        <a:rPr lang="en-US" sz="1800" dirty="0" smtClean="0"/>
+                        <a:t>a</a:t>
+                      </a:r>
+                      <a:endParaRPr lang="en-US" sz="1800" dirty="0"/>
+                    </a:p>
+                  </a:txBody>
+                  <a:tcPr anchor="ctr"/>
+                </a:tc>
+                <a:tc>
+                  <a:txBody>
+                    <a:bodyPr/>
+                    <a:lstStyle/>
+                    <a:p>
+                      <a:pPr algn="ctr"/>
+                      <a:r>
+                        <a:rPr lang="en-US" sz="1800" dirty="0" smtClean="0">
+                          <a:solidFill>
+                            <a:srgbClr val="FF0000"/>
+                          </a:solidFill>
+                        </a:rPr>
+                        <a:t>0.467</a:t>
+                      </a:r>
+                      <a:endParaRPr lang="en-US" sz="1800" dirty="0">
+                        <a:solidFill>
+                          <a:srgbClr val="FF0000"/>
+                        </a:solidFill>
+                      </a:endParaRPr>
+                    </a:p>
+                  </a:txBody>
+                  <a:tcPr anchor="ctr"/>
+                </a:tc>
+                <a:tc>
+                  <a:txBody>
+                    <a:bodyPr/>
+                    <a:lstStyle/>
+                    <a:p>
+                      <a:pPr algn="ctr"/>
+                      <a:r>
+                        <a:rPr lang="en-US" sz="1800" dirty="0" smtClean="0">
+                          <a:solidFill>
+                            <a:srgbClr val="23FF06"/>
+                          </a:solidFill>
+                        </a:rPr>
+                        <a:t>0.267</a:t>
+                      </a:r>
+                      <a:endParaRPr lang="en-US" sz="1800" dirty="0">
+                        <a:solidFill>
+                          <a:srgbClr val="23FF06"/>
+                        </a:solidFill>
+                      </a:endParaRPr>
+                    </a:p>
+                  </a:txBody>
+                  <a:tcPr anchor="ctr"/>
+                </a:tc>
+                <a:tc>
+                  <a:txBody>
+                    <a:bodyPr/>
+                    <a:lstStyle/>
+                    <a:p>
+                      <a:pPr algn="ctr"/>
+                      <a:r>
+                        <a:rPr lang="en-US" sz="1800" dirty="0" smtClean="0">
+                          <a:solidFill>
+                            <a:srgbClr val="0000FF"/>
+                          </a:solidFill>
+                        </a:rPr>
+                        <a:t>0.267</a:t>
+                      </a:r>
+                      <a:endParaRPr lang="en-US" sz="1800" dirty="0">
+                        <a:solidFill>
+                          <a:srgbClr val="0000FF"/>
+                        </a:solidFill>
+                      </a:endParaRPr>
+                    </a:p>
+                  </a:txBody>
+                  <a:tcPr anchor="ctr"/>
+                </a:tc>
+              </a:tr>
+              <a:tr h="424310">
+                <a:tc>
+                  <a:txBody>
+                    <a:bodyPr/>
+                    <a:lstStyle/>
+                    <a:p>
+                      <a:pPr algn="ctr"/>
+                      <a:r>
+                        <a:rPr lang="en-US" sz="1800" dirty="0" smtClean="0"/>
+                        <a:t>b</a:t>
+                      </a:r>
+                      <a:endParaRPr lang="en-US" sz="1800" dirty="0"/>
+                    </a:p>
+                  </a:txBody>
+                  <a:tcPr anchor="ctr"/>
+                </a:tc>
+                <a:tc>
+                  <a:txBody>
+                    <a:bodyPr/>
+                    <a:lstStyle/>
+                    <a:p>
+                      <a:pPr algn="ctr"/>
+                      <a:r>
+                        <a:rPr lang="en-US" sz="1800" dirty="0" smtClean="0">
+                          <a:solidFill>
+                            <a:srgbClr val="FF0000"/>
+                          </a:solidFill>
+                        </a:rPr>
+                        <a:t>0</a:t>
+                      </a:r>
+                      <a:endParaRPr lang="en-US" sz="1800" dirty="0">
+                        <a:solidFill>
+                          <a:srgbClr val="FF0000"/>
+                        </a:solidFill>
+                      </a:endParaRPr>
+                    </a:p>
+                  </a:txBody>
+                  <a:tcPr anchor="ctr"/>
+                </a:tc>
+                <a:tc>
+                  <a:txBody>
+                    <a:bodyPr/>
+                    <a:lstStyle/>
+                    <a:p>
+                      <a:pPr algn="ctr"/>
+                      <a:r>
+                        <a:rPr lang="en-US" sz="1800" dirty="0" smtClean="0">
+                          <a:solidFill>
+                            <a:srgbClr val="23FF06"/>
+                          </a:solidFill>
+                        </a:rPr>
+                        <a:t>1/2</a:t>
+                      </a:r>
+                      <a:endParaRPr lang="en-US" sz="1800" dirty="0">
+                        <a:solidFill>
+                          <a:srgbClr val="23FF06"/>
+                        </a:solidFill>
+                      </a:endParaRPr>
+                    </a:p>
+                  </a:txBody>
+                  <a:tcPr anchor="ctr"/>
+                </a:tc>
+                <a:tc>
+                  <a:txBody>
+                    <a:bodyPr/>
+                    <a:lstStyle/>
+                    <a:p>
+                      <a:pPr algn="ctr"/>
+                      <a:r>
+                        <a:rPr lang="en-US" sz="1800" dirty="0" smtClean="0">
+                          <a:solidFill>
+                            <a:srgbClr val="0000FF"/>
+                          </a:solidFill>
+                        </a:rPr>
+                        <a:t>1/2</a:t>
+                      </a:r>
+                      <a:endParaRPr lang="en-US" sz="1800" dirty="0">
+                        <a:solidFill>
+                          <a:srgbClr val="0000FF"/>
+                        </a:solidFill>
+                      </a:endParaRPr>
+                    </a:p>
+                  </a:txBody>
+                  <a:tcPr anchor="ctr"/>
+                </a:tc>
+              </a:tr>
+              <a:tr h="424310">
+                <a:tc>
+                  <a:txBody>
+                    <a:bodyPr/>
+                    <a:lstStyle/>
+                    <a:p>
+                      <a:pPr algn="ctr"/>
+                      <a:r>
+                        <a:rPr lang="en-US" sz="1800" dirty="0" smtClean="0"/>
+                        <a:t>c</a:t>
+                      </a:r>
+                      <a:endParaRPr lang="en-US" sz="1800" dirty="0"/>
+                    </a:p>
+                  </a:txBody>
+                  <a:tcPr anchor="ctr"/>
+                </a:tc>
+                <a:tc>
+                  <a:txBody>
+                    <a:bodyPr/>
+                    <a:lstStyle/>
+                    <a:p>
+                      <a:pPr algn="ctr"/>
+                      <a:r>
+                        <a:rPr lang="en-US" sz="1800" dirty="0" smtClean="0">
+                          <a:solidFill>
+                            <a:srgbClr val="FF0000"/>
+                          </a:solidFill>
+                        </a:rPr>
+                        <a:t>0.636</a:t>
+                      </a:r>
+                      <a:endParaRPr lang="en-US" sz="1800" dirty="0">
+                        <a:solidFill>
+                          <a:srgbClr val="FF0000"/>
+                        </a:solidFill>
+                      </a:endParaRPr>
+                    </a:p>
+                  </a:txBody>
+                  <a:tcPr anchor="ctr"/>
+                </a:tc>
+                <a:tc>
+                  <a:txBody>
+                    <a:bodyPr/>
+                    <a:lstStyle/>
+                    <a:p>
+                      <a:pPr algn="ctr"/>
+                      <a:r>
+                        <a:rPr lang="en-US" sz="1800" dirty="0" smtClean="0">
+                          <a:solidFill>
+                            <a:srgbClr val="23FF06"/>
+                          </a:solidFill>
+                        </a:rPr>
+                        <a:t>0</a:t>
+                      </a:r>
+                      <a:endParaRPr lang="en-US" sz="1800" dirty="0">
+                        <a:solidFill>
+                          <a:srgbClr val="23FF06"/>
+                        </a:solidFill>
+                      </a:endParaRPr>
+                    </a:p>
+                  </a:txBody>
+                  <a:tcPr anchor="ctr"/>
+                </a:tc>
+                <a:tc>
+                  <a:txBody>
+                    <a:bodyPr/>
+                    <a:lstStyle/>
+                    <a:p>
+                      <a:pPr algn="ctr"/>
+                      <a:r>
+                        <a:rPr lang="en-US" sz="1800" dirty="0" smtClean="0">
+                          <a:solidFill>
+                            <a:srgbClr val="0000FF"/>
+                          </a:solidFill>
+                        </a:rPr>
+                        <a:t>0.364</a:t>
+                      </a:r>
+                      <a:endParaRPr lang="en-US" sz="1800" dirty="0">
+                        <a:solidFill>
+                          <a:srgbClr val="0000FF"/>
+                        </a:solidFill>
+                      </a:endParaRPr>
+                    </a:p>
+                  </a:txBody>
+                  <a:tcPr anchor="ctr"/>
+                </a:tc>
+              </a:tr>
+              <a:tr h="424310">
+                <a:tc>
+                  <a:txBody>
+                    <a:bodyPr/>
+                    <a:lstStyle/>
+                    <a:p>
+                      <a:pPr algn="ctr"/>
+                      <a:r>
+                        <a:rPr lang="en-US" sz="1800" dirty="0" smtClean="0"/>
+                        <a:t>d</a:t>
+                      </a:r>
+                      <a:endParaRPr lang="en-US" sz="1800" dirty="0"/>
+                    </a:p>
+                  </a:txBody>
+                  <a:tcPr anchor="ctr"/>
+                </a:tc>
+                <a:tc>
+                  <a:txBody>
+                    <a:bodyPr/>
+                    <a:lstStyle/>
+                    <a:p>
+                      <a:pPr algn="ctr"/>
+                      <a:r>
+                        <a:rPr lang="en-US" sz="1800" dirty="0" smtClean="0">
+                          <a:solidFill>
+                            <a:srgbClr val="FF0000"/>
+                          </a:solidFill>
+                        </a:rPr>
+                        <a:t>1</a:t>
+                      </a:r>
+                      <a:endParaRPr lang="en-US" sz="1800" dirty="0">
+                        <a:solidFill>
+                          <a:srgbClr val="FF0000"/>
+                        </a:solidFill>
+                      </a:endParaRPr>
+                    </a:p>
+                  </a:txBody>
+                  <a:tcPr anchor="ctr"/>
+                </a:tc>
+                <a:tc>
+                  <a:txBody>
+                    <a:bodyPr/>
+                    <a:lstStyle/>
+                    <a:p>
+                      <a:pPr algn="ctr"/>
+                      <a:r>
+                        <a:rPr lang="en-US" sz="1800" dirty="0" smtClean="0">
+                          <a:solidFill>
+                            <a:srgbClr val="23FF06"/>
+                          </a:solidFill>
+                        </a:rPr>
+                        <a:t>0</a:t>
+                      </a:r>
+                      <a:endParaRPr lang="en-US" sz="1800" dirty="0">
+                        <a:solidFill>
+                          <a:srgbClr val="23FF06"/>
+                        </a:solidFill>
+                      </a:endParaRPr>
+                    </a:p>
+                  </a:txBody>
+                  <a:tcPr anchor="ctr"/>
+                </a:tc>
+                <a:tc>
+                  <a:txBody>
+                    <a:bodyPr/>
+                    <a:lstStyle/>
+                    <a:p>
+                      <a:pPr algn="ctr"/>
+                      <a:r>
+                        <a:rPr lang="en-US" sz="1800" dirty="0" smtClean="0">
+                          <a:solidFill>
+                            <a:srgbClr val="0000FF"/>
+                          </a:solidFill>
+                        </a:rPr>
+                        <a:t>0</a:t>
+                      </a:r>
+                      <a:endParaRPr lang="en-US" sz="1800" dirty="0">
+                        <a:solidFill>
+                          <a:srgbClr val="0000FF"/>
+                        </a:solidFill>
+                      </a:endParaRPr>
+                    </a:p>
+                  </a:txBody>
+                  <a:tcPr anchor="ctr"/>
+                </a:tc>
+              </a:tr>
+              <a:tr h="424310">
+                <a:tc>
+                  <a:txBody>
+                    <a:bodyPr/>
+                    <a:lstStyle/>
+                    <a:p>
+                      <a:pPr algn="ctr"/>
+                      <a:r>
+                        <a:rPr lang="en-US" sz="1800" dirty="0" smtClean="0"/>
+                        <a:t>e</a:t>
+                      </a:r>
+                      <a:endParaRPr lang="en-US" sz="1800" dirty="0"/>
+                    </a:p>
+                  </a:txBody>
+                  <a:tcPr anchor="ctr"/>
+                </a:tc>
+                <a:tc>
+                  <a:txBody>
+                    <a:bodyPr/>
+                    <a:lstStyle/>
+                    <a:p>
+                      <a:pPr algn="ctr"/>
+                      <a:r>
+                        <a:rPr lang="en-US" sz="1800" dirty="0" smtClean="0">
+                          <a:solidFill>
+                            <a:srgbClr val="FF0000"/>
+                          </a:solidFill>
+                        </a:rPr>
+                        <a:t>0.636</a:t>
+                      </a:r>
+                      <a:endParaRPr lang="en-US" sz="1800" dirty="0">
+                        <a:solidFill>
+                          <a:srgbClr val="FF0000"/>
+                        </a:solidFill>
+                      </a:endParaRPr>
+                    </a:p>
+                  </a:txBody>
+                  <a:tcPr anchor="ctr"/>
+                </a:tc>
+                <a:tc>
+                  <a:txBody>
+                    <a:bodyPr/>
+                    <a:lstStyle/>
+                    <a:p>
+                      <a:pPr algn="ctr"/>
+                      <a:r>
+                        <a:rPr lang="en-US" sz="1800" dirty="0" smtClean="0">
+                          <a:solidFill>
+                            <a:srgbClr val="23FF06"/>
+                          </a:solidFill>
+                        </a:rPr>
+                        <a:t>0.364</a:t>
+                      </a:r>
+                      <a:endParaRPr lang="en-US" sz="1800" dirty="0">
+                        <a:solidFill>
+                          <a:srgbClr val="23FF06"/>
+                        </a:solidFill>
+                      </a:endParaRPr>
+                    </a:p>
+                  </a:txBody>
+                  <a:tcPr anchor="ctr"/>
+                </a:tc>
+                <a:tc>
+                  <a:txBody>
+                    <a:bodyPr/>
+                    <a:lstStyle/>
+                    <a:p>
+                      <a:pPr algn="ctr"/>
+                      <a:r>
+                        <a:rPr lang="en-US" sz="1800" dirty="0" smtClean="0">
+                          <a:solidFill>
+                            <a:srgbClr val="0000FF"/>
+                          </a:solidFill>
+                        </a:rPr>
+                        <a:t>0</a:t>
+                      </a:r>
+                      <a:endParaRPr lang="en-US" sz="1800" dirty="0">
+                        <a:solidFill>
+                          <a:srgbClr val="0000FF"/>
+                        </a:solidFill>
+                      </a:endParaRPr>
+                    </a:p>
+                  </a:txBody>
+                  <a:tcPr anchor="ctr"/>
+                </a:tc>
+              </a:tr>
+            </a:tbl>
+          </a:graphicData>
+        </a:graphic>
+      </p:graphicFrame>
+      <p:graphicFrame>
+        <p:nvGraphicFramePr>
+          <p:cNvPr id="9" name="Table 8"/>
+          <p:cNvGraphicFramePr>
+            <a:graphicFrameLocks noGrp="1"/>
+          </p:cNvGraphicFramePr>
+          <p:nvPr>
+            <p:extLst>
+              <p:ext uri="{D42A27DB-BD31-4B8C-83A1-F6EECF244321}">
+                <p14:modId xmlns:p14="http://schemas.microsoft.com/office/powerpoint/2010/main" val="3276923398"/>
+              </p:ext>
+            </p:extLst>
+          </p:nvPr>
+        </p:nvGraphicFramePr>
+        <p:xfrm>
+          <a:off x="1082278" y="2715720"/>
+          <a:ext cx="2278608" cy="848620"/>
+        </p:xfrm>
+        <a:graphic>
+          <a:graphicData uri="http://schemas.openxmlformats.org/drawingml/2006/table">
+            <a:tbl>
+              <a:tblPr firstRow="1" bandRow="1">
+                <a:tableStyleId>{E929F9F4-4A8F-4326-A1B4-22849713DDAB}</a:tableStyleId>
+              </a:tblPr>
+              <a:tblGrid>
+                <a:gridCol w="759536"/>
+                <a:gridCol w="759536"/>
+                <a:gridCol w="759536"/>
+              </a:tblGrid>
+              <a:tr h="424310">
+                <a:tc>
+                  <a:txBody>
+                    <a:bodyPr/>
+                    <a:lstStyle/>
+                    <a:p>
+                      <a:pPr algn="ctr"/>
+                      <a:r>
+                        <a:rPr lang="en-US" sz="1800" dirty="0" smtClean="0">
+                          <a:solidFill>
+                            <a:srgbClr val="FF0000"/>
+                          </a:solidFill>
+                        </a:rPr>
+                        <a:t>red</a:t>
+                      </a:r>
+                      <a:endParaRPr lang="en-US" sz="1800" dirty="0">
+                        <a:solidFill>
+                          <a:srgbClr val="FF0000"/>
+                        </a:solidFill>
+                      </a:endParaRPr>
+                    </a:p>
+                  </a:txBody>
+                  <a:tcPr anchor="ctr"/>
+                </a:tc>
+                <a:tc>
+                  <a:txBody>
+                    <a:bodyPr/>
+                    <a:lstStyle/>
+                    <a:p>
+                      <a:pPr algn="ctr"/>
+                      <a:r>
+                        <a:rPr lang="en-US" sz="1800" dirty="0" smtClean="0">
+                          <a:solidFill>
+                            <a:srgbClr val="23FF06"/>
+                          </a:solidFill>
+                        </a:rPr>
+                        <a:t>green</a:t>
+                      </a:r>
+                      <a:endParaRPr lang="en-US" sz="1800" dirty="0">
+                        <a:solidFill>
+                          <a:srgbClr val="23FF06"/>
+                        </a:solidFill>
+                      </a:endParaRPr>
+                    </a:p>
+                  </a:txBody>
+                  <a:tcPr anchor="ctr"/>
+                </a:tc>
+                <a:tc>
+                  <a:txBody>
+                    <a:bodyPr/>
+                    <a:lstStyle/>
+                    <a:p>
+                      <a:pPr algn="ctr"/>
+                      <a:r>
+                        <a:rPr lang="en-US" sz="1800" dirty="0" smtClean="0">
+                          <a:solidFill>
+                            <a:srgbClr val="0000FF"/>
+                          </a:solidFill>
+                        </a:rPr>
+                        <a:t>blue</a:t>
+                      </a:r>
+                      <a:endParaRPr lang="en-US" sz="1800" dirty="0">
+                        <a:solidFill>
+                          <a:srgbClr val="0000FF"/>
+                        </a:solidFill>
+                      </a:endParaRPr>
+                    </a:p>
+                  </a:txBody>
+                  <a:tcPr anchor="ctr"/>
+                </a:tc>
+              </a:tr>
+              <a:tr h="424310">
+                <a:tc>
+                  <a:txBody>
+                    <a:bodyPr/>
+                    <a:lstStyle/>
+                    <a:p>
+                      <a:pPr algn="ctr"/>
+                      <a:r>
+                        <a:rPr lang="en-US" sz="1800" dirty="0" smtClean="0">
+                          <a:solidFill>
+                            <a:srgbClr val="FF0000"/>
+                          </a:solidFill>
+                        </a:rPr>
+                        <a:t>0.467</a:t>
+                      </a:r>
+                      <a:endParaRPr lang="en-US" sz="1800" dirty="0">
+                        <a:solidFill>
+                          <a:srgbClr val="FF0000"/>
+                        </a:solidFill>
+                      </a:endParaRPr>
+                    </a:p>
+                  </a:txBody>
+                  <a:tcPr anchor="ctr"/>
+                </a:tc>
+                <a:tc>
+                  <a:txBody>
+                    <a:bodyPr/>
+                    <a:lstStyle/>
+                    <a:p>
+                      <a:pPr algn="ctr"/>
+                      <a:r>
+                        <a:rPr lang="en-US" sz="1800" dirty="0" smtClean="0">
+                          <a:solidFill>
+                            <a:srgbClr val="23FF06"/>
+                          </a:solidFill>
+                        </a:rPr>
+                        <a:t>0.267</a:t>
+                      </a:r>
+                      <a:endParaRPr lang="en-US" sz="1800" dirty="0">
+                        <a:solidFill>
+                          <a:srgbClr val="23FF06"/>
+                        </a:solidFill>
+                      </a:endParaRPr>
+                    </a:p>
+                  </a:txBody>
+                  <a:tcPr anchor="ctr"/>
+                </a:tc>
+                <a:tc>
+                  <a:txBody>
+                    <a:bodyPr/>
+                    <a:lstStyle/>
+                    <a:p>
+                      <a:pPr algn="ctr"/>
+                      <a:r>
+                        <a:rPr lang="en-US" sz="1800" dirty="0" smtClean="0">
+                          <a:solidFill>
+                            <a:srgbClr val="0000FF"/>
+                          </a:solidFill>
+                        </a:rPr>
+                        <a:t>0.267</a:t>
+                      </a:r>
+                      <a:endParaRPr lang="en-US" sz="1800" dirty="0">
+                        <a:solidFill>
+                          <a:srgbClr val="0000FF"/>
+                        </a:solidFill>
+                      </a:endParaRPr>
+                    </a:p>
+                  </a:txBody>
+                  <a:tcPr anchor="ctr"/>
+                </a:tc>
+              </a:tr>
+            </a:tbl>
+          </a:graphicData>
+        </a:graphic>
+      </p:graphicFrame>
+      <p:sp>
+        <p:nvSpPr>
+          <p:cNvPr id="10" name="TextBox 9"/>
+          <p:cNvSpPr txBox="1"/>
+          <p:nvPr/>
+        </p:nvSpPr>
+        <p:spPr>
+          <a:xfrm>
+            <a:off x="0" y="2346388"/>
+            <a:ext cx="2980353" cy="369332"/>
+          </a:xfrm>
+          <a:prstGeom prst="rect">
+            <a:avLst/>
+          </a:prstGeom>
+          <a:noFill/>
+        </p:spPr>
+        <p:txBody>
+          <a:bodyPr wrap="none" rtlCol="0">
+            <a:spAutoFit/>
+          </a:bodyPr>
+          <a:lstStyle/>
+          <a:p>
+            <a:r>
+              <a:rPr lang="en-US" dirty="0" smtClean="0"/>
+              <a:t>Transcript relative abundance</a:t>
+            </a:r>
+            <a:endParaRPr lang="en-US" dirty="0"/>
+          </a:p>
+        </p:txBody>
+      </p:sp>
+      <p:sp>
+        <p:nvSpPr>
+          <p:cNvPr id="11" name="TextBox 10"/>
+          <p:cNvSpPr txBox="1"/>
+          <p:nvPr/>
+        </p:nvSpPr>
+        <p:spPr>
+          <a:xfrm>
+            <a:off x="0" y="3561644"/>
+            <a:ext cx="4045812" cy="369332"/>
+          </a:xfrm>
+          <a:prstGeom prst="rect">
+            <a:avLst/>
+          </a:prstGeom>
+          <a:noFill/>
+        </p:spPr>
+        <p:txBody>
+          <a:bodyPr wrap="none" rtlCol="0">
+            <a:spAutoFit/>
+          </a:bodyPr>
+          <a:lstStyle/>
+          <a:p>
+            <a:r>
+              <a:rPr lang="en-US" dirty="0" smtClean="0"/>
+              <a:t>Probability of read assigning to transcript</a:t>
+            </a:r>
+            <a:endParaRPr lang="en-US" dirty="0"/>
+          </a:p>
+        </p:txBody>
+      </p:sp>
+      <p:sp>
+        <p:nvSpPr>
+          <p:cNvPr id="15" name="Title 1"/>
           <p:cNvSpPr>
             <a:spLocks noGrp="1"/>
           </p:cNvSpPr>
@@ -4301,14 +9425,22 @@
             <p:ph type="title"/>
           </p:nvPr>
         </p:nvSpPr>
-        <p:spPr/>
-        <p:txBody>
-          <a:bodyPr/>
+        <p:spPr>
+          <a:xfrm>
+            <a:off x="102462" y="0"/>
+            <a:ext cx="7886700" cy="1325563"/>
+          </a:xfrm>
+        </p:spPr>
+        <p:txBody>
+          <a:bodyPr>
+            <a:normAutofit/>
+          </a:bodyPr>
           <a:lstStyle/>
           <a:p>
+            <a:pPr algn="l"/>
             <a:r>
               <a:rPr lang="en-US" dirty="0" smtClean="0"/>
-              <a:t>Reproducible analysis</a:t>
+              <a:t>Update read assignment</a:t>
             </a:r>
             <a:endParaRPr lang="en-US" dirty="0"/>
           </a:p>
@@ -4316,55 +9448,98 @@
       </p:sp>
       <p:sp>
         <p:nvSpPr>
-          <p:cNvPr id="3" name="Content Placeholder 2"/>
-          <p:cNvSpPr>
-            <a:spLocks noGrp="1"/>
-          </p:cNvSpPr>
-          <p:nvPr>
-            <p:ph idx="1"/>
-          </p:nvPr>
-        </p:nvSpPr>
-        <p:spPr/>
-        <p:txBody>
-          <a:bodyPr/>
+          <p:cNvPr id="16" name="Rectangle 15"/>
+          <p:cNvSpPr/>
+          <p:nvPr/>
+        </p:nvSpPr>
+        <p:spPr>
+          <a:xfrm>
+            <a:off x="0" y="3599000"/>
+            <a:ext cx="4045812" cy="3150044"/>
+          </a:xfrm>
+          <a:prstGeom prst="rect">
+            <a:avLst/>
+          </a:prstGeom>
+          <a:noFill/>
+          <a:ln w="28575" cmpd="sng">
+            <a:solidFill>
+              <a:srgbClr val="FF6600"/>
+            </a:solidFill>
+          </a:ln>
+          <a:effectLst/>
+        </p:spPr>
+        <p:style>
+          <a:lnRef idx="1">
+            <a:schemeClr val="accent1"/>
+          </a:lnRef>
+          <a:fillRef idx="3">
+            <a:schemeClr val="accent1"/>
+          </a:fillRef>
+          <a:effectRef idx="2">
+            <a:schemeClr val="accent1"/>
+          </a:effectRef>
+          <a:fontRef idx="minor">
+            <a:schemeClr val="lt1"/>
+          </a:fontRef>
+        </p:style>
+        <p:txBody>
+          <a:bodyPr rtlCol="0" anchor="ctr"/>
           <a:lstStyle/>
           <a:p>
-            <a:r>
-              <a:rPr lang="en-US" dirty="0" smtClean="0"/>
-              <a:t>R: R markdown</a:t>
-            </a:r>
-          </a:p>
-          <a:p>
-            <a:r>
-              <a:rPr lang="en-US" dirty="0" smtClean="0"/>
-              <a:t>python: </a:t>
-            </a:r>
-            <a:r>
-              <a:rPr lang="en-US" dirty="0" err="1" smtClean="0"/>
-              <a:t>Jupyter</a:t>
-            </a:r>
-            <a:r>
-              <a:rPr lang="en-US" dirty="0" smtClean="0"/>
-              <a:t> (</a:t>
-            </a:r>
-            <a:r>
-              <a:rPr lang="en-US" dirty="0" err="1" smtClean="0"/>
-              <a:t>IPython</a:t>
-            </a:r>
-            <a:r>
-              <a:rPr lang="en-US" dirty="0" smtClean="0"/>
-              <a:t>) notebook</a:t>
-            </a:r>
-          </a:p>
-          <a:p>
-            <a:endParaRPr lang="en-US" dirty="0"/>
+            <a:pPr algn="ctr"/>
+            <a:endParaRPr lang="en-US"/>
+          </a:p>
+        </p:txBody>
+      </p:sp>
+      <p:sp>
+        <p:nvSpPr>
+          <p:cNvPr id="17" name="Rectangle 16"/>
+          <p:cNvSpPr/>
+          <p:nvPr/>
+        </p:nvSpPr>
+        <p:spPr>
+          <a:xfrm>
+            <a:off x="6325314" y="2335376"/>
+            <a:ext cx="2017128" cy="1263624"/>
+          </a:xfrm>
+          <a:prstGeom prst="rect">
+            <a:avLst/>
+          </a:prstGeom>
+          <a:noFill/>
+          <a:ln w="28575" cmpd="sng">
+            <a:solidFill>
+              <a:srgbClr val="FF6600"/>
+            </a:solidFill>
+          </a:ln>
+          <a:effectLst/>
+        </p:spPr>
+        <p:style>
+          <a:lnRef idx="1">
+            <a:schemeClr val="accent1"/>
+          </a:lnRef>
+          <a:fillRef idx="3">
+            <a:schemeClr val="accent1"/>
+          </a:fillRef>
+          <a:effectRef idx="2">
+            <a:schemeClr val="accent1"/>
+          </a:effectRef>
+          <a:fontRef idx="minor">
+            <a:schemeClr val="lt1"/>
+          </a:fontRef>
+        </p:style>
+        <p:txBody>
+          <a:bodyPr rtlCol="0" anchor="ctr"/>
+          <a:lstStyle/>
+          <a:p>
+            <a:pPr algn="ctr"/>
+            <a:endParaRPr lang="en-US"/>
           </a:p>
         </p:txBody>
       </p:sp>
     </p:spTree>
     <p:extLst>
       <p:ext uri="{BB962C8B-B14F-4D97-AF65-F5344CB8AC3E}">
-        <p14:creationId xmlns:p14="http://schemas.microsoft.com/office/powerpoint/2010/main" val="232439171"/>
+        <p14:creationId xmlns:p14="http://schemas.microsoft.com/office/powerpoint/2010/main" val="2433799354"/>
       </p:ext>
     </p:extLst>
   </p:cSld>
@@ -4417,7 +9592,7 @@
     </a:clrScheme>
     <a:fontScheme name="Office">
       <a:majorFont>
-        <a:latin typeface="Calibri Light" panose="020F0302020204030204"/>
+        <a:latin typeface="Calibri Light"/>
         <a:ea typeface=""/>
         <a:cs typeface=""/>
         <a:font script="Jpan" typeface="Yu Gothic Light"/>
@@ -4452,7 +9627,7 @@
         <a:font script="Geor" typeface="Sylfaen"/>
       </a:majorFont>
       <a:minorFont>
-        <a:latin typeface="Calibri" panose="020F0502020204030204"/>
+        <a:latin typeface="Calibri"/>
         <a:ea typeface=""/>
         <a:cs typeface=""/>
         <a:font script="Jpan" typeface="Yu Gothic"/>
@@ -4629,7 +9804,7 @@
   <a:extraClrSchemeLst/>
   <a:extLst>
     <a:ext uri="{05A4C25C-085E-4340-85A3-A5531E510DB2}">
-      <thm15:themeFamily xmlns:thm15="http://schemas.microsoft.com/office/thememl/2012/main" name="Office Theme" id="{62F939B6-93AF-4DB8-9C6B-D6C7DFDC589F}" vid="{4A3C46E8-61CC-4603-A589-7422A47A8E4A}"/>
+      <thm15:themeFamily xmlns:thm15="http://schemas.microsoft.com/office/thememl/2012/main" xmlns="" name="Office Theme" id="{62F939B6-93AF-4DB8-9C6B-D6C7DFDC589F}" vid="{4A3C46E8-61CC-4603-A589-7422A47A8E4A}"/>
     </a:ext>
   </a:extLst>
 </a:theme>

--- a/rna-seq workshop.pptx
+++ b/rna-seq workshop.pptx
@@ -120,7 +120,7 @@
   </p:defaultTextStyle>
   <p:extLst>
     <p:ext uri="{EFAFB233-063F-42B5-8137-9DF3F51BA10A}">
-      <p15:sldGuideLst xmlns:p15="http://schemas.microsoft.com/office/powerpoint/2012/main" xmlns="">
+      <p15:sldGuideLst xmlns="" xmlns:p15="http://schemas.microsoft.com/office/powerpoint/2012/main">
         <p15:guide id="1" orient="horz" pos="2160">
           <p15:clr>
             <a:srgbClr val="A4A3A4"/>
@@ -268,7 +268,7 @@
           <a:p>
             <a:fld id="{DE72398D-FDD1-114A-8509-66EEBD17B15C}" type="datetimeFigureOut">
               <a:rPr lang="en-US" smtClean="0"/>
-              <a:t>4/19/17</a:t>
+              <a:t>4/20/17</a:t>
             </a:fld>
             <a:endParaRPr lang="en-US"/>
           </a:p>
@@ -438,7 +438,7 @@
           <a:p>
             <a:fld id="{DE72398D-FDD1-114A-8509-66EEBD17B15C}" type="datetimeFigureOut">
               <a:rPr lang="en-US" smtClean="0"/>
-              <a:t>4/19/17</a:t>
+              <a:t>4/20/17</a:t>
             </a:fld>
             <a:endParaRPr lang="en-US"/>
           </a:p>
@@ -618,7 +618,7 @@
           <a:p>
             <a:fld id="{DE72398D-FDD1-114A-8509-66EEBD17B15C}" type="datetimeFigureOut">
               <a:rPr lang="en-US" smtClean="0"/>
-              <a:t>4/19/17</a:t>
+              <a:t>4/20/17</a:t>
             </a:fld>
             <a:endParaRPr lang="en-US"/>
           </a:p>
@@ -788,7 +788,7 @@
           <a:p>
             <a:fld id="{DE72398D-FDD1-114A-8509-66EEBD17B15C}" type="datetimeFigureOut">
               <a:rPr lang="en-US" smtClean="0"/>
-              <a:t>4/19/17</a:t>
+              <a:t>4/20/17</a:t>
             </a:fld>
             <a:endParaRPr lang="en-US"/>
           </a:p>
@@ -1034,7 +1034,7 @@
           <a:p>
             <a:fld id="{DE72398D-FDD1-114A-8509-66EEBD17B15C}" type="datetimeFigureOut">
               <a:rPr lang="en-US" smtClean="0"/>
-              <a:t>4/19/17</a:t>
+              <a:t>4/20/17</a:t>
             </a:fld>
             <a:endParaRPr lang="en-US"/>
           </a:p>
@@ -1266,7 +1266,7 @@
           <a:p>
             <a:fld id="{DE72398D-FDD1-114A-8509-66EEBD17B15C}" type="datetimeFigureOut">
               <a:rPr lang="en-US" smtClean="0"/>
-              <a:t>4/19/17</a:t>
+              <a:t>4/20/17</a:t>
             </a:fld>
             <a:endParaRPr lang="en-US"/>
           </a:p>
@@ -1633,7 +1633,7 @@
           <a:p>
             <a:fld id="{DE72398D-FDD1-114A-8509-66EEBD17B15C}" type="datetimeFigureOut">
               <a:rPr lang="en-US" smtClean="0"/>
-              <a:t>4/19/17</a:t>
+              <a:t>4/20/17</a:t>
             </a:fld>
             <a:endParaRPr lang="en-US"/>
           </a:p>
@@ -1751,7 +1751,7 @@
           <a:p>
             <a:fld id="{DE72398D-FDD1-114A-8509-66EEBD17B15C}" type="datetimeFigureOut">
               <a:rPr lang="en-US" smtClean="0"/>
-              <a:t>4/19/17</a:t>
+              <a:t>4/20/17</a:t>
             </a:fld>
             <a:endParaRPr lang="en-US"/>
           </a:p>
@@ -1846,7 +1846,7 @@
           <a:p>
             <a:fld id="{DE72398D-FDD1-114A-8509-66EEBD17B15C}" type="datetimeFigureOut">
               <a:rPr lang="en-US" smtClean="0"/>
-              <a:t>4/19/17</a:t>
+              <a:t>4/20/17</a:t>
             </a:fld>
             <a:endParaRPr lang="en-US"/>
           </a:p>
@@ -2123,7 +2123,7 @@
           <a:p>
             <a:fld id="{DE72398D-FDD1-114A-8509-66EEBD17B15C}" type="datetimeFigureOut">
               <a:rPr lang="en-US" smtClean="0"/>
-              <a:t>4/19/17</a:t>
+              <a:t>4/20/17</a:t>
             </a:fld>
             <a:endParaRPr lang="en-US"/>
           </a:p>
@@ -2376,7 +2376,7 @@
           <a:p>
             <a:fld id="{DE72398D-FDD1-114A-8509-66EEBD17B15C}" type="datetimeFigureOut">
               <a:rPr lang="en-US" smtClean="0"/>
-              <a:t>4/19/17</a:t>
+              <a:t>4/20/17</a:t>
             </a:fld>
             <a:endParaRPr lang="en-US"/>
           </a:p>
@@ -2589,7 +2589,7 @@
           <a:p>
             <a:fld id="{DE72398D-FDD1-114A-8509-66EEBD17B15C}" type="datetimeFigureOut">
               <a:rPr lang="en-US" smtClean="0"/>
-              <a:t>4/19/17</a:t>
+              <a:t>4/20/17</a:t>
             </a:fld>
             <a:endParaRPr lang="en-US"/>
           </a:p>
@@ -3019,11 +3019,7 @@
             </a:r>
             <a:r>
               <a:rPr lang="en-US" dirty="0" smtClean="0"/>
-              <a:t> </a:t>
-            </a:r>
-            <a:r>
-              <a:rPr lang="en-US" dirty="0" smtClean="0"/>
-              <a:t>analysis II</a:t>
+              <a:t> analysis II</a:t>
             </a:r>
             <a:endParaRPr lang="en-US" dirty="0"/>
           </a:p>
@@ -3063,13 +3059,7 @@
               <a:rPr lang="en-US" sz="2800" dirty="0" smtClean="0">
                 <a:latin typeface="+mj-lt"/>
               </a:rPr>
-              <a:t>Differential </a:t>
-            </a:r>
-            <a:r>
-              <a:rPr lang="en-US" sz="2800" dirty="0" smtClean="0">
-                <a:latin typeface="+mj-lt"/>
-              </a:rPr>
-              <a:t>expression</a:t>
+              <a:t>Differential expression</a:t>
             </a:r>
           </a:p>
           <a:p>
@@ -3604,19 +3594,7 @@
             <a:pPr algn="l"/>
             <a:r>
               <a:rPr lang="en-US" dirty="0" smtClean="0"/>
-              <a:t>Common </a:t>
-            </a:r>
-            <a:r>
-              <a:rPr lang="en-US" dirty="0" smtClean="0"/>
-              <a:t>additional</a:t>
-            </a:r>
-            <a:r>
-              <a:rPr lang="en-US" dirty="0" smtClean="0"/>
-              <a:t> </a:t>
-            </a:r>
-            <a:r>
-              <a:rPr lang="en-US" dirty="0" smtClean="0"/>
-              <a:t>analysis</a:t>
+              <a:t>Common additional analysis</a:t>
             </a:r>
             <a:endParaRPr lang="en-US" dirty="0"/>
           </a:p>
@@ -3700,14 +3678,7 @@
                 <a:latin typeface="Calibri Light"/>
                 <a:cs typeface="Calibri Light"/>
               </a:rPr>
-              <a:t>Gene </a:t>
-            </a:r>
-            <a:r>
-              <a:rPr lang="en-US" dirty="0" smtClean="0">
-                <a:latin typeface="Calibri Light"/>
-                <a:cs typeface="Calibri Light"/>
-              </a:rPr>
-              <a:t>ontology, pathway analysis</a:t>
+              <a:t>Gene ontology, pathway analysis</a:t>
             </a:r>
             <a:endParaRPr lang="en-US" dirty="0">
               <a:latin typeface="Calibri Light"/>
@@ -4368,11 +4339,117 @@
                 <a:latin typeface="Calibri Light"/>
                 <a:cs typeface="Calibri Light"/>
               </a:rPr>
-              <a:t>) notebook</a:t>
-            </a:r>
+              <a:t>) </a:t>
+            </a:r>
+            <a:r>
+              <a:rPr lang="en-US" dirty="0" smtClean="0">
+                <a:latin typeface="Calibri Light"/>
+                <a:cs typeface="Calibri Light"/>
+              </a:rPr>
+              <a:t>notebook</a:t>
+            </a:r>
+          </a:p>
+          <a:p>
+            <a:r>
+              <a:rPr lang="en-US" dirty="0" smtClean="0">
+                <a:latin typeface="Calibri Light"/>
+                <a:cs typeface="Calibri Light"/>
+              </a:rPr>
+              <a:t>We’ll see an example </a:t>
+            </a:r>
+            <a:r>
+              <a:rPr lang="en-US" dirty="0" smtClean="0">
+                <a:latin typeface="Calibri Light"/>
+                <a:cs typeface="Calibri Light"/>
+              </a:rPr>
+              <a:t>for R markdown soon. The picture is irrelevant.</a:t>
+            </a:r>
+            <a:endParaRPr lang="en-US" dirty="0" smtClean="0">
+              <a:latin typeface="Calibri Light"/>
+              <a:cs typeface="Calibri Light"/>
+            </a:endParaRPr>
           </a:p>
           <a:p>
             <a:endParaRPr lang="en-US" dirty="0"/>
+          </a:p>
+        </p:txBody>
+      </p:sp>
+      <p:pic>
+        <p:nvPicPr>
+          <p:cNvPr id="5" name="Picture 4"/>
+          <p:cNvPicPr>
+            <a:picLocks noChangeAspect="1"/>
+          </p:cNvPicPr>
+          <p:nvPr/>
+        </p:nvPicPr>
+        <p:blipFill>
+          <a:blip r:embed="rId2"/>
+          <a:stretch>
+            <a:fillRect/>
+          </a:stretch>
+        </p:blipFill>
+        <p:spPr>
+          <a:xfrm>
+            <a:off x="2323599" y="3536399"/>
+            <a:ext cx="4496802" cy="2640564"/>
+          </a:xfrm>
+          <a:prstGeom prst="rect">
+            <a:avLst/>
+          </a:prstGeom>
+          <a:ln>
+            <a:noFill/>
+          </a:ln>
+          <a:effectLst>
+            <a:outerShdw blurRad="292100" dist="139700" dir="2700000" algn="tl" rotWithShape="0">
+              <a:srgbClr val="333333">
+                <a:alpha val="65000"/>
+              </a:srgbClr>
+            </a:outerShdw>
+          </a:effectLst>
+        </p:spPr>
+      </p:pic>
+      <p:sp>
+        <p:nvSpPr>
+          <p:cNvPr id="6" name="Rectangle 5"/>
+          <p:cNvSpPr/>
+          <p:nvPr/>
+        </p:nvSpPr>
+        <p:spPr>
+          <a:xfrm>
+            <a:off x="4572000" y="6550223"/>
+            <a:ext cx="4572000" cy="307777"/>
+          </a:xfrm>
+          <a:prstGeom prst="rect">
+            <a:avLst/>
+          </a:prstGeom>
+        </p:spPr>
+        <p:txBody>
+          <a:bodyPr>
+            <a:spAutoFit/>
+          </a:bodyPr>
+          <a:lstStyle/>
+          <a:p>
+            <a:pPr algn="r"/>
+            <a:r>
+              <a:rPr lang="en-US" sz="1400" dirty="0"/>
+              <a:t>http://</a:t>
+            </a:r>
+            <a:r>
+              <a:rPr lang="en-US" sz="1400" dirty="0" err="1"/>
+              <a:t>homolog.us</a:t>
+            </a:r>
+            <a:r>
+              <a:rPr lang="en-US" sz="1400" dirty="0"/>
+              <a:t>/Tutorials/</a:t>
+            </a:r>
+            <a:r>
+              <a:rPr lang="en-US" sz="1400" dirty="0" err="1"/>
+              <a:t>index.php?p</a:t>
+            </a:r>
+            <a:r>
+              <a:rPr lang="en-US" sz="1400" dirty="0"/>
+              <a:t>=2.6&amp;s=5</a:t>
+            </a:r>
           </a:p>
         </p:txBody>
       </p:sp>
@@ -4386,6 +4463,13 @@
   <p:clrMapOvr>
     <a:masterClrMapping/>
   </p:clrMapOvr>
+  <p:timing>
+    <p:tnLst>
+      <p:par>
+        <p:cTn xmlns:p14="http://schemas.microsoft.com/office/powerpoint/2010/main" id="1" dur="indefinite" restart="never" nodeType="tmRoot"/>
+      </p:par>
+    </p:tnLst>
+  </p:timing>
 </p:sld>
 </file>
 
@@ -4839,11 +4923,21 @@
               <a:t>bioconda.github.io</a:t>
             </a:r>
             <a:r>
-              <a:rPr lang="en-US" dirty="0">
+              <a:rPr lang="en-US" dirty="0" smtClean="0">
                 <a:latin typeface="Calibri Light"/>
                 <a:cs typeface="Calibri Light"/>
               </a:rPr>
               <a:t>/</a:t>
+            </a:r>
+          </a:p>
+          <a:p>
+            <a:pPr lvl="2"/>
+            <a:r>
+              <a:rPr lang="en-US" dirty="0" smtClean="0">
+                <a:latin typeface="Calibri Light"/>
+                <a:cs typeface="Calibri Light"/>
+              </a:rPr>
+              <a:t>save the hustle of having to compile binaries by yourself! </a:t>
             </a:r>
             <a:endParaRPr lang="en-US" dirty="0" smtClean="0">
               <a:latin typeface="Calibri Light"/>
@@ -4861,6 +4955,36 @@
           </a:p>
         </p:txBody>
       </p:sp>
+      <p:pic>
+        <p:nvPicPr>
+          <p:cNvPr id="4" name="Picture 3" descr="tenor.gif"/>
+          <p:cNvPicPr>
+            <a:picLocks noChangeAspect="1"/>
+          </p:cNvPicPr>
+          <p:nvPr/>
+        </p:nvPicPr>
+        <p:blipFill>
+          <a:blip r:embed="rId2">
+            <a:extLst>
+              <a:ext uri="{28A0092B-C50C-407E-A947-70E740481C1C}">
+                <a14:useLocalDpi xmlns:a14="http://schemas.microsoft.com/office/drawing/2010/main" val="0"/>
+              </a:ext>
+            </a:extLst>
+          </a:blip>
+          <a:stretch>
+            <a:fillRect/>
+          </a:stretch>
+        </p:blipFill>
+        <p:spPr>
+          <a:xfrm>
+            <a:off x="6535411" y="5404215"/>
+            <a:ext cx="2222704" cy="1252797"/>
+          </a:xfrm>
+          <a:prstGeom prst="rect">
+            <a:avLst/>
+          </a:prstGeom>
+        </p:spPr>
+      </p:pic>
     </p:spTree>
     <p:extLst>
       <p:ext uri="{BB962C8B-B14F-4D97-AF65-F5344CB8AC3E}">
@@ -4871,6 +4995,13 @@
   <p:clrMapOvr>
     <a:masterClrMapping/>
   </p:clrMapOvr>
+  <p:timing>
+    <p:tnLst>
+      <p:par>
+        <p:cTn xmlns:p14="http://schemas.microsoft.com/office/powerpoint/2010/main" id="1" dur="indefinite" restart="never" nodeType="tmRoot"/>
+      </p:par>
+    </p:tnLst>
+  </p:timing>
 </p:sld>
 </file>
 
@@ -5277,14 +5408,7 @@
                 <a:latin typeface="Calibri Light"/>
                 <a:cs typeface="Calibri Light"/>
               </a:rPr>
-              <a:t> </a:t>
-            </a:r>
-            <a:r>
-              <a:rPr lang="en-US" dirty="0" smtClean="0">
-                <a:latin typeface="Calibri Light"/>
-                <a:cs typeface="Calibri Light"/>
-              </a:rPr>
-              <a:t>on the transcript a read is mapped to</a:t>
+              <a:t> on the transcript a read is mapped to</a:t>
             </a:r>
           </a:p>
           <a:p>
@@ -5402,19 +5526,8 @@
                 <a:latin typeface="Calibri Light"/>
                 <a:cs typeface="Calibri Light"/>
               </a:rPr>
-              <a:t>All based on the same EM algorithm with variations in model </a:t>
-            </a:r>
-            <a:r>
-              <a:rPr lang="en-US" dirty="0" smtClean="0">
-                <a:latin typeface="Calibri Light"/>
-                <a:cs typeface="Calibri Light"/>
-              </a:rPr>
-              <a:t>specification details</a:t>
-            </a:r>
-            <a:endParaRPr lang="en-US" dirty="0" smtClean="0">
-              <a:latin typeface="Calibri Light"/>
-              <a:cs typeface="Calibri Light"/>
-            </a:endParaRPr>
+              <a:t>All based on the same EM algorithm with variations in model specification details</a:t>
+            </a:r>
           </a:p>
           <a:p>
             <a:r>
@@ -5617,7 +5730,7 @@
         </p:nvSpPr>
         <p:spPr>
           <a:xfrm>
-            <a:off x="628650" y="365126"/>
+            <a:off x="0" y="-8437"/>
             <a:ext cx="7886700" cy="1325563"/>
           </a:xfrm>
         </p:spPr>
@@ -5630,7 +5743,11 @@
             <a:pPr algn="l"/>
             <a:r>
               <a:rPr lang="en-US" dirty="0" smtClean="0"/>
-              <a:t>A toy example</a:t>
+              <a:t>The algorithm: a </a:t>
+            </a:r>
+            <a:r>
+              <a:rPr lang="en-US" dirty="0" smtClean="0"/>
+              <a:t>toy example</a:t>
             </a:r>
             <a:endParaRPr lang="en-US" dirty="0"/>
           </a:p>
@@ -6466,8 +6583,8 @@
         </p:nvSpPr>
         <p:spPr>
           <a:xfrm>
-            <a:off x="3859936" y="805304"/>
-            <a:ext cx="1680939" cy="1530072"/>
+            <a:off x="3859936" y="909004"/>
+            <a:ext cx="1680939" cy="1207855"/>
           </a:xfrm>
           <a:prstGeom prst="rect">
             <a:avLst/>
@@ -9804,7 +9921,7 @@
   <a:extraClrSchemeLst/>
   <a:extLst>
     <a:ext uri="{05A4C25C-085E-4340-85A3-A5531E510DB2}">
-      <thm15:themeFamily xmlns:thm15="http://schemas.microsoft.com/office/thememl/2012/main" xmlns="" name="Office Theme" id="{62F939B6-93AF-4DB8-9C6B-D6C7DFDC589F}" vid="{4A3C46E8-61CC-4603-A589-7422A47A8E4A}"/>
+      <thm15:themeFamily xmlns="" xmlns:thm15="http://schemas.microsoft.com/office/thememl/2012/main" name="Office Theme" id="{62F939B6-93AF-4DB8-9C6B-D6C7DFDC589F}" vid="{4A3C46E8-61CC-4603-A589-7422A47A8E4A}"/>
     </a:ext>
   </a:extLst>
 </a:theme>

--- a/rna-seq workshop.pptx
+++ b/rna-seq workshop.pptx
@@ -120,7 +120,7 @@
   </p:defaultTextStyle>
   <p:extLst>
     <p:ext uri="{EFAFB233-063F-42B5-8137-9DF3F51BA10A}">
-      <p15:sldGuideLst xmlns="" xmlns:p15="http://schemas.microsoft.com/office/powerpoint/2012/main">
+      <p15:sldGuideLst xmlns:p15="http://schemas.microsoft.com/office/powerpoint/2012/main" xmlns="">
         <p15:guide id="1" orient="horz" pos="2160">
           <p15:clr>
             <a:srgbClr val="A4A3A4"/>
@@ -268,7 +268,7 @@
           <a:p>
             <a:fld id="{DE72398D-FDD1-114A-8509-66EEBD17B15C}" type="datetimeFigureOut">
               <a:rPr lang="en-US" smtClean="0"/>
-              <a:t>4/20/17</a:t>
+              <a:t>4/21/17</a:t>
             </a:fld>
             <a:endParaRPr lang="en-US"/>
           </a:p>
@@ -438,7 +438,7 @@
           <a:p>
             <a:fld id="{DE72398D-FDD1-114A-8509-66EEBD17B15C}" type="datetimeFigureOut">
               <a:rPr lang="en-US" smtClean="0"/>
-              <a:t>4/20/17</a:t>
+              <a:t>4/21/17</a:t>
             </a:fld>
             <a:endParaRPr lang="en-US"/>
           </a:p>
@@ -618,7 +618,7 @@
           <a:p>
             <a:fld id="{DE72398D-FDD1-114A-8509-66EEBD17B15C}" type="datetimeFigureOut">
               <a:rPr lang="en-US" smtClean="0"/>
-              <a:t>4/20/17</a:t>
+              <a:t>4/21/17</a:t>
             </a:fld>
             <a:endParaRPr lang="en-US"/>
           </a:p>
@@ -788,7 +788,7 @@
           <a:p>
             <a:fld id="{DE72398D-FDD1-114A-8509-66EEBD17B15C}" type="datetimeFigureOut">
               <a:rPr lang="en-US" smtClean="0"/>
-              <a:t>4/20/17</a:t>
+              <a:t>4/21/17</a:t>
             </a:fld>
             <a:endParaRPr lang="en-US"/>
           </a:p>
@@ -1034,7 +1034,7 @@
           <a:p>
             <a:fld id="{DE72398D-FDD1-114A-8509-66EEBD17B15C}" type="datetimeFigureOut">
               <a:rPr lang="en-US" smtClean="0"/>
-              <a:t>4/20/17</a:t>
+              <a:t>4/21/17</a:t>
             </a:fld>
             <a:endParaRPr lang="en-US"/>
           </a:p>
@@ -1266,7 +1266,7 @@
           <a:p>
             <a:fld id="{DE72398D-FDD1-114A-8509-66EEBD17B15C}" type="datetimeFigureOut">
               <a:rPr lang="en-US" smtClean="0"/>
-              <a:t>4/20/17</a:t>
+              <a:t>4/21/17</a:t>
             </a:fld>
             <a:endParaRPr lang="en-US"/>
           </a:p>
@@ -1633,7 +1633,7 @@
           <a:p>
             <a:fld id="{DE72398D-FDD1-114A-8509-66EEBD17B15C}" type="datetimeFigureOut">
               <a:rPr lang="en-US" smtClean="0"/>
-              <a:t>4/20/17</a:t>
+              <a:t>4/21/17</a:t>
             </a:fld>
             <a:endParaRPr lang="en-US"/>
           </a:p>
@@ -1751,7 +1751,7 @@
           <a:p>
             <a:fld id="{DE72398D-FDD1-114A-8509-66EEBD17B15C}" type="datetimeFigureOut">
               <a:rPr lang="en-US" smtClean="0"/>
-              <a:t>4/20/17</a:t>
+              <a:t>4/21/17</a:t>
             </a:fld>
             <a:endParaRPr lang="en-US"/>
           </a:p>
@@ -1846,7 +1846,7 @@
           <a:p>
             <a:fld id="{DE72398D-FDD1-114A-8509-66EEBD17B15C}" type="datetimeFigureOut">
               <a:rPr lang="en-US" smtClean="0"/>
-              <a:t>4/20/17</a:t>
+              <a:t>4/21/17</a:t>
             </a:fld>
             <a:endParaRPr lang="en-US"/>
           </a:p>
@@ -2123,7 +2123,7 @@
           <a:p>
             <a:fld id="{DE72398D-FDD1-114A-8509-66EEBD17B15C}" type="datetimeFigureOut">
               <a:rPr lang="en-US" smtClean="0"/>
-              <a:t>4/20/17</a:t>
+              <a:t>4/21/17</a:t>
             </a:fld>
             <a:endParaRPr lang="en-US"/>
           </a:p>
@@ -2376,7 +2376,7 @@
           <a:p>
             <a:fld id="{DE72398D-FDD1-114A-8509-66EEBD17B15C}" type="datetimeFigureOut">
               <a:rPr lang="en-US" smtClean="0"/>
-              <a:t>4/20/17</a:t>
+              <a:t>4/21/17</a:t>
             </a:fld>
             <a:endParaRPr lang="en-US"/>
           </a:p>
@@ -2589,7 +2589,7 @@
           <a:p>
             <a:fld id="{DE72398D-FDD1-114A-8509-66EEBD17B15C}" type="datetimeFigureOut">
               <a:rPr lang="en-US" smtClean="0"/>
-              <a:t>4/20/17</a:t>
+              <a:t>4/21/17</a:t>
             </a:fld>
             <a:endParaRPr lang="en-US"/>
           </a:p>
@@ -3186,6 +3186,13 @@
   <p:clrMapOvr>
     <a:masterClrMapping/>
   </p:clrMapOvr>
+  <p:timing>
+    <p:tnLst>
+      <p:par>
+        <p:cTn xmlns:p14="http://schemas.microsoft.com/office/powerpoint/2010/main" id="1" dur="indefinite" restart="never" nodeType="tmRoot"/>
+      </p:par>
+    </p:tnLst>
+  </p:timing>
 </p:sld>
 </file>
 
@@ -3226,8 +3233,19 @@
                 <a:latin typeface="Calibri Light"/>
                 <a:cs typeface="Calibri Light"/>
               </a:rPr>
-              <a:t>Well, until we converge.</a:t>
-            </a:r>
+              <a:t>Well, until we </a:t>
+            </a:r>
+            <a:r>
+              <a:rPr lang="en-US" dirty="0" smtClean="0">
+                <a:latin typeface="Calibri Light"/>
+                <a:cs typeface="Calibri Light"/>
+              </a:rPr>
+              <a:t>converge (Improvement in log likelihood is small).</a:t>
+            </a:r>
+            <a:endParaRPr lang="en-US" dirty="0" smtClean="0">
+              <a:latin typeface="Calibri Light"/>
+              <a:cs typeface="Calibri Light"/>
+            </a:endParaRPr>
           </a:p>
           <a:p>
             <a:r>
@@ -3368,6 +3386,13 @@
   <p:clrMapOvr>
     <a:masterClrMapping/>
   </p:clrMapOvr>
+  <p:timing>
+    <p:tnLst>
+      <p:par>
+        <p:cTn xmlns:p14="http://schemas.microsoft.com/office/powerpoint/2010/main" id="1" dur="indefinite" restart="never" nodeType="tmRoot"/>
+      </p:par>
+    </p:tnLst>
+  </p:timing>
 </p:sld>
 </file>
 
@@ -3556,6 +3581,13 @@
   <p:clrMapOvr>
     <a:masterClrMapping/>
   </p:clrMapOvr>
+  <p:timing>
+    <p:tnLst>
+      <p:par>
+        <p:cTn xmlns:p14="http://schemas.microsoft.com/office/powerpoint/2010/main" id="1" dur="indefinite" restart="never" nodeType="tmRoot"/>
+      </p:par>
+    </p:tnLst>
+  </p:timing>
 </p:sld>
 </file>
 
@@ -3697,6 +3729,13 @@
   <p:clrMapOvr>
     <a:masterClrMapping/>
   </p:clrMapOvr>
+  <p:timing>
+    <p:tnLst>
+      <p:par>
+        <p:cTn xmlns:p14="http://schemas.microsoft.com/office/powerpoint/2010/main" id="1" dur="indefinite" restart="never" nodeType="tmRoot"/>
+      </p:par>
+    </p:tnLst>
+  </p:timing>
 </p:sld>
 </file>
 
@@ -4339,30 +4378,31 @@
                 <a:latin typeface="Calibri Light"/>
                 <a:cs typeface="Calibri Light"/>
               </a:rPr>
-              <a:t>) </a:t>
-            </a:r>
+              <a:t>) notebook</a:t>
+            </a:r>
+          </a:p>
+          <a:p>
             <a:r>
               <a:rPr lang="en-US" dirty="0" smtClean="0">
                 <a:latin typeface="Calibri Light"/>
                 <a:cs typeface="Calibri Light"/>
               </a:rPr>
-              <a:t>notebook</a:t>
-            </a:r>
-          </a:p>
-          <a:p>
+              <a:t>We’ll see an example for R markdown soon. The picture is </a:t>
+            </a:r>
             <a:r>
               <a:rPr lang="en-US" dirty="0" smtClean="0">
                 <a:latin typeface="Calibri Light"/>
                 <a:cs typeface="Calibri Light"/>
               </a:rPr>
-              <a:t>We’ll see an example </a:t>
+              <a:t>irrelevant</a:t>
             </a:r>
             <a:r>
               <a:rPr lang="en-US" dirty="0" smtClean="0">
                 <a:latin typeface="Calibri Light"/>
                 <a:cs typeface="Calibri Light"/>
-              </a:rPr>
-              <a:t>for R markdown soon. The picture is irrelevant.</a:t>
+                <a:sym typeface="Wingdings"/>
+              </a:rPr>
+              <a:t></a:t>
             </a:r>
             <a:endParaRPr lang="en-US" dirty="0" smtClean="0">
               <a:latin typeface="Calibri Light"/>
@@ -4939,10 +4979,6 @@
               </a:rPr>
               <a:t>save the hustle of having to compile binaries by yourself! </a:t>
             </a:r>
-            <a:endParaRPr lang="en-US" dirty="0" smtClean="0">
-              <a:latin typeface="Calibri Light"/>
-              <a:cs typeface="Calibri Light"/>
-            </a:endParaRPr>
           </a:p>
           <a:p>
             <a:pPr marL="342900" lvl="1" indent="0">
@@ -4998,7 +5034,75 @@
   <p:timing>
     <p:tnLst>
       <p:par>
-        <p:cTn xmlns:p14="http://schemas.microsoft.com/office/powerpoint/2010/main" id="1" dur="indefinite" restart="never" nodeType="tmRoot"/>
+        <p:cTn xmlns:p14="http://schemas.microsoft.com/office/powerpoint/2010/main" id="1" dur="indefinite" restart="never" nodeType="tmRoot">
+          <p:childTnLst>
+            <p:seq concurrent="1" nextAc="seek">
+              <p:cTn id="2" dur="indefinite" nodeType="mainSeq">
+                <p:childTnLst>
+                  <p:par>
+                    <p:cTn id="3" fill="hold">
+                      <p:stCondLst>
+                        <p:cond delay="indefinite"/>
+                      </p:stCondLst>
+                      <p:childTnLst>
+                        <p:par>
+                          <p:cTn id="4" fill="hold">
+                            <p:stCondLst>
+                              <p:cond delay="0"/>
+                            </p:stCondLst>
+                            <p:childTnLst>
+                              <p:par>
+                                <p:cTn id="5" presetID="1" presetClass="entr" presetSubtype="0" fill="hold" nodeType="clickEffect">
+                                  <p:stCondLst>
+                                    <p:cond delay="0"/>
+                                  </p:stCondLst>
+                                  <p:childTnLst>
+                                    <p:set>
+                                      <p:cBhvr>
+                                        <p:cTn id="6" dur="1" fill="hold">
+                                          <p:stCondLst>
+                                            <p:cond delay="0"/>
+                                          </p:stCondLst>
+                                        </p:cTn>
+                                        <p:tgtEl>
+                                          <p:spTgt spid="4"/>
+                                        </p:tgtEl>
+                                        <p:attrNameLst>
+                                          <p:attrName>style.visibility</p:attrName>
+                                        </p:attrNameLst>
+                                      </p:cBhvr>
+                                      <p:to>
+                                        <p:strVal val="visible"/>
+                                      </p:to>
+                                    </p:set>
+                                  </p:childTnLst>
+                                </p:cTn>
+                              </p:par>
+                            </p:childTnLst>
+                          </p:cTn>
+                        </p:par>
+                      </p:childTnLst>
+                    </p:cTn>
+                  </p:par>
+                </p:childTnLst>
+              </p:cTn>
+              <p:prevCondLst>
+                <p:cond evt="onPrev" delay="0">
+                  <p:tgtEl>
+                    <p:sldTgt/>
+                  </p:tgtEl>
+                </p:cond>
+              </p:prevCondLst>
+              <p:nextCondLst>
+                <p:cond evt="onNext" delay="0">
+                  <p:tgtEl>
+                    <p:sldTgt/>
+                  </p:tgtEl>
+                </p:cond>
+              </p:nextCondLst>
+            </p:seq>
+          </p:childTnLst>
+        </p:cTn>
       </p:par>
     </p:tnLst>
   </p:timing>
@@ -5118,6 +5222,13 @@
   <p:clrMapOvr>
     <a:masterClrMapping/>
   </p:clrMapOvr>
+  <p:timing>
+    <p:tnLst>
+      <p:par>
+        <p:cTn xmlns:p14="http://schemas.microsoft.com/office/powerpoint/2010/main" id="1" dur="indefinite" restart="never" nodeType="tmRoot"/>
+      </p:par>
+    </p:tnLst>
+  </p:timing>
 </p:sld>
 </file>
 
@@ -5321,6 +5432,13 @@
   <p:clrMapOvr>
     <a:masterClrMapping/>
   </p:clrMapOvr>
+  <p:timing>
+    <p:tnLst>
+      <p:par>
+        <p:cTn xmlns:p14="http://schemas.microsoft.com/office/powerpoint/2010/main" id="1" dur="indefinite" restart="never" nodeType="tmRoot"/>
+      </p:par>
+    </p:tnLst>
+  </p:timing>
 </p:sld>
 </file>
 
@@ -5445,6 +5563,13 @@
   <p:clrMapOvr>
     <a:masterClrMapping/>
   </p:clrMapOvr>
+  <p:timing>
+    <p:tnLst>
+      <p:par>
+        <p:cTn xmlns:p14="http://schemas.microsoft.com/office/powerpoint/2010/main" id="1" dur="indefinite" restart="never" nodeType="tmRoot"/>
+      </p:par>
+    </p:tnLst>
+  </p:timing>
 </p:sld>
 </file>
 
@@ -5493,7 +5618,22 @@
             </a:r>
             <a:r>
               <a:rPr lang="en-US" dirty="0" smtClean="0"/>
-              <a:t> quantification: handling ambiguously mapped reads </a:t>
+              <a:t> quantification</a:t>
+            </a:r>
+            <a:r>
+              <a:rPr lang="en-US" dirty="0" smtClean="0"/>
+              <a:t>:</a:t>
+            </a:r>
+            <a:br>
+              <a:rPr lang="en-US" dirty="0" smtClean="0"/>
+            </a:br>
+            <a:r>
+              <a:rPr lang="en-US" dirty="0" smtClean="0"/>
+              <a:t>handling </a:t>
+            </a:r>
+            <a:r>
+              <a:rPr lang="en-US" dirty="0" smtClean="0"/>
+              <a:t>ambiguously mapped reads </a:t>
             </a:r>
             <a:endParaRPr lang="en-US" dirty="0"/>
           </a:p>
@@ -5640,6 +5780,13 @@
   <p:clrMapOvr>
     <a:masterClrMapping/>
   </p:clrMapOvr>
+  <p:timing>
+    <p:tnLst>
+      <p:par>
+        <p:cTn xmlns:p14="http://schemas.microsoft.com/office/powerpoint/2010/main" id="1" dur="indefinite" restart="never" nodeType="tmRoot"/>
+      </p:par>
+    </p:tnLst>
+  </p:timing>
 </p:sld>
 </file>
 
@@ -5743,11 +5890,7 @@
             <a:pPr algn="l"/>
             <a:r>
               <a:rPr lang="en-US" dirty="0" smtClean="0"/>
-              <a:t>The algorithm: a </a:t>
-            </a:r>
-            <a:r>
-              <a:rPr lang="en-US" dirty="0" smtClean="0"/>
-              <a:t>toy example</a:t>
+              <a:t>The algorithm: a toy example</a:t>
             </a:r>
             <a:endParaRPr lang="en-US" dirty="0"/>
           </a:p>
@@ -6675,6 +6818,13 @@
   <p:clrMapOvr>
     <a:masterClrMapping/>
   </p:clrMapOvr>
+  <p:timing>
+    <p:tnLst>
+      <p:par>
+        <p:cTn xmlns:p14="http://schemas.microsoft.com/office/powerpoint/2010/main" id="1" dur="indefinite" restart="never" nodeType="tmRoot"/>
+      </p:par>
+    </p:tnLst>
+  </p:timing>
 </p:sld>
 </file>
 
@@ -7665,6 +7815,13 @@
   <p:clrMapOvr>
     <a:masterClrMapping/>
   </p:clrMapOvr>
+  <p:timing>
+    <p:tnLst>
+      <p:par>
+        <p:cTn xmlns:p14="http://schemas.microsoft.com/office/powerpoint/2010/main" id="1" dur="indefinite" restart="never" nodeType="tmRoot"/>
+      </p:par>
+    </p:tnLst>
+  </p:timing>
 </p:sld>
 </file>
 
@@ -8673,6 +8830,13 @@
   <p:clrMapOvr>
     <a:masterClrMapping/>
   </p:clrMapOvr>
+  <p:timing>
+    <p:tnLst>
+      <p:par>
+        <p:cTn xmlns:p14="http://schemas.microsoft.com/office/powerpoint/2010/main" id="1" dur="indefinite" restart="never" nodeType="tmRoot"/>
+      </p:par>
+    </p:tnLst>
+  </p:timing>
 </p:sld>
 </file>
 
@@ -9663,6 +9827,13 @@
   <p:clrMapOvr>
     <a:masterClrMapping/>
   </p:clrMapOvr>
+  <p:timing>
+    <p:tnLst>
+      <p:par>
+        <p:cTn xmlns:p14="http://schemas.microsoft.com/office/powerpoint/2010/main" id="1" dur="indefinite" restart="never" nodeType="tmRoot"/>
+      </p:par>
+    </p:tnLst>
+  </p:timing>
 </p:sld>
 </file>
 
@@ -9921,7 +10092,7 @@
   <a:extraClrSchemeLst/>
   <a:extLst>
     <a:ext uri="{05A4C25C-085E-4340-85A3-A5531E510DB2}">
-      <thm15:themeFamily xmlns="" xmlns:thm15="http://schemas.microsoft.com/office/thememl/2012/main" name="Office Theme" id="{62F939B6-93AF-4DB8-9C6B-D6C7DFDC589F}" vid="{4A3C46E8-61CC-4603-A589-7422A47A8E4A}"/>
+      <thm15:themeFamily xmlns:thm15="http://schemas.microsoft.com/office/thememl/2012/main" xmlns="" name="Office Theme" id="{62F939B6-93AF-4DB8-9C6B-D6C7DFDC589F}" vid="{4A3C46E8-61CC-4603-A589-7422A47A8E4A}"/>
     </a:ext>
   </a:extLst>
 </a:theme>
